--- a/reports/Slides.pptx
+++ b/reports/Slides.pptx
@@ -1,56 +1,63 @@
 
 <file path=ppt/presentation.xml><?xml version="1.0" encoding="utf-8"?>
-<p:presentation xmlns:a="http://schemas.openxmlformats.org/drawingml/2006/main" xmlns:r="http://schemas.openxmlformats.org/officeDocument/2006/relationships" xmlns:mc="http://schemas.openxmlformats.org/markup-compatibility/2006" xmlns:mv="urn:schemas-microsoft-com:mac:vml" xmlns:p="http://schemas.openxmlformats.org/presentationml/2006/main" xmlns:c="http://schemas.openxmlformats.org/drawingml/2006/chart" xmlns:dgm="http://schemas.openxmlformats.org/drawingml/2006/diagram" xmlns:o="urn:schemas-microsoft-com:office:office" xmlns:v="urn:schemas-microsoft-com:vml" xmlns:pvml="urn:schemas-microsoft-com:office:powerpoint" xmlns:com="http://schemas.openxmlformats.org/drawingml/2006/compatibility" xmlns:p14="http://schemas.microsoft.com/office/powerpoint/2010/main" autoCompressPictures="0" embedTrueTypeFonts="1" strictFirstAndLastChars="0" saveSubsetFonts="1">
+<p:presentation xmlns:a="http://schemas.openxmlformats.org/drawingml/2006/main" xmlns:r="http://schemas.openxmlformats.org/officeDocument/2006/relationships" xmlns:p="http://schemas.openxmlformats.org/presentationml/2006/main" strictFirstAndLastChars="0" embedTrueTypeFonts="1" saveSubsetFonts="1" autoCompressPictures="0">
   <p:sldMasterIdLst>
-    <p:sldMasterId id="2147483659" r:id="rId3"/>
+    <p:sldMasterId id="2147483659" r:id="rId1"/>
   </p:sldMasterIdLst>
   <p:notesMasterIdLst>
-    <p:notesMasterId r:id="rId4"/>
+    <p:notesMasterId r:id="rId31"/>
   </p:notesMasterIdLst>
   <p:sldIdLst>
-    <p:sldId id="256" r:id="rId5"/>
-    <p:sldId id="257" r:id="rId6"/>
-    <p:sldId id="258" r:id="rId7"/>
-    <p:sldId id="259" r:id="rId8"/>
-    <p:sldId id="260" r:id="rId9"/>
-    <p:sldId id="261" r:id="rId10"/>
-    <p:sldId id="262" r:id="rId11"/>
-    <p:sldId id="263" r:id="rId12"/>
-    <p:sldId id="264" r:id="rId13"/>
-    <p:sldId id="265" r:id="rId14"/>
-    <p:sldId id="266" r:id="rId15"/>
-    <p:sldId id="267" r:id="rId16"/>
-    <p:sldId id="268" r:id="rId17"/>
-    <p:sldId id="269" r:id="rId18"/>
-    <p:sldId id="270" r:id="rId19"/>
-    <p:sldId id="271" r:id="rId20"/>
-    <p:sldId id="272" r:id="rId21"/>
-    <p:sldId id="273" r:id="rId22"/>
-    <p:sldId id="274" r:id="rId23"/>
-    <p:sldId id="275" r:id="rId24"/>
-    <p:sldId id="276" r:id="rId25"/>
-    <p:sldId id="277" r:id="rId26"/>
-    <p:sldId id="278" r:id="rId27"/>
-    <p:sldId id="279" r:id="rId28"/>
-    <p:sldId id="280" r:id="rId29"/>
-    <p:sldId id="281" r:id="rId30"/>
-    <p:sldId id="282" r:id="rId31"/>
-    <p:sldId id="283" r:id="rId32"/>
-    <p:sldId id="284" r:id="rId33"/>
+    <p:sldId id="256" r:id="rId2"/>
+    <p:sldId id="257" r:id="rId3"/>
+    <p:sldId id="258" r:id="rId4"/>
+    <p:sldId id="259" r:id="rId5"/>
+    <p:sldId id="260" r:id="rId6"/>
+    <p:sldId id="261" r:id="rId7"/>
+    <p:sldId id="262" r:id="rId8"/>
+    <p:sldId id="263" r:id="rId9"/>
+    <p:sldId id="264" r:id="rId10"/>
+    <p:sldId id="265" r:id="rId11"/>
+    <p:sldId id="266" r:id="rId12"/>
+    <p:sldId id="267" r:id="rId13"/>
+    <p:sldId id="268" r:id="rId14"/>
+    <p:sldId id="269" r:id="rId15"/>
+    <p:sldId id="270" r:id="rId16"/>
+    <p:sldId id="271" r:id="rId17"/>
+    <p:sldId id="272" r:id="rId18"/>
+    <p:sldId id="273" r:id="rId19"/>
+    <p:sldId id="274" r:id="rId20"/>
+    <p:sldId id="275" r:id="rId21"/>
+    <p:sldId id="276" r:id="rId22"/>
+    <p:sldId id="277" r:id="rId23"/>
+    <p:sldId id="278" r:id="rId24"/>
+    <p:sldId id="279" r:id="rId25"/>
+    <p:sldId id="280" r:id="rId26"/>
+    <p:sldId id="281" r:id="rId27"/>
+    <p:sldId id="282" r:id="rId28"/>
+    <p:sldId id="283" r:id="rId29"/>
+    <p:sldId id="284" r:id="rId30"/>
   </p:sldIdLst>
-  <p:sldSz cy="5143500" cx="9144000"/>
+  <p:sldSz cx="9144000" cy="5143500" type="screen16x9"/>
   <p:notesSz cx="6858000" cy="9144000"/>
   <p:embeddedFontLst>
     <p:embeddedFont>
-      <p:font typeface="Proxima Nova"/>
-      <p:regular r:id="rId34"/>
-      <p:bold r:id="rId35"/>
-      <p:italic r:id="rId36"/>
-      <p:boldItalic r:id="rId37"/>
+      <p:font typeface="Georgia" panose="02040502050405020303" pitchFamily="18" charset="0"/>
+      <p:regular r:id="rId32"/>
+      <p:bold r:id="rId33"/>
+      <p:italic r:id="rId34"/>
+      <p:boldItalic r:id="rId35"/>
+    </p:embeddedFont>
+    <p:embeddedFont>
+      <p:font typeface="Proxima Nova" panose="020B0604020202020204" charset="0"/>
+      <p:regular r:id="rId36"/>
+      <p:bold r:id="rId37"/>
+      <p:italic r:id="rId38"/>
+      <p:boldItalic r:id="rId39"/>
     </p:embeddedFont>
   </p:embeddedFontLst>
   <p:defaultTextStyle>
-    <a:defPPr lvl="0" marR="0" rtl="0" algn="l">
+    <a:defPPr marR="0" lvl="0" algn="l" rtl="0">
       <a:lnSpc>
         <a:spcPct val="100000"/>
       </a:lnSpc>
@@ -61,7 +68,7 @@
         <a:spcPts val="0"/>
       </a:spcAft>
     </a:defPPr>
-    <a:lvl1pPr lvl="0" marR="0" rtl="0" algn="l">
+    <a:lvl1pPr marR="0" lvl="0" algn="l" rtl="0">
       <a:lnSpc>
         <a:spcPct val="100000"/>
       </a:lnSpc>
@@ -72,7 +79,7 @@
         <a:spcPts val="0"/>
       </a:spcAft>
       <a:buNone/>
-      <a:defRPr b="0" i="0" sz="1400" u="none" cap="none" strike="noStrike">
+      <a:defRPr sz="1400" b="0" i="0" u="none" strike="noStrike" cap="none">
         <a:solidFill>
           <a:srgbClr val="000000"/>
         </a:solidFill>
@@ -82,7 +89,7 @@
         <a:sym typeface="Arial"/>
       </a:defRPr>
     </a:lvl1pPr>
-    <a:lvl2pPr lvl="1" marR="0" rtl="0" algn="l">
+    <a:lvl2pPr marR="0" lvl="1" algn="l" rtl="0">
       <a:lnSpc>
         <a:spcPct val="100000"/>
       </a:lnSpc>
@@ -93,7 +100,7 @@
         <a:spcPts val="0"/>
       </a:spcAft>
       <a:buNone/>
-      <a:defRPr b="0" i="0" sz="1400" u="none" cap="none" strike="noStrike">
+      <a:defRPr sz="1400" b="0" i="0" u="none" strike="noStrike" cap="none">
         <a:solidFill>
           <a:srgbClr val="000000"/>
         </a:solidFill>
@@ -103,7 +110,7 @@
         <a:sym typeface="Arial"/>
       </a:defRPr>
     </a:lvl2pPr>
-    <a:lvl3pPr lvl="2" marR="0" rtl="0" algn="l">
+    <a:lvl3pPr marR="0" lvl="2" algn="l" rtl="0">
       <a:lnSpc>
         <a:spcPct val="100000"/>
       </a:lnSpc>
@@ -114,7 +121,7 @@
         <a:spcPts val="0"/>
       </a:spcAft>
       <a:buNone/>
-      <a:defRPr b="0" i="0" sz="1400" u="none" cap="none" strike="noStrike">
+      <a:defRPr sz="1400" b="0" i="0" u="none" strike="noStrike" cap="none">
         <a:solidFill>
           <a:srgbClr val="000000"/>
         </a:solidFill>
@@ -124,7 +131,7 @@
         <a:sym typeface="Arial"/>
       </a:defRPr>
     </a:lvl3pPr>
-    <a:lvl4pPr lvl="3" marR="0" rtl="0" algn="l">
+    <a:lvl4pPr marR="0" lvl="3" algn="l" rtl="0">
       <a:lnSpc>
         <a:spcPct val="100000"/>
       </a:lnSpc>
@@ -135,7 +142,7 @@
         <a:spcPts val="0"/>
       </a:spcAft>
       <a:buNone/>
-      <a:defRPr b="0" i="0" sz="1400" u="none" cap="none" strike="noStrike">
+      <a:defRPr sz="1400" b="0" i="0" u="none" strike="noStrike" cap="none">
         <a:solidFill>
           <a:srgbClr val="000000"/>
         </a:solidFill>
@@ -145,7 +152,7 @@
         <a:sym typeface="Arial"/>
       </a:defRPr>
     </a:lvl4pPr>
-    <a:lvl5pPr lvl="4" marR="0" rtl="0" algn="l">
+    <a:lvl5pPr marR="0" lvl="4" algn="l" rtl="0">
       <a:lnSpc>
         <a:spcPct val="100000"/>
       </a:lnSpc>
@@ -156,7 +163,7 @@
         <a:spcPts val="0"/>
       </a:spcAft>
       <a:buNone/>
-      <a:defRPr b="0" i="0" sz="1400" u="none" cap="none" strike="noStrike">
+      <a:defRPr sz="1400" b="0" i="0" u="none" strike="noStrike" cap="none">
         <a:solidFill>
           <a:srgbClr val="000000"/>
         </a:solidFill>
@@ -166,7 +173,7 @@
         <a:sym typeface="Arial"/>
       </a:defRPr>
     </a:lvl5pPr>
-    <a:lvl6pPr lvl="5" marR="0" rtl="0" algn="l">
+    <a:lvl6pPr marR="0" lvl="5" algn="l" rtl="0">
       <a:lnSpc>
         <a:spcPct val="100000"/>
       </a:lnSpc>
@@ -177,7 +184,7 @@
         <a:spcPts val="0"/>
       </a:spcAft>
       <a:buNone/>
-      <a:defRPr b="0" i="0" sz="1400" u="none" cap="none" strike="noStrike">
+      <a:defRPr sz="1400" b="0" i="0" u="none" strike="noStrike" cap="none">
         <a:solidFill>
           <a:srgbClr val="000000"/>
         </a:solidFill>
@@ -187,7 +194,7 @@
         <a:sym typeface="Arial"/>
       </a:defRPr>
     </a:lvl6pPr>
-    <a:lvl7pPr lvl="6" marR="0" rtl="0" algn="l">
+    <a:lvl7pPr marR="0" lvl="6" algn="l" rtl="0">
       <a:lnSpc>
         <a:spcPct val="100000"/>
       </a:lnSpc>
@@ -198,7 +205,7 @@
         <a:spcPts val="0"/>
       </a:spcAft>
       <a:buNone/>
-      <a:defRPr b="0" i="0" sz="1400" u="none" cap="none" strike="noStrike">
+      <a:defRPr sz="1400" b="0" i="0" u="none" strike="noStrike" cap="none">
         <a:solidFill>
           <a:srgbClr val="000000"/>
         </a:solidFill>
@@ -208,7 +215,7 @@
         <a:sym typeface="Arial"/>
       </a:defRPr>
     </a:lvl7pPr>
-    <a:lvl8pPr lvl="7" marR="0" rtl="0" algn="l">
+    <a:lvl8pPr marR="0" lvl="7" algn="l" rtl="0">
       <a:lnSpc>
         <a:spcPct val="100000"/>
       </a:lnSpc>
@@ -219,7 +226,7 @@
         <a:spcPts val="0"/>
       </a:spcAft>
       <a:buNone/>
-      <a:defRPr b="0" i="0" sz="1400" u="none" cap="none" strike="noStrike">
+      <a:defRPr sz="1400" b="0" i="0" u="none" strike="noStrike" cap="none">
         <a:solidFill>
           <a:srgbClr val="000000"/>
         </a:solidFill>
@@ -229,7 +236,7 @@
         <a:sym typeface="Arial"/>
       </a:defRPr>
     </a:lvl8pPr>
-    <a:lvl9pPr lvl="8" marR="0" rtl="0" algn="l">
+    <a:lvl9pPr marR="0" lvl="8" algn="l" rtl="0">
       <a:lnSpc>
         <a:spcPct val="100000"/>
       </a:lnSpc>
@@ -240,7 +247,7 @@
         <a:spcPts val="0"/>
       </a:spcAft>
       <a:buNone/>
-      <a:defRPr b="0" i="0" sz="1400" u="none" cap="none" strike="noStrike">
+      <a:defRPr sz="1400" b="0" i="0" u="none" strike="noStrike" cap="none">
         <a:solidFill>
           <a:srgbClr val="000000"/>
         </a:solidFill>
@@ -255,11 +262,16 @@
 </file>
 
 <file path=ppt/notesMasters/notesMaster1.xml><?xml version="1.0" encoding="utf-8"?>
-<p:notesMaster xmlns:a="http://schemas.openxmlformats.org/drawingml/2006/main" xmlns:r="http://schemas.openxmlformats.org/officeDocument/2006/relationships" xmlns:mc="http://schemas.openxmlformats.org/markup-compatibility/2006" xmlns:mv="urn:schemas-microsoft-com:mac:vml" xmlns:p="http://schemas.openxmlformats.org/presentationml/2006/main" xmlns:c="http://schemas.openxmlformats.org/drawingml/2006/chart" xmlns:dgm="http://schemas.openxmlformats.org/drawingml/2006/diagram" xmlns:o="urn:schemas-microsoft-com:office:office" xmlns:v="urn:schemas-microsoft-com:vml" xmlns:pvml="urn:schemas-microsoft-com:office:powerpoint" xmlns:com="http://schemas.openxmlformats.org/drawingml/2006/compatibility" xmlns:p14="http://schemas.microsoft.com/office/powerpoint/2010/main">
+<p:notesMaster xmlns:a="http://schemas.openxmlformats.org/drawingml/2006/main" xmlns:r="http://schemas.openxmlformats.org/officeDocument/2006/relationships" xmlns:p="http://schemas.openxmlformats.org/presentationml/2006/main">
   <p:cSld>
+    <p:bg>
+      <p:bgRef idx="1001">
+        <a:schemeClr val="bg1"/>
+      </p:bgRef>
+    </p:bg>
     <p:spTree>
       <p:nvGrpSpPr>
-        <p:cNvPr id="2" name="Shape 2"/>
+        <p:cNvPr id="1" name="Shape 2"/>
         <p:cNvGrpSpPr/>
         <p:nvPr/>
       </p:nvGrpSpPr>
@@ -274,9 +286,11 @@
       <p:sp>
         <p:nvSpPr>
           <p:cNvPr id="3" name="Shape 3"/>
-          <p:cNvSpPr/>
-          <p:nvPr>
-            <p:ph idx="2" type="sldImg"/>
+          <p:cNvSpPr>
+            <a:spLocks noGrp="1" noRot="1" noChangeAspect="1"/>
+          </p:cNvSpPr>
+          <p:nvPr>
+            <p:ph type="sldImg" idx="2"/>
           </p:nvPr>
         </p:nvSpPr>
         <p:spPr>
@@ -285,8 +299,13 @@
             <a:ext cx="6096075" cy="3429000"/>
           </a:xfrm>
           <a:custGeom>
+            <a:avLst/>
+            <a:gdLst/>
+            <a:ahLst/>
+            <a:cxnLst/>
+            <a:rect l="0" t="0" r="0" b="0"/>
             <a:pathLst>
-              <a:path extrusionOk="0" h="120000" w="120000">
+              <a:path w="120000" h="120000" extrusionOk="0">
                 <a:moveTo>
                   <a:pt x="0" y="0"/>
                 </a:moveTo>
@@ -304,23 +323,25 @@
             </a:pathLst>
           </a:custGeom>
           <a:noFill/>
-          <a:ln cap="flat" cmpd="sng" w="9525">
+          <a:ln w="9525" cap="flat" cmpd="sng">
             <a:solidFill>
               <a:srgbClr val="000000"/>
             </a:solidFill>
             <a:prstDash val="solid"/>
             <a:round/>
-            <a:headEnd len="med" w="med" type="none"/>
-            <a:tailEnd len="med" w="med" type="none"/>
+            <a:headEnd type="none" w="med" len="med"/>
+            <a:tailEnd type="none" w="med" len="med"/>
           </a:ln>
         </p:spPr>
       </p:sp>
       <p:sp>
         <p:nvSpPr>
           <p:cNvPr id="4" name="Shape 4"/>
-          <p:cNvSpPr txBox="1"/>
-          <p:nvPr>
-            <p:ph idx="1" type="body"/>
+          <p:cNvSpPr txBox="1">
+            <a:spLocks noGrp="1"/>
+          </p:cNvSpPr>
+          <p:nvPr>
+            <p:ph type="body" idx="1"/>
           </p:nvPr>
         </p:nvSpPr>
         <p:spPr>
@@ -337,7 +358,7 @@
           </a:ln>
         </p:spPr>
         <p:txBody>
-          <a:bodyPr anchorCtr="0" anchor="t" bIns="91425" lIns="91425" rIns="91425" tIns="91425"/>
+          <a:bodyPr lIns="91425" tIns="91425" rIns="91425" bIns="91425" anchor="t" anchorCtr="0"/>
           <a:lstStyle>
             <a:lvl1pPr lvl="0">
               <a:spcBef>
@@ -394,21 +415,115 @@
               <a:defRPr sz="1100"/>
             </a:lvl9pPr>
           </a:lstStyle>
-          <a:p/>
+          <a:p>
+            <a:endParaRPr/>
+          </a:p>
         </p:txBody>
       </p:sp>
     </p:spTree>
   </p:cSld>
-  <p:clrMap accent1="accent1" accent2="accent2" accent3="accent3" accent4="accent4" accent5="accent5" accent6="accent6" bg1="lt1" bg2="dk2" tx1="dk1" tx2="lt2" folHlink="folHlink" hlink="hlink"/>
+  <p:clrMap bg1="lt1" tx1="dk1" bg2="dk2" tx2="lt2" accent1="accent1" accent2="accent2" accent3="accent3" accent4="accent4" accent5="accent5" accent6="accent6" hlink="hlink" folHlink="folHlink"/>
+  <p:notesStyle>
+    <a:lvl1pPr marL="0" algn="l" defTabSz="914400" rtl="0" eaLnBrk="1" latinLnBrk="0" hangingPunct="1">
+      <a:defRPr sz="1200" kern="1200">
+        <a:solidFill>
+          <a:schemeClr val="tx1"/>
+        </a:solidFill>
+        <a:latin typeface="+mn-lt"/>
+        <a:ea typeface="+mn-ea"/>
+        <a:cs typeface="+mn-cs"/>
+      </a:defRPr>
+    </a:lvl1pPr>
+    <a:lvl2pPr marL="457200" algn="l" defTabSz="914400" rtl="0" eaLnBrk="1" latinLnBrk="0" hangingPunct="1">
+      <a:defRPr sz="1200" kern="1200">
+        <a:solidFill>
+          <a:schemeClr val="tx1"/>
+        </a:solidFill>
+        <a:latin typeface="+mn-lt"/>
+        <a:ea typeface="+mn-ea"/>
+        <a:cs typeface="+mn-cs"/>
+      </a:defRPr>
+    </a:lvl2pPr>
+    <a:lvl3pPr marL="914400" algn="l" defTabSz="914400" rtl="0" eaLnBrk="1" latinLnBrk="0" hangingPunct="1">
+      <a:defRPr sz="1200" kern="1200">
+        <a:solidFill>
+          <a:schemeClr val="tx1"/>
+        </a:solidFill>
+        <a:latin typeface="+mn-lt"/>
+        <a:ea typeface="+mn-ea"/>
+        <a:cs typeface="+mn-cs"/>
+      </a:defRPr>
+    </a:lvl3pPr>
+    <a:lvl4pPr marL="1371600" algn="l" defTabSz="914400" rtl="0" eaLnBrk="1" latinLnBrk="0" hangingPunct="1">
+      <a:defRPr sz="1200" kern="1200">
+        <a:solidFill>
+          <a:schemeClr val="tx1"/>
+        </a:solidFill>
+        <a:latin typeface="+mn-lt"/>
+        <a:ea typeface="+mn-ea"/>
+        <a:cs typeface="+mn-cs"/>
+      </a:defRPr>
+    </a:lvl4pPr>
+    <a:lvl5pPr marL="1828800" algn="l" defTabSz="914400" rtl="0" eaLnBrk="1" latinLnBrk="0" hangingPunct="1">
+      <a:defRPr sz="1200" kern="1200">
+        <a:solidFill>
+          <a:schemeClr val="tx1"/>
+        </a:solidFill>
+        <a:latin typeface="+mn-lt"/>
+        <a:ea typeface="+mn-ea"/>
+        <a:cs typeface="+mn-cs"/>
+      </a:defRPr>
+    </a:lvl5pPr>
+    <a:lvl6pPr marL="2286000" algn="l" defTabSz="914400" rtl="0" eaLnBrk="1" latinLnBrk="0" hangingPunct="1">
+      <a:defRPr sz="1200" kern="1200">
+        <a:solidFill>
+          <a:schemeClr val="tx1"/>
+        </a:solidFill>
+        <a:latin typeface="+mn-lt"/>
+        <a:ea typeface="+mn-ea"/>
+        <a:cs typeface="+mn-cs"/>
+      </a:defRPr>
+    </a:lvl6pPr>
+    <a:lvl7pPr marL="2743200" algn="l" defTabSz="914400" rtl="0" eaLnBrk="1" latinLnBrk="0" hangingPunct="1">
+      <a:defRPr sz="1200" kern="1200">
+        <a:solidFill>
+          <a:schemeClr val="tx1"/>
+        </a:solidFill>
+        <a:latin typeface="+mn-lt"/>
+        <a:ea typeface="+mn-ea"/>
+        <a:cs typeface="+mn-cs"/>
+      </a:defRPr>
+    </a:lvl7pPr>
+    <a:lvl8pPr marL="3200400" algn="l" defTabSz="914400" rtl="0" eaLnBrk="1" latinLnBrk="0" hangingPunct="1">
+      <a:defRPr sz="1200" kern="1200">
+        <a:solidFill>
+          <a:schemeClr val="tx1"/>
+        </a:solidFill>
+        <a:latin typeface="+mn-lt"/>
+        <a:ea typeface="+mn-ea"/>
+        <a:cs typeface="+mn-cs"/>
+      </a:defRPr>
+    </a:lvl8pPr>
+    <a:lvl9pPr marL="3657600" algn="l" defTabSz="914400" rtl="0" eaLnBrk="1" latinLnBrk="0" hangingPunct="1">
+      <a:defRPr sz="1200" kern="1200">
+        <a:solidFill>
+          <a:schemeClr val="tx1"/>
+        </a:solidFill>
+        <a:latin typeface="+mn-lt"/>
+        <a:ea typeface="+mn-ea"/>
+        <a:cs typeface="+mn-cs"/>
+      </a:defRPr>
+    </a:lvl9pPr>
+  </p:notesStyle>
 </p:notesMaster>
 </file>
 
 <file path=ppt/notesSlides/notesSlide1.xml><?xml version="1.0" encoding="utf-8"?>
-<p:notes xmlns:a="http://schemas.openxmlformats.org/drawingml/2006/main" xmlns:r="http://schemas.openxmlformats.org/officeDocument/2006/relationships" xmlns:mc="http://schemas.openxmlformats.org/markup-compatibility/2006" xmlns:mv="urn:schemas-microsoft-com:mac:vml" xmlns:p="http://schemas.openxmlformats.org/presentationml/2006/main" xmlns:c="http://schemas.openxmlformats.org/drawingml/2006/chart" xmlns:dgm="http://schemas.openxmlformats.org/drawingml/2006/diagram" xmlns:o="urn:schemas-microsoft-com:office:office" xmlns:v="urn:schemas-microsoft-com:vml" xmlns:pvml="urn:schemas-microsoft-com:office:powerpoint" xmlns:com="http://schemas.openxmlformats.org/drawingml/2006/compatibility" xmlns:p14="http://schemas.microsoft.com/office/powerpoint/2010/main" showMasterPhAnim="0" showMasterSp="0">
+<p:notes xmlns:a="http://schemas.openxmlformats.org/drawingml/2006/main" xmlns:r="http://schemas.openxmlformats.org/officeDocument/2006/relationships" xmlns:p="http://schemas.openxmlformats.org/presentationml/2006/main" showMasterSp="0" showMasterPhAnim="0">
   <p:cSld>
     <p:spTree>
       <p:nvGrpSpPr>
-        <p:cNvPr id="55" name="Shape 55"/>
+        <p:cNvPr id="1" name="Shape 55"/>
         <p:cNvGrpSpPr/>
         <p:nvPr/>
       </p:nvGrpSpPr>
@@ -423,9 +538,11 @@
       <p:sp>
         <p:nvSpPr>
           <p:cNvPr id="56" name="Shape 56"/>
-          <p:cNvSpPr/>
-          <p:nvPr>
-            <p:ph idx="2" type="sldImg"/>
+          <p:cNvSpPr>
+            <a:spLocks noGrp="1" noRot="1" noChangeAspect="1"/>
+          </p:cNvSpPr>
+          <p:nvPr>
+            <p:ph type="sldImg" idx="2"/>
           </p:nvPr>
         </p:nvSpPr>
         <p:spPr>
@@ -434,8 +551,13 @@
             <a:ext cx="6096075" cy="3429000"/>
           </a:xfrm>
           <a:custGeom>
+            <a:avLst/>
+            <a:gdLst/>
+            <a:ahLst/>
+            <a:cxnLst/>
+            <a:rect l="0" t="0" r="0" b="0"/>
             <a:pathLst>
-              <a:path extrusionOk="0" h="120000" w="120000">
+              <a:path w="120000" h="120000" extrusionOk="0">
                 <a:moveTo>
                   <a:pt x="0" y="0"/>
                 </a:moveTo>
@@ -457,9 +579,11 @@
       <p:sp>
         <p:nvSpPr>
           <p:cNvPr id="57" name="Shape 57"/>
-          <p:cNvSpPr txBox="1"/>
-          <p:nvPr>
-            <p:ph idx="1" type="body"/>
+          <p:cNvSpPr txBox="1">
+            <a:spLocks noGrp="1"/>
+          </p:cNvSpPr>
+          <p:nvPr>
+            <p:ph type="body" idx="1"/>
           </p:nvPr>
         </p:nvSpPr>
         <p:spPr>
@@ -472,7 +596,7 @@
           </a:prstGeom>
         </p:spPr>
         <p:txBody>
-          <a:bodyPr anchorCtr="0" anchor="t" bIns="91425" lIns="91425" rIns="91425" tIns="91425">
+          <a:bodyPr lIns="91425" tIns="91425" rIns="91425" bIns="91425" anchor="t" anchorCtr="0">
             <a:noAutofit/>
           </a:bodyPr>
           <a:lstStyle/>
@@ -483,9 +607,6 @@
               </a:spcBef>
               <a:buNone/>
             </a:pPr>
-            <a:r>
-              <a:t/>
-            </a:r>
             <a:endParaRPr/>
           </a:p>
         </p:txBody>
@@ -499,11 +620,11 @@
 </file>
 
 <file path=ppt/notesSlides/notesSlide10.xml><?xml version="1.0" encoding="utf-8"?>
-<p:notes xmlns:a="http://schemas.openxmlformats.org/drawingml/2006/main" xmlns:r="http://schemas.openxmlformats.org/officeDocument/2006/relationships" xmlns:mc="http://schemas.openxmlformats.org/markup-compatibility/2006" xmlns:mv="urn:schemas-microsoft-com:mac:vml" xmlns:p="http://schemas.openxmlformats.org/presentationml/2006/main" xmlns:c="http://schemas.openxmlformats.org/drawingml/2006/chart" xmlns:dgm="http://schemas.openxmlformats.org/drawingml/2006/diagram" xmlns:o="urn:schemas-microsoft-com:office:office" xmlns:v="urn:schemas-microsoft-com:vml" xmlns:pvml="urn:schemas-microsoft-com:office:powerpoint" xmlns:com="http://schemas.openxmlformats.org/drawingml/2006/compatibility" xmlns:p14="http://schemas.microsoft.com/office/powerpoint/2010/main" showMasterPhAnim="0" showMasterSp="0">
+<p:notes xmlns:a="http://schemas.openxmlformats.org/drawingml/2006/main" xmlns:r="http://schemas.openxmlformats.org/officeDocument/2006/relationships" xmlns:p="http://schemas.openxmlformats.org/presentationml/2006/main" showMasterSp="0" showMasterPhAnim="0">
   <p:cSld>
     <p:spTree>
       <p:nvGrpSpPr>
-        <p:cNvPr id="111" name="Shape 111"/>
+        <p:cNvPr id="1" name="Shape 111"/>
         <p:cNvGrpSpPr/>
         <p:nvPr/>
       </p:nvGrpSpPr>
@@ -518,9 +639,11 @@
       <p:sp>
         <p:nvSpPr>
           <p:cNvPr id="112" name="Shape 112"/>
-          <p:cNvSpPr/>
-          <p:nvPr>
-            <p:ph idx="2" type="sldImg"/>
+          <p:cNvSpPr>
+            <a:spLocks noGrp="1" noRot="1" noChangeAspect="1"/>
+          </p:cNvSpPr>
+          <p:nvPr>
+            <p:ph type="sldImg" idx="2"/>
           </p:nvPr>
         </p:nvSpPr>
         <p:spPr>
@@ -529,8 +652,13 @@
             <a:ext cx="6096000" cy="3429000"/>
           </a:xfrm>
           <a:custGeom>
+            <a:avLst/>
+            <a:gdLst/>
+            <a:ahLst/>
+            <a:cxnLst/>
+            <a:rect l="0" t="0" r="0" b="0"/>
             <a:pathLst>
-              <a:path extrusionOk="0" h="120000" w="120000">
+              <a:path w="120000" h="120000" extrusionOk="0">
                 <a:moveTo>
                   <a:pt x="0" y="0"/>
                 </a:moveTo>
@@ -552,9 +680,11 @@
       <p:sp>
         <p:nvSpPr>
           <p:cNvPr id="113" name="Shape 113"/>
-          <p:cNvSpPr txBox="1"/>
-          <p:nvPr>
-            <p:ph idx="1" type="body"/>
+          <p:cNvSpPr txBox="1">
+            <a:spLocks noGrp="1"/>
+          </p:cNvSpPr>
+          <p:nvPr>
+            <p:ph type="body" idx="1"/>
           </p:nvPr>
         </p:nvSpPr>
         <p:spPr>
@@ -567,7 +697,7 @@
           </a:prstGeom>
         </p:spPr>
         <p:txBody>
-          <a:bodyPr anchorCtr="0" anchor="t" bIns="91425" lIns="91425" rIns="91425" tIns="91425">
+          <a:bodyPr lIns="91425" tIns="91425" rIns="91425" bIns="91425" anchor="t" anchorCtr="0">
             <a:noAutofit/>
           </a:bodyPr>
           <a:lstStyle/>
@@ -578,9 +708,6 @@
               </a:spcBef>
               <a:buNone/>
             </a:pPr>
-            <a:r>
-              <a:t/>
-            </a:r>
             <a:endParaRPr/>
           </a:p>
         </p:txBody>
@@ -594,11 +721,11 @@
 </file>
 
 <file path=ppt/notesSlides/notesSlide11.xml><?xml version="1.0" encoding="utf-8"?>
-<p:notes xmlns:a="http://schemas.openxmlformats.org/drawingml/2006/main" xmlns:r="http://schemas.openxmlformats.org/officeDocument/2006/relationships" xmlns:mc="http://schemas.openxmlformats.org/markup-compatibility/2006" xmlns:mv="urn:schemas-microsoft-com:mac:vml" xmlns:p="http://schemas.openxmlformats.org/presentationml/2006/main" xmlns:c="http://schemas.openxmlformats.org/drawingml/2006/chart" xmlns:dgm="http://schemas.openxmlformats.org/drawingml/2006/diagram" xmlns:o="urn:schemas-microsoft-com:office:office" xmlns:v="urn:schemas-microsoft-com:vml" xmlns:pvml="urn:schemas-microsoft-com:office:powerpoint" xmlns:com="http://schemas.openxmlformats.org/drawingml/2006/compatibility" xmlns:p14="http://schemas.microsoft.com/office/powerpoint/2010/main" showMasterPhAnim="0" showMasterSp="0">
+<p:notes xmlns:a="http://schemas.openxmlformats.org/drawingml/2006/main" xmlns:r="http://schemas.openxmlformats.org/officeDocument/2006/relationships" xmlns:p="http://schemas.openxmlformats.org/presentationml/2006/main" showMasterSp="0" showMasterPhAnim="0">
   <p:cSld>
     <p:spTree>
       <p:nvGrpSpPr>
-        <p:cNvPr id="117" name="Shape 117"/>
+        <p:cNvPr id="1" name="Shape 117"/>
         <p:cNvGrpSpPr/>
         <p:nvPr/>
       </p:nvGrpSpPr>
@@ -613,9 +740,11 @@
       <p:sp>
         <p:nvSpPr>
           <p:cNvPr id="118" name="Shape 118"/>
-          <p:cNvSpPr/>
-          <p:nvPr>
-            <p:ph idx="2" type="sldImg"/>
+          <p:cNvSpPr>
+            <a:spLocks noGrp="1" noRot="1" noChangeAspect="1"/>
+          </p:cNvSpPr>
+          <p:nvPr>
+            <p:ph type="sldImg" idx="2"/>
           </p:nvPr>
         </p:nvSpPr>
         <p:spPr>
@@ -624,8 +753,13 @@
             <a:ext cx="6096000" cy="3429000"/>
           </a:xfrm>
           <a:custGeom>
+            <a:avLst/>
+            <a:gdLst/>
+            <a:ahLst/>
+            <a:cxnLst/>
+            <a:rect l="0" t="0" r="0" b="0"/>
             <a:pathLst>
-              <a:path extrusionOk="0" h="120000" w="120000">
+              <a:path w="120000" h="120000" extrusionOk="0">
                 <a:moveTo>
                   <a:pt x="0" y="0"/>
                 </a:moveTo>
@@ -647,9 +781,11 @@
       <p:sp>
         <p:nvSpPr>
           <p:cNvPr id="119" name="Shape 119"/>
-          <p:cNvSpPr txBox="1"/>
-          <p:nvPr>
-            <p:ph idx="1" type="body"/>
+          <p:cNvSpPr txBox="1">
+            <a:spLocks noGrp="1"/>
+          </p:cNvSpPr>
+          <p:nvPr>
+            <p:ph type="body" idx="1"/>
           </p:nvPr>
         </p:nvSpPr>
         <p:spPr>
@@ -662,7 +798,7 @@
           </a:prstGeom>
         </p:spPr>
         <p:txBody>
-          <a:bodyPr anchorCtr="0" anchor="t" bIns="91425" lIns="91425" rIns="91425" tIns="91425">
+          <a:bodyPr lIns="91425" tIns="91425" rIns="91425" bIns="91425" anchor="t" anchorCtr="0">
             <a:noAutofit/>
           </a:bodyPr>
           <a:lstStyle/>
@@ -673,9 +809,6 @@
               </a:spcBef>
               <a:buNone/>
             </a:pPr>
-            <a:r>
-              <a:t/>
-            </a:r>
             <a:endParaRPr/>
           </a:p>
         </p:txBody>
@@ -689,11 +822,11 @@
 </file>
 
 <file path=ppt/notesSlides/notesSlide12.xml><?xml version="1.0" encoding="utf-8"?>
-<p:notes xmlns:a="http://schemas.openxmlformats.org/drawingml/2006/main" xmlns:r="http://schemas.openxmlformats.org/officeDocument/2006/relationships" xmlns:mc="http://schemas.openxmlformats.org/markup-compatibility/2006" xmlns:mv="urn:schemas-microsoft-com:mac:vml" xmlns:p="http://schemas.openxmlformats.org/presentationml/2006/main" xmlns:c="http://schemas.openxmlformats.org/drawingml/2006/chart" xmlns:dgm="http://schemas.openxmlformats.org/drawingml/2006/diagram" xmlns:o="urn:schemas-microsoft-com:office:office" xmlns:v="urn:schemas-microsoft-com:vml" xmlns:pvml="urn:schemas-microsoft-com:office:powerpoint" xmlns:com="http://schemas.openxmlformats.org/drawingml/2006/compatibility" xmlns:p14="http://schemas.microsoft.com/office/powerpoint/2010/main" showMasterPhAnim="0" showMasterSp="0">
+<p:notes xmlns:a="http://schemas.openxmlformats.org/drawingml/2006/main" xmlns:r="http://schemas.openxmlformats.org/officeDocument/2006/relationships" xmlns:p="http://schemas.openxmlformats.org/presentationml/2006/main" showMasterSp="0" showMasterPhAnim="0">
   <p:cSld>
     <p:spTree>
       <p:nvGrpSpPr>
-        <p:cNvPr id="123" name="Shape 123"/>
+        <p:cNvPr id="1" name="Shape 123"/>
         <p:cNvGrpSpPr/>
         <p:nvPr/>
       </p:nvGrpSpPr>
@@ -708,9 +841,11 @@
       <p:sp>
         <p:nvSpPr>
           <p:cNvPr id="124" name="Shape 124"/>
-          <p:cNvSpPr/>
-          <p:nvPr>
-            <p:ph idx="2" type="sldImg"/>
+          <p:cNvSpPr>
+            <a:spLocks noGrp="1" noRot="1" noChangeAspect="1"/>
+          </p:cNvSpPr>
+          <p:nvPr>
+            <p:ph type="sldImg" idx="2"/>
           </p:nvPr>
         </p:nvSpPr>
         <p:spPr>
@@ -719,8 +854,13 @@
             <a:ext cx="6096000" cy="3429000"/>
           </a:xfrm>
           <a:custGeom>
+            <a:avLst/>
+            <a:gdLst/>
+            <a:ahLst/>
+            <a:cxnLst/>
+            <a:rect l="0" t="0" r="0" b="0"/>
             <a:pathLst>
-              <a:path extrusionOk="0" h="120000" w="120000">
+              <a:path w="120000" h="120000" extrusionOk="0">
                 <a:moveTo>
                   <a:pt x="0" y="0"/>
                 </a:moveTo>
@@ -742,9 +882,11 @@
       <p:sp>
         <p:nvSpPr>
           <p:cNvPr id="125" name="Shape 125"/>
-          <p:cNvSpPr txBox="1"/>
-          <p:nvPr>
-            <p:ph idx="1" type="body"/>
+          <p:cNvSpPr txBox="1">
+            <a:spLocks noGrp="1"/>
+          </p:cNvSpPr>
+          <p:nvPr>
+            <p:ph type="body" idx="1"/>
           </p:nvPr>
         </p:nvSpPr>
         <p:spPr>
@@ -757,7 +899,7 @@
           </a:prstGeom>
         </p:spPr>
         <p:txBody>
-          <a:bodyPr anchorCtr="0" anchor="t" bIns="91425" lIns="91425" rIns="91425" tIns="91425">
+          <a:bodyPr lIns="91425" tIns="91425" rIns="91425" bIns="91425" anchor="t" anchorCtr="0">
             <a:noAutofit/>
           </a:bodyPr>
           <a:lstStyle/>
@@ -768,9 +910,6 @@
               </a:spcBef>
               <a:buNone/>
             </a:pPr>
-            <a:r>
-              <a:t/>
-            </a:r>
             <a:endParaRPr/>
           </a:p>
         </p:txBody>
@@ -784,11 +923,11 @@
 </file>
 
 <file path=ppt/notesSlides/notesSlide13.xml><?xml version="1.0" encoding="utf-8"?>
-<p:notes xmlns:a="http://schemas.openxmlformats.org/drawingml/2006/main" xmlns:r="http://schemas.openxmlformats.org/officeDocument/2006/relationships" xmlns:mc="http://schemas.openxmlformats.org/markup-compatibility/2006" xmlns:mv="urn:schemas-microsoft-com:mac:vml" xmlns:p="http://schemas.openxmlformats.org/presentationml/2006/main" xmlns:c="http://schemas.openxmlformats.org/drawingml/2006/chart" xmlns:dgm="http://schemas.openxmlformats.org/drawingml/2006/diagram" xmlns:o="urn:schemas-microsoft-com:office:office" xmlns:v="urn:schemas-microsoft-com:vml" xmlns:pvml="urn:schemas-microsoft-com:office:powerpoint" xmlns:com="http://schemas.openxmlformats.org/drawingml/2006/compatibility" xmlns:p14="http://schemas.microsoft.com/office/powerpoint/2010/main" showMasterPhAnim="0" showMasterSp="0">
+<p:notes xmlns:a="http://schemas.openxmlformats.org/drawingml/2006/main" xmlns:r="http://schemas.openxmlformats.org/officeDocument/2006/relationships" xmlns:p="http://schemas.openxmlformats.org/presentationml/2006/main" showMasterSp="0" showMasterPhAnim="0">
   <p:cSld>
     <p:spTree>
       <p:nvGrpSpPr>
-        <p:cNvPr id="130" name="Shape 130"/>
+        <p:cNvPr id="1" name="Shape 130"/>
         <p:cNvGrpSpPr/>
         <p:nvPr/>
       </p:nvGrpSpPr>
@@ -803,9 +942,11 @@
       <p:sp>
         <p:nvSpPr>
           <p:cNvPr id="131" name="Shape 131"/>
-          <p:cNvSpPr/>
-          <p:nvPr>
-            <p:ph idx="2" type="sldImg"/>
+          <p:cNvSpPr>
+            <a:spLocks noGrp="1" noRot="1" noChangeAspect="1"/>
+          </p:cNvSpPr>
+          <p:nvPr>
+            <p:ph type="sldImg" idx="2"/>
           </p:nvPr>
         </p:nvSpPr>
         <p:spPr>
@@ -814,8 +955,13 @@
             <a:ext cx="6096000" cy="3429000"/>
           </a:xfrm>
           <a:custGeom>
+            <a:avLst/>
+            <a:gdLst/>
+            <a:ahLst/>
+            <a:cxnLst/>
+            <a:rect l="0" t="0" r="0" b="0"/>
             <a:pathLst>
-              <a:path extrusionOk="0" h="120000" w="120000">
+              <a:path w="120000" h="120000" extrusionOk="0">
                 <a:moveTo>
                   <a:pt x="0" y="0"/>
                 </a:moveTo>
@@ -837,9 +983,11 @@
       <p:sp>
         <p:nvSpPr>
           <p:cNvPr id="132" name="Shape 132"/>
-          <p:cNvSpPr txBox="1"/>
-          <p:nvPr>
-            <p:ph idx="1" type="body"/>
+          <p:cNvSpPr txBox="1">
+            <a:spLocks noGrp="1"/>
+          </p:cNvSpPr>
+          <p:nvPr>
+            <p:ph type="body" idx="1"/>
           </p:nvPr>
         </p:nvSpPr>
         <p:spPr>
@@ -852,7 +1000,7 @@
           </a:prstGeom>
         </p:spPr>
         <p:txBody>
-          <a:bodyPr anchorCtr="0" anchor="t" bIns="91425" lIns="91425" rIns="91425" tIns="91425">
+          <a:bodyPr lIns="91425" tIns="91425" rIns="91425" bIns="91425" anchor="t" anchorCtr="0">
             <a:noAutofit/>
           </a:bodyPr>
           <a:lstStyle/>
@@ -863,9 +1011,6 @@
               </a:spcBef>
               <a:buNone/>
             </a:pPr>
-            <a:r>
-              <a:t/>
-            </a:r>
             <a:endParaRPr/>
           </a:p>
         </p:txBody>
@@ -879,11 +1024,11 @@
 </file>
 
 <file path=ppt/notesSlides/notesSlide14.xml><?xml version="1.0" encoding="utf-8"?>
-<p:notes xmlns:a="http://schemas.openxmlformats.org/drawingml/2006/main" xmlns:r="http://schemas.openxmlformats.org/officeDocument/2006/relationships" xmlns:mc="http://schemas.openxmlformats.org/markup-compatibility/2006" xmlns:mv="urn:schemas-microsoft-com:mac:vml" xmlns:p="http://schemas.openxmlformats.org/presentationml/2006/main" xmlns:c="http://schemas.openxmlformats.org/drawingml/2006/chart" xmlns:dgm="http://schemas.openxmlformats.org/drawingml/2006/diagram" xmlns:o="urn:schemas-microsoft-com:office:office" xmlns:v="urn:schemas-microsoft-com:vml" xmlns:pvml="urn:schemas-microsoft-com:office:powerpoint" xmlns:com="http://schemas.openxmlformats.org/drawingml/2006/compatibility" xmlns:p14="http://schemas.microsoft.com/office/powerpoint/2010/main" showMasterPhAnim="0" showMasterSp="0">
+<p:notes xmlns:a="http://schemas.openxmlformats.org/drawingml/2006/main" xmlns:r="http://schemas.openxmlformats.org/officeDocument/2006/relationships" xmlns:p="http://schemas.openxmlformats.org/presentationml/2006/main" showMasterSp="0" showMasterPhAnim="0">
   <p:cSld>
     <p:spTree>
       <p:nvGrpSpPr>
-        <p:cNvPr id="138" name="Shape 138"/>
+        <p:cNvPr id="1" name="Shape 138"/>
         <p:cNvGrpSpPr/>
         <p:nvPr/>
       </p:nvGrpSpPr>
@@ -898,9 +1043,11 @@
       <p:sp>
         <p:nvSpPr>
           <p:cNvPr id="139" name="Shape 139"/>
-          <p:cNvSpPr/>
-          <p:nvPr>
-            <p:ph idx="2" type="sldImg"/>
+          <p:cNvSpPr>
+            <a:spLocks noGrp="1" noRot="1" noChangeAspect="1"/>
+          </p:cNvSpPr>
+          <p:nvPr>
+            <p:ph type="sldImg" idx="2"/>
           </p:nvPr>
         </p:nvSpPr>
         <p:spPr>
@@ -909,8 +1056,13 @@
             <a:ext cx="6096000" cy="3429000"/>
           </a:xfrm>
           <a:custGeom>
+            <a:avLst/>
+            <a:gdLst/>
+            <a:ahLst/>
+            <a:cxnLst/>
+            <a:rect l="0" t="0" r="0" b="0"/>
             <a:pathLst>
-              <a:path extrusionOk="0" h="120000" w="120000">
+              <a:path w="120000" h="120000" extrusionOk="0">
                 <a:moveTo>
                   <a:pt x="0" y="0"/>
                 </a:moveTo>
@@ -932,9 +1084,11 @@
       <p:sp>
         <p:nvSpPr>
           <p:cNvPr id="140" name="Shape 140"/>
-          <p:cNvSpPr txBox="1"/>
-          <p:nvPr>
-            <p:ph idx="1" type="body"/>
+          <p:cNvSpPr txBox="1">
+            <a:spLocks noGrp="1"/>
+          </p:cNvSpPr>
+          <p:nvPr>
+            <p:ph type="body" idx="1"/>
           </p:nvPr>
         </p:nvSpPr>
         <p:spPr>
@@ -947,7 +1101,7 @@
           </a:prstGeom>
         </p:spPr>
         <p:txBody>
-          <a:bodyPr anchorCtr="0" anchor="t" bIns="91425" lIns="91425" rIns="91425" tIns="91425">
+          <a:bodyPr lIns="91425" tIns="91425" rIns="91425" bIns="91425" anchor="t" anchorCtr="0">
             <a:noAutofit/>
           </a:bodyPr>
           <a:lstStyle/>
@@ -958,9 +1112,6 @@
               </a:spcBef>
               <a:buNone/>
             </a:pPr>
-            <a:r>
-              <a:t/>
-            </a:r>
             <a:endParaRPr/>
           </a:p>
         </p:txBody>
@@ -974,11 +1125,11 @@
 </file>
 
 <file path=ppt/notesSlides/notesSlide15.xml><?xml version="1.0" encoding="utf-8"?>
-<p:notes xmlns:a="http://schemas.openxmlformats.org/drawingml/2006/main" xmlns:r="http://schemas.openxmlformats.org/officeDocument/2006/relationships" xmlns:mc="http://schemas.openxmlformats.org/markup-compatibility/2006" xmlns:mv="urn:schemas-microsoft-com:mac:vml" xmlns:p="http://schemas.openxmlformats.org/presentationml/2006/main" xmlns:c="http://schemas.openxmlformats.org/drawingml/2006/chart" xmlns:dgm="http://schemas.openxmlformats.org/drawingml/2006/diagram" xmlns:o="urn:schemas-microsoft-com:office:office" xmlns:v="urn:schemas-microsoft-com:vml" xmlns:pvml="urn:schemas-microsoft-com:office:powerpoint" xmlns:com="http://schemas.openxmlformats.org/drawingml/2006/compatibility" xmlns:p14="http://schemas.microsoft.com/office/powerpoint/2010/main" showMasterPhAnim="0" showMasterSp="0">
+<p:notes xmlns:a="http://schemas.openxmlformats.org/drawingml/2006/main" xmlns:r="http://schemas.openxmlformats.org/officeDocument/2006/relationships" xmlns:p="http://schemas.openxmlformats.org/presentationml/2006/main" showMasterSp="0" showMasterPhAnim="0">
   <p:cSld>
     <p:spTree>
       <p:nvGrpSpPr>
-        <p:cNvPr id="144" name="Shape 144"/>
+        <p:cNvPr id="1" name="Shape 144"/>
         <p:cNvGrpSpPr/>
         <p:nvPr/>
       </p:nvGrpSpPr>
@@ -993,9 +1144,11 @@
       <p:sp>
         <p:nvSpPr>
           <p:cNvPr id="145" name="Shape 145"/>
-          <p:cNvSpPr/>
-          <p:nvPr>
-            <p:ph idx="2" type="sldImg"/>
+          <p:cNvSpPr>
+            <a:spLocks noGrp="1" noRot="1" noChangeAspect="1"/>
+          </p:cNvSpPr>
+          <p:nvPr>
+            <p:ph type="sldImg" idx="2"/>
           </p:nvPr>
         </p:nvSpPr>
         <p:spPr>
@@ -1004,8 +1157,13 @@
             <a:ext cx="6096000" cy="3429000"/>
           </a:xfrm>
           <a:custGeom>
+            <a:avLst/>
+            <a:gdLst/>
+            <a:ahLst/>
+            <a:cxnLst/>
+            <a:rect l="0" t="0" r="0" b="0"/>
             <a:pathLst>
-              <a:path extrusionOk="0" h="120000" w="120000">
+              <a:path w="120000" h="120000" extrusionOk="0">
                 <a:moveTo>
                   <a:pt x="0" y="0"/>
                 </a:moveTo>
@@ -1027,9 +1185,11 @@
       <p:sp>
         <p:nvSpPr>
           <p:cNvPr id="146" name="Shape 146"/>
-          <p:cNvSpPr txBox="1"/>
-          <p:nvPr>
-            <p:ph idx="1" type="body"/>
+          <p:cNvSpPr txBox="1">
+            <a:spLocks noGrp="1"/>
+          </p:cNvSpPr>
+          <p:nvPr>
+            <p:ph type="body" idx="1"/>
           </p:nvPr>
         </p:nvSpPr>
         <p:spPr>
@@ -1042,7 +1202,7 @@
           </a:prstGeom>
         </p:spPr>
         <p:txBody>
-          <a:bodyPr anchorCtr="0" anchor="t" bIns="91425" lIns="91425" rIns="91425" tIns="91425">
+          <a:bodyPr lIns="91425" tIns="91425" rIns="91425" bIns="91425" anchor="t" anchorCtr="0">
             <a:noAutofit/>
           </a:bodyPr>
           <a:lstStyle/>
@@ -1053,9 +1213,6 @@
               </a:spcBef>
               <a:buNone/>
             </a:pPr>
-            <a:r>
-              <a:t/>
-            </a:r>
             <a:endParaRPr/>
           </a:p>
         </p:txBody>
@@ -1069,11 +1226,11 @@
 </file>
 
 <file path=ppt/notesSlides/notesSlide16.xml><?xml version="1.0" encoding="utf-8"?>
-<p:notes xmlns:a="http://schemas.openxmlformats.org/drawingml/2006/main" xmlns:r="http://schemas.openxmlformats.org/officeDocument/2006/relationships" xmlns:mc="http://schemas.openxmlformats.org/markup-compatibility/2006" xmlns:mv="urn:schemas-microsoft-com:mac:vml" xmlns:p="http://schemas.openxmlformats.org/presentationml/2006/main" xmlns:c="http://schemas.openxmlformats.org/drawingml/2006/chart" xmlns:dgm="http://schemas.openxmlformats.org/drawingml/2006/diagram" xmlns:o="urn:schemas-microsoft-com:office:office" xmlns:v="urn:schemas-microsoft-com:vml" xmlns:pvml="urn:schemas-microsoft-com:office:powerpoint" xmlns:com="http://schemas.openxmlformats.org/drawingml/2006/compatibility" xmlns:p14="http://schemas.microsoft.com/office/powerpoint/2010/main" showMasterPhAnim="0" showMasterSp="0">
+<p:notes xmlns:a="http://schemas.openxmlformats.org/drawingml/2006/main" xmlns:r="http://schemas.openxmlformats.org/officeDocument/2006/relationships" xmlns:p="http://schemas.openxmlformats.org/presentationml/2006/main" showMasterSp="0" showMasterPhAnim="0">
   <p:cSld>
     <p:spTree>
       <p:nvGrpSpPr>
-        <p:cNvPr id="150" name="Shape 150"/>
+        <p:cNvPr id="1" name="Shape 150"/>
         <p:cNvGrpSpPr/>
         <p:nvPr/>
       </p:nvGrpSpPr>
@@ -1088,9 +1245,11 @@
       <p:sp>
         <p:nvSpPr>
           <p:cNvPr id="151" name="Shape 151"/>
-          <p:cNvSpPr/>
-          <p:nvPr>
-            <p:ph idx="2" type="sldImg"/>
+          <p:cNvSpPr>
+            <a:spLocks noGrp="1" noRot="1" noChangeAspect="1"/>
+          </p:cNvSpPr>
+          <p:nvPr>
+            <p:ph type="sldImg" idx="2"/>
           </p:nvPr>
         </p:nvSpPr>
         <p:spPr>
@@ -1099,8 +1258,13 @@
             <a:ext cx="6096000" cy="3429000"/>
           </a:xfrm>
           <a:custGeom>
+            <a:avLst/>
+            <a:gdLst/>
+            <a:ahLst/>
+            <a:cxnLst/>
+            <a:rect l="0" t="0" r="0" b="0"/>
             <a:pathLst>
-              <a:path extrusionOk="0" h="120000" w="120000">
+              <a:path w="120000" h="120000" extrusionOk="0">
                 <a:moveTo>
                   <a:pt x="0" y="0"/>
                 </a:moveTo>
@@ -1122,9 +1286,11 @@
       <p:sp>
         <p:nvSpPr>
           <p:cNvPr id="152" name="Shape 152"/>
-          <p:cNvSpPr txBox="1"/>
-          <p:nvPr>
-            <p:ph idx="1" type="body"/>
+          <p:cNvSpPr txBox="1">
+            <a:spLocks noGrp="1"/>
+          </p:cNvSpPr>
+          <p:nvPr>
+            <p:ph type="body" idx="1"/>
           </p:nvPr>
         </p:nvSpPr>
         <p:spPr>
@@ -1137,7 +1303,7 @@
           </a:prstGeom>
         </p:spPr>
         <p:txBody>
-          <a:bodyPr anchorCtr="0" anchor="t" bIns="91425" lIns="91425" rIns="91425" tIns="91425">
+          <a:bodyPr lIns="91425" tIns="91425" rIns="91425" bIns="91425" anchor="t" anchorCtr="0">
             <a:noAutofit/>
           </a:bodyPr>
           <a:lstStyle/>
@@ -1148,9 +1314,6 @@
               </a:spcBef>
               <a:buNone/>
             </a:pPr>
-            <a:r>
-              <a:t/>
-            </a:r>
             <a:endParaRPr/>
           </a:p>
         </p:txBody>
@@ -1164,11 +1327,11 @@
 </file>
 
 <file path=ppt/notesSlides/notesSlide17.xml><?xml version="1.0" encoding="utf-8"?>
-<p:notes xmlns:a="http://schemas.openxmlformats.org/drawingml/2006/main" xmlns:r="http://schemas.openxmlformats.org/officeDocument/2006/relationships" xmlns:mc="http://schemas.openxmlformats.org/markup-compatibility/2006" xmlns:mv="urn:schemas-microsoft-com:mac:vml" xmlns:p="http://schemas.openxmlformats.org/presentationml/2006/main" xmlns:c="http://schemas.openxmlformats.org/drawingml/2006/chart" xmlns:dgm="http://schemas.openxmlformats.org/drawingml/2006/diagram" xmlns:o="urn:schemas-microsoft-com:office:office" xmlns:v="urn:schemas-microsoft-com:vml" xmlns:pvml="urn:schemas-microsoft-com:office:powerpoint" xmlns:com="http://schemas.openxmlformats.org/drawingml/2006/compatibility" xmlns:p14="http://schemas.microsoft.com/office/powerpoint/2010/main" showMasterPhAnim="0" showMasterSp="0">
+<p:notes xmlns:a="http://schemas.openxmlformats.org/drawingml/2006/main" xmlns:r="http://schemas.openxmlformats.org/officeDocument/2006/relationships" xmlns:p="http://schemas.openxmlformats.org/presentationml/2006/main" showMasterSp="0" showMasterPhAnim="0">
   <p:cSld>
     <p:spTree>
       <p:nvGrpSpPr>
-        <p:cNvPr id="156" name="Shape 156"/>
+        <p:cNvPr id="1" name="Shape 156"/>
         <p:cNvGrpSpPr/>
         <p:nvPr/>
       </p:nvGrpSpPr>
@@ -1183,9 +1346,11 @@
       <p:sp>
         <p:nvSpPr>
           <p:cNvPr id="157" name="Shape 157"/>
-          <p:cNvSpPr/>
-          <p:nvPr>
-            <p:ph idx="2" type="sldImg"/>
+          <p:cNvSpPr>
+            <a:spLocks noGrp="1" noRot="1" noChangeAspect="1"/>
+          </p:cNvSpPr>
+          <p:nvPr>
+            <p:ph type="sldImg" idx="2"/>
           </p:nvPr>
         </p:nvSpPr>
         <p:spPr>
@@ -1194,8 +1359,13 @@
             <a:ext cx="6096000" cy="3429000"/>
           </a:xfrm>
           <a:custGeom>
+            <a:avLst/>
+            <a:gdLst/>
+            <a:ahLst/>
+            <a:cxnLst/>
+            <a:rect l="0" t="0" r="0" b="0"/>
             <a:pathLst>
-              <a:path extrusionOk="0" h="120000" w="120000">
+              <a:path w="120000" h="120000" extrusionOk="0">
                 <a:moveTo>
                   <a:pt x="0" y="0"/>
                 </a:moveTo>
@@ -1217,9 +1387,11 @@
       <p:sp>
         <p:nvSpPr>
           <p:cNvPr id="158" name="Shape 158"/>
-          <p:cNvSpPr txBox="1"/>
-          <p:nvPr>
-            <p:ph idx="1" type="body"/>
+          <p:cNvSpPr txBox="1">
+            <a:spLocks noGrp="1"/>
+          </p:cNvSpPr>
+          <p:nvPr>
+            <p:ph type="body" idx="1"/>
           </p:nvPr>
         </p:nvSpPr>
         <p:spPr>
@@ -1232,7 +1404,7 @@
           </a:prstGeom>
         </p:spPr>
         <p:txBody>
-          <a:bodyPr anchorCtr="0" anchor="t" bIns="91425" lIns="91425" rIns="91425" tIns="91425">
+          <a:bodyPr lIns="91425" tIns="91425" rIns="91425" bIns="91425" anchor="t" anchorCtr="0">
             <a:noAutofit/>
           </a:bodyPr>
           <a:lstStyle/>
@@ -1243,9 +1415,6 @@
               </a:spcBef>
               <a:buNone/>
             </a:pPr>
-            <a:r>
-              <a:t/>
-            </a:r>
             <a:endParaRPr/>
           </a:p>
         </p:txBody>
@@ -1259,11 +1428,11 @@
 </file>
 
 <file path=ppt/notesSlides/notesSlide18.xml><?xml version="1.0" encoding="utf-8"?>
-<p:notes xmlns:a="http://schemas.openxmlformats.org/drawingml/2006/main" xmlns:r="http://schemas.openxmlformats.org/officeDocument/2006/relationships" xmlns:mc="http://schemas.openxmlformats.org/markup-compatibility/2006" xmlns:mv="urn:schemas-microsoft-com:mac:vml" xmlns:p="http://schemas.openxmlformats.org/presentationml/2006/main" xmlns:c="http://schemas.openxmlformats.org/drawingml/2006/chart" xmlns:dgm="http://schemas.openxmlformats.org/drawingml/2006/diagram" xmlns:o="urn:schemas-microsoft-com:office:office" xmlns:v="urn:schemas-microsoft-com:vml" xmlns:pvml="urn:schemas-microsoft-com:office:powerpoint" xmlns:com="http://schemas.openxmlformats.org/drawingml/2006/compatibility" xmlns:p14="http://schemas.microsoft.com/office/powerpoint/2010/main" showMasterPhAnim="0" showMasterSp="0">
+<p:notes xmlns:a="http://schemas.openxmlformats.org/drawingml/2006/main" xmlns:r="http://schemas.openxmlformats.org/officeDocument/2006/relationships" xmlns:p="http://schemas.openxmlformats.org/presentationml/2006/main" showMasterSp="0" showMasterPhAnim="0">
   <p:cSld>
     <p:spTree>
       <p:nvGrpSpPr>
-        <p:cNvPr id="162" name="Shape 162"/>
+        <p:cNvPr id="1" name="Shape 162"/>
         <p:cNvGrpSpPr/>
         <p:nvPr/>
       </p:nvGrpSpPr>
@@ -1278,9 +1447,11 @@
       <p:sp>
         <p:nvSpPr>
           <p:cNvPr id="163" name="Shape 163"/>
-          <p:cNvSpPr/>
-          <p:nvPr>
-            <p:ph idx="2" type="sldImg"/>
+          <p:cNvSpPr>
+            <a:spLocks noGrp="1" noRot="1" noChangeAspect="1"/>
+          </p:cNvSpPr>
+          <p:nvPr>
+            <p:ph type="sldImg" idx="2"/>
           </p:nvPr>
         </p:nvSpPr>
         <p:spPr>
@@ -1289,8 +1460,13 @@
             <a:ext cx="6096000" cy="3429000"/>
           </a:xfrm>
           <a:custGeom>
+            <a:avLst/>
+            <a:gdLst/>
+            <a:ahLst/>
+            <a:cxnLst/>
+            <a:rect l="0" t="0" r="0" b="0"/>
             <a:pathLst>
-              <a:path extrusionOk="0" h="120000" w="120000">
+              <a:path w="120000" h="120000" extrusionOk="0">
                 <a:moveTo>
                   <a:pt x="0" y="0"/>
                 </a:moveTo>
@@ -1312,9 +1488,11 @@
       <p:sp>
         <p:nvSpPr>
           <p:cNvPr id="164" name="Shape 164"/>
-          <p:cNvSpPr txBox="1"/>
-          <p:nvPr>
-            <p:ph idx="1" type="body"/>
+          <p:cNvSpPr txBox="1">
+            <a:spLocks noGrp="1"/>
+          </p:cNvSpPr>
+          <p:nvPr>
+            <p:ph type="body" idx="1"/>
           </p:nvPr>
         </p:nvSpPr>
         <p:spPr>
@@ -1327,7 +1505,7 @@
           </a:prstGeom>
         </p:spPr>
         <p:txBody>
-          <a:bodyPr anchorCtr="0" anchor="t" bIns="91425" lIns="91425" rIns="91425" tIns="91425">
+          <a:bodyPr lIns="91425" tIns="91425" rIns="91425" bIns="91425" anchor="t" anchorCtr="0">
             <a:noAutofit/>
           </a:bodyPr>
           <a:lstStyle/>
@@ -1338,9 +1516,6 @@
               </a:spcBef>
               <a:buNone/>
             </a:pPr>
-            <a:r>
-              <a:t/>
-            </a:r>
             <a:endParaRPr/>
           </a:p>
         </p:txBody>
@@ -1354,11 +1529,11 @@
 </file>
 
 <file path=ppt/notesSlides/notesSlide19.xml><?xml version="1.0" encoding="utf-8"?>
-<p:notes xmlns:a="http://schemas.openxmlformats.org/drawingml/2006/main" xmlns:r="http://schemas.openxmlformats.org/officeDocument/2006/relationships" xmlns:mc="http://schemas.openxmlformats.org/markup-compatibility/2006" xmlns:mv="urn:schemas-microsoft-com:mac:vml" xmlns:p="http://schemas.openxmlformats.org/presentationml/2006/main" xmlns:c="http://schemas.openxmlformats.org/drawingml/2006/chart" xmlns:dgm="http://schemas.openxmlformats.org/drawingml/2006/diagram" xmlns:o="urn:schemas-microsoft-com:office:office" xmlns:v="urn:schemas-microsoft-com:vml" xmlns:pvml="urn:schemas-microsoft-com:office:powerpoint" xmlns:com="http://schemas.openxmlformats.org/drawingml/2006/compatibility" xmlns:p14="http://schemas.microsoft.com/office/powerpoint/2010/main" showMasterPhAnim="0" showMasterSp="0">
+<p:notes xmlns:a="http://schemas.openxmlformats.org/drawingml/2006/main" xmlns:r="http://schemas.openxmlformats.org/officeDocument/2006/relationships" xmlns:p="http://schemas.openxmlformats.org/presentationml/2006/main" showMasterSp="0" showMasterPhAnim="0">
   <p:cSld>
     <p:spTree>
       <p:nvGrpSpPr>
-        <p:cNvPr id="170" name="Shape 170"/>
+        <p:cNvPr id="1" name="Shape 170"/>
         <p:cNvGrpSpPr/>
         <p:nvPr/>
       </p:nvGrpSpPr>
@@ -1373,9 +1548,11 @@
       <p:sp>
         <p:nvSpPr>
           <p:cNvPr id="171" name="Shape 171"/>
-          <p:cNvSpPr/>
-          <p:nvPr>
-            <p:ph idx="2" type="sldImg"/>
+          <p:cNvSpPr>
+            <a:spLocks noGrp="1" noRot="1" noChangeAspect="1"/>
+          </p:cNvSpPr>
+          <p:nvPr>
+            <p:ph type="sldImg" idx="2"/>
           </p:nvPr>
         </p:nvSpPr>
         <p:spPr>
@@ -1384,8 +1561,13 @@
             <a:ext cx="6096000" cy="3429000"/>
           </a:xfrm>
           <a:custGeom>
+            <a:avLst/>
+            <a:gdLst/>
+            <a:ahLst/>
+            <a:cxnLst/>
+            <a:rect l="0" t="0" r="0" b="0"/>
             <a:pathLst>
-              <a:path extrusionOk="0" h="120000" w="120000">
+              <a:path w="120000" h="120000" extrusionOk="0">
                 <a:moveTo>
                   <a:pt x="0" y="0"/>
                 </a:moveTo>
@@ -1407,9 +1589,11 @@
       <p:sp>
         <p:nvSpPr>
           <p:cNvPr id="172" name="Shape 172"/>
-          <p:cNvSpPr txBox="1"/>
-          <p:nvPr>
-            <p:ph idx="1" type="body"/>
+          <p:cNvSpPr txBox="1">
+            <a:spLocks noGrp="1"/>
+          </p:cNvSpPr>
+          <p:nvPr>
+            <p:ph type="body" idx="1"/>
           </p:nvPr>
         </p:nvSpPr>
         <p:spPr>
@@ -1422,7 +1606,7 @@
           </a:prstGeom>
         </p:spPr>
         <p:txBody>
-          <a:bodyPr anchorCtr="0" anchor="t" bIns="91425" lIns="91425" rIns="91425" tIns="91425">
+          <a:bodyPr lIns="91425" tIns="91425" rIns="91425" bIns="91425" anchor="t" anchorCtr="0">
             <a:noAutofit/>
           </a:bodyPr>
           <a:lstStyle/>
@@ -1433,9 +1617,6 @@
               </a:spcBef>
               <a:buNone/>
             </a:pPr>
-            <a:r>
-              <a:t/>
-            </a:r>
             <a:endParaRPr/>
           </a:p>
         </p:txBody>
@@ -1449,11 +1630,11 @@
 </file>
 
 <file path=ppt/notesSlides/notesSlide2.xml><?xml version="1.0" encoding="utf-8"?>
-<p:notes xmlns:a="http://schemas.openxmlformats.org/drawingml/2006/main" xmlns:r="http://schemas.openxmlformats.org/officeDocument/2006/relationships" xmlns:mc="http://schemas.openxmlformats.org/markup-compatibility/2006" xmlns:mv="urn:schemas-microsoft-com:mac:vml" xmlns:p="http://schemas.openxmlformats.org/presentationml/2006/main" xmlns:c="http://schemas.openxmlformats.org/drawingml/2006/chart" xmlns:dgm="http://schemas.openxmlformats.org/drawingml/2006/diagram" xmlns:o="urn:schemas-microsoft-com:office:office" xmlns:v="urn:schemas-microsoft-com:vml" xmlns:pvml="urn:schemas-microsoft-com:office:powerpoint" xmlns:com="http://schemas.openxmlformats.org/drawingml/2006/compatibility" xmlns:p14="http://schemas.microsoft.com/office/powerpoint/2010/main" showMasterPhAnim="0" showMasterSp="0">
+<p:notes xmlns:a="http://schemas.openxmlformats.org/drawingml/2006/main" xmlns:r="http://schemas.openxmlformats.org/officeDocument/2006/relationships" xmlns:p="http://schemas.openxmlformats.org/presentationml/2006/main" showMasterSp="0" showMasterPhAnim="0">
   <p:cSld>
     <p:spTree>
       <p:nvGrpSpPr>
-        <p:cNvPr id="61" name="Shape 61"/>
+        <p:cNvPr id="1" name="Shape 61"/>
         <p:cNvGrpSpPr/>
         <p:nvPr/>
       </p:nvGrpSpPr>
@@ -1468,9 +1649,11 @@
       <p:sp>
         <p:nvSpPr>
           <p:cNvPr id="62" name="Shape 62"/>
-          <p:cNvSpPr/>
-          <p:nvPr>
-            <p:ph idx="2" type="sldImg"/>
+          <p:cNvSpPr>
+            <a:spLocks noGrp="1" noRot="1" noChangeAspect="1"/>
+          </p:cNvSpPr>
+          <p:nvPr>
+            <p:ph type="sldImg" idx="2"/>
           </p:nvPr>
         </p:nvSpPr>
         <p:spPr>
@@ -1479,8 +1662,13 @@
             <a:ext cx="6096000" cy="3429000"/>
           </a:xfrm>
           <a:custGeom>
+            <a:avLst/>
+            <a:gdLst/>
+            <a:ahLst/>
+            <a:cxnLst/>
+            <a:rect l="0" t="0" r="0" b="0"/>
             <a:pathLst>
-              <a:path extrusionOk="0" h="120000" w="120000">
+              <a:path w="120000" h="120000" extrusionOk="0">
                 <a:moveTo>
                   <a:pt x="0" y="0"/>
                 </a:moveTo>
@@ -1502,9 +1690,11 @@
       <p:sp>
         <p:nvSpPr>
           <p:cNvPr id="63" name="Shape 63"/>
-          <p:cNvSpPr txBox="1"/>
-          <p:nvPr>
-            <p:ph idx="1" type="body"/>
+          <p:cNvSpPr txBox="1">
+            <a:spLocks noGrp="1"/>
+          </p:cNvSpPr>
+          <p:nvPr>
+            <p:ph type="body" idx="1"/>
           </p:nvPr>
         </p:nvSpPr>
         <p:spPr>
@@ -1517,7 +1707,7 @@
           </a:prstGeom>
         </p:spPr>
         <p:txBody>
-          <a:bodyPr anchorCtr="0" anchor="t" bIns="91425" lIns="91425" rIns="91425" tIns="91425">
+          <a:bodyPr lIns="91425" tIns="91425" rIns="91425" bIns="91425" anchor="t" anchorCtr="0">
             <a:noAutofit/>
           </a:bodyPr>
           <a:lstStyle/>
@@ -1528,9 +1718,6 @@
               </a:spcBef>
               <a:buNone/>
             </a:pPr>
-            <a:r>
-              <a:t/>
-            </a:r>
             <a:endParaRPr/>
           </a:p>
         </p:txBody>
@@ -1544,11 +1731,11 @@
 </file>
 
 <file path=ppt/notesSlides/notesSlide20.xml><?xml version="1.0" encoding="utf-8"?>
-<p:notes xmlns:a="http://schemas.openxmlformats.org/drawingml/2006/main" xmlns:r="http://schemas.openxmlformats.org/officeDocument/2006/relationships" xmlns:mc="http://schemas.openxmlformats.org/markup-compatibility/2006" xmlns:mv="urn:schemas-microsoft-com:mac:vml" xmlns:p="http://schemas.openxmlformats.org/presentationml/2006/main" xmlns:c="http://schemas.openxmlformats.org/drawingml/2006/chart" xmlns:dgm="http://schemas.openxmlformats.org/drawingml/2006/diagram" xmlns:o="urn:schemas-microsoft-com:office:office" xmlns:v="urn:schemas-microsoft-com:vml" xmlns:pvml="urn:schemas-microsoft-com:office:powerpoint" xmlns:com="http://schemas.openxmlformats.org/drawingml/2006/compatibility" xmlns:p14="http://schemas.microsoft.com/office/powerpoint/2010/main" showMasterPhAnim="0" showMasterSp="0">
+<p:notes xmlns:a="http://schemas.openxmlformats.org/drawingml/2006/main" xmlns:r="http://schemas.openxmlformats.org/officeDocument/2006/relationships" xmlns:p="http://schemas.openxmlformats.org/presentationml/2006/main" showMasterSp="0" showMasterPhAnim="0">
   <p:cSld>
     <p:spTree>
       <p:nvGrpSpPr>
-        <p:cNvPr id="177" name="Shape 177"/>
+        <p:cNvPr id="1" name="Shape 177"/>
         <p:cNvGrpSpPr/>
         <p:nvPr/>
       </p:nvGrpSpPr>
@@ -1563,9 +1750,11 @@
       <p:sp>
         <p:nvSpPr>
           <p:cNvPr id="178" name="Shape 178"/>
-          <p:cNvSpPr/>
-          <p:nvPr>
-            <p:ph idx="2" type="sldImg"/>
+          <p:cNvSpPr>
+            <a:spLocks noGrp="1" noRot="1" noChangeAspect="1"/>
+          </p:cNvSpPr>
+          <p:nvPr>
+            <p:ph type="sldImg" idx="2"/>
           </p:nvPr>
         </p:nvSpPr>
         <p:spPr>
@@ -1574,8 +1763,13 @@
             <a:ext cx="6096000" cy="3429000"/>
           </a:xfrm>
           <a:custGeom>
+            <a:avLst/>
+            <a:gdLst/>
+            <a:ahLst/>
+            <a:cxnLst/>
+            <a:rect l="0" t="0" r="0" b="0"/>
             <a:pathLst>
-              <a:path extrusionOk="0" h="120000" w="120000">
+              <a:path w="120000" h="120000" extrusionOk="0">
                 <a:moveTo>
                   <a:pt x="0" y="0"/>
                 </a:moveTo>
@@ -1597,9 +1791,11 @@
       <p:sp>
         <p:nvSpPr>
           <p:cNvPr id="179" name="Shape 179"/>
-          <p:cNvSpPr txBox="1"/>
-          <p:nvPr>
-            <p:ph idx="1" type="body"/>
+          <p:cNvSpPr txBox="1">
+            <a:spLocks noGrp="1"/>
+          </p:cNvSpPr>
+          <p:nvPr>
+            <p:ph type="body" idx="1"/>
           </p:nvPr>
         </p:nvSpPr>
         <p:spPr>
@@ -1612,7 +1808,7 @@
           </a:prstGeom>
         </p:spPr>
         <p:txBody>
-          <a:bodyPr anchorCtr="0" anchor="t" bIns="91425" lIns="91425" rIns="91425" tIns="91425">
+          <a:bodyPr lIns="91425" tIns="91425" rIns="91425" bIns="91425" anchor="t" anchorCtr="0">
             <a:noAutofit/>
           </a:bodyPr>
           <a:lstStyle/>
@@ -1623,9 +1819,6 @@
               </a:spcBef>
               <a:buNone/>
             </a:pPr>
-            <a:r>
-              <a:t/>
-            </a:r>
             <a:endParaRPr/>
           </a:p>
         </p:txBody>
@@ -1639,11 +1832,11 @@
 </file>
 
 <file path=ppt/notesSlides/notesSlide21.xml><?xml version="1.0" encoding="utf-8"?>
-<p:notes xmlns:a="http://schemas.openxmlformats.org/drawingml/2006/main" xmlns:r="http://schemas.openxmlformats.org/officeDocument/2006/relationships" xmlns:mc="http://schemas.openxmlformats.org/markup-compatibility/2006" xmlns:mv="urn:schemas-microsoft-com:mac:vml" xmlns:p="http://schemas.openxmlformats.org/presentationml/2006/main" xmlns:c="http://schemas.openxmlformats.org/drawingml/2006/chart" xmlns:dgm="http://schemas.openxmlformats.org/drawingml/2006/diagram" xmlns:o="urn:schemas-microsoft-com:office:office" xmlns:v="urn:schemas-microsoft-com:vml" xmlns:pvml="urn:schemas-microsoft-com:office:powerpoint" xmlns:com="http://schemas.openxmlformats.org/drawingml/2006/compatibility" xmlns:p14="http://schemas.microsoft.com/office/powerpoint/2010/main" showMasterPhAnim="0" showMasterSp="0">
+<p:notes xmlns:a="http://schemas.openxmlformats.org/drawingml/2006/main" xmlns:r="http://schemas.openxmlformats.org/officeDocument/2006/relationships" xmlns:p="http://schemas.openxmlformats.org/presentationml/2006/main" showMasterSp="0" showMasterPhAnim="0">
   <p:cSld>
     <p:spTree>
       <p:nvGrpSpPr>
-        <p:cNvPr id="183" name="Shape 183"/>
+        <p:cNvPr id="1" name="Shape 183"/>
         <p:cNvGrpSpPr/>
         <p:nvPr/>
       </p:nvGrpSpPr>
@@ -1658,9 +1851,11 @@
       <p:sp>
         <p:nvSpPr>
           <p:cNvPr id="184" name="Shape 184"/>
-          <p:cNvSpPr/>
-          <p:nvPr>
-            <p:ph idx="2" type="sldImg"/>
+          <p:cNvSpPr>
+            <a:spLocks noGrp="1" noRot="1" noChangeAspect="1"/>
+          </p:cNvSpPr>
+          <p:nvPr>
+            <p:ph type="sldImg" idx="2"/>
           </p:nvPr>
         </p:nvSpPr>
         <p:spPr>
@@ -1669,8 +1864,13 @@
             <a:ext cx="6096000" cy="3429000"/>
           </a:xfrm>
           <a:custGeom>
+            <a:avLst/>
+            <a:gdLst/>
+            <a:ahLst/>
+            <a:cxnLst/>
+            <a:rect l="0" t="0" r="0" b="0"/>
             <a:pathLst>
-              <a:path extrusionOk="0" h="120000" w="120000">
+              <a:path w="120000" h="120000" extrusionOk="0">
                 <a:moveTo>
                   <a:pt x="0" y="0"/>
                 </a:moveTo>
@@ -1692,9 +1892,11 @@
       <p:sp>
         <p:nvSpPr>
           <p:cNvPr id="185" name="Shape 185"/>
-          <p:cNvSpPr txBox="1"/>
-          <p:nvPr>
-            <p:ph idx="1" type="body"/>
+          <p:cNvSpPr txBox="1">
+            <a:spLocks noGrp="1"/>
+          </p:cNvSpPr>
+          <p:nvPr>
+            <p:ph type="body" idx="1"/>
           </p:nvPr>
         </p:nvSpPr>
         <p:spPr>
@@ -1707,7 +1909,7 @@
           </a:prstGeom>
         </p:spPr>
         <p:txBody>
-          <a:bodyPr anchorCtr="0" anchor="t" bIns="91425" lIns="91425" rIns="91425" tIns="91425">
+          <a:bodyPr lIns="91425" tIns="91425" rIns="91425" bIns="91425" anchor="t" anchorCtr="0">
             <a:noAutofit/>
           </a:bodyPr>
           <a:lstStyle/>
@@ -1718,9 +1920,6 @@
               </a:spcBef>
               <a:buNone/>
             </a:pPr>
-            <a:r>
-              <a:t/>
-            </a:r>
             <a:endParaRPr/>
           </a:p>
         </p:txBody>
@@ -1734,11 +1933,11 @@
 </file>
 
 <file path=ppt/notesSlides/notesSlide22.xml><?xml version="1.0" encoding="utf-8"?>
-<p:notes xmlns:a="http://schemas.openxmlformats.org/drawingml/2006/main" xmlns:r="http://schemas.openxmlformats.org/officeDocument/2006/relationships" xmlns:mc="http://schemas.openxmlformats.org/markup-compatibility/2006" xmlns:mv="urn:schemas-microsoft-com:mac:vml" xmlns:p="http://schemas.openxmlformats.org/presentationml/2006/main" xmlns:c="http://schemas.openxmlformats.org/drawingml/2006/chart" xmlns:dgm="http://schemas.openxmlformats.org/drawingml/2006/diagram" xmlns:o="urn:schemas-microsoft-com:office:office" xmlns:v="urn:schemas-microsoft-com:vml" xmlns:pvml="urn:schemas-microsoft-com:office:powerpoint" xmlns:com="http://schemas.openxmlformats.org/drawingml/2006/compatibility" xmlns:p14="http://schemas.microsoft.com/office/powerpoint/2010/main" showMasterPhAnim="0" showMasterSp="0">
+<p:notes xmlns:a="http://schemas.openxmlformats.org/drawingml/2006/main" xmlns:r="http://schemas.openxmlformats.org/officeDocument/2006/relationships" xmlns:p="http://schemas.openxmlformats.org/presentationml/2006/main" showMasterSp="0" showMasterPhAnim="0">
   <p:cSld>
     <p:spTree>
       <p:nvGrpSpPr>
-        <p:cNvPr id="190" name="Shape 190"/>
+        <p:cNvPr id="1" name="Shape 190"/>
         <p:cNvGrpSpPr/>
         <p:nvPr/>
       </p:nvGrpSpPr>
@@ -1753,9 +1952,11 @@
       <p:sp>
         <p:nvSpPr>
           <p:cNvPr id="191" name="Shape 191"/>
-          <p:cNvSpPr/>
-          <p:nvPr>
-            <p:ph idx="2" type="sldImg"/>
+          <p:cNvSpPr>
+            <a:spLocks noGrp="1" noRot="1" noChangeAspect="1"/>
+          </p:cNvSpPr>
+          <p:nvPr>
+            <p:ph type="sldImg" idx="2"/>
           </p:nvPr>
         </p:nvSpPr>
         <p:spPr>
@@ -1764,8 +1965,13 @@
             <a:ext cx="6096000" cy="3429000"/>
           </a:xfrm>
           <a:custGeom>
+            <a:avLst/>
+            <a:gdLst/>
+            <a:ahLst/>
+            <a:cxnLst/>
+            <a:rect l="0" t="0" r="0" b="0"/>
             <a:pathLst>
-              <a:path extrusionOk="0" h="120000" w="120000">
+              <a:path w="120000" h="120000" extrusionOk="0">
                 <a:moveTo>
                   <a:pt x="0" y="0"/>
                 </a:moveTo>
@@ -1787,9 +1993,11 @@
       <p:sp>
         <p:nvSpPr>
           <p:cNvPr id="192" name="Shape 192"/>
-          <p:cNvSpPr txBox="1"/>
-          <p:nvPr>
-            <p:ph idx="1" type="body"/>
+          <p:cNvSpPr txBox="1">
+            <a:spLocks noGrp="1"/>
+          </p:cNvSpPr>
+          <p:nvPr>
+            <p:ph type="body" idx="1"/>
           </p:nvPr>
         </p:nvSpPr>
         <p:spPr>
@@ -1802,7 +2010,7 @@
           </a:prstGeom>
         </p:spPr>
         <p:txBody>
-          <a:bodyPr anchorCtr="0" anchor="t" bIns="91425" lIns="91425" rIns="91425" tIns="91425">
+          <a:bodyPr lIns="91425" tIns="91425" rIns="91425" bIns="91425" anchor="t" anchorCtr="0">
             <a:noAutofit/>
           </a:bodyPr>
           <a:lstStyle/>
@@ -1813,9 +2021,6 @@
               </a:spcBef>
               <a:buNone/>
             </a:pPr>
-            <a:r>
-              <a:t/>
-            </a:r>
             <a:endParaRPr/>
           </a:p>
         </p:txBody>
@@ -1829,11 +2034,11 @@
 </file>
 
 <file path=ppt/notesSlides/notesSlide23.xml><?xml version="1.0" encoding="utf-8"?>
-<p:notes xmlns:a="http://schemas.openxmlformats.org/drawingml/2006/main" xmlns:r="http://schemas.openxmlformats.org/officeDocument/2006/relationships" xmlns:mc="http://schemas.openxmlformats.org/markup-compatibility/2006" xmlns:mv="urn:schemas-microsoft-com:mac:vml" xmlns:p="http://schemas.openxmlformats.org/presentationml/2006/main" xmlns:c="http://schemas.openxmlformats.org/drawingml/2006/chart" xmlns:dgm="http://schemas.openxmlformats.org/drawingml/2006/diagram" xmlns:o="urn:schemas-microsoft-com:office:office" xmlns:v="urn:schemas-microsoft-com:vml" xmlns:pvml="urn:schemas-microsoft-com:office:powerpoint" xmlns:com="http://schemas.openxmlformats.org/drawingml/2006/compatibility" xmlns:p14="http://schemas.microsoft.com/office/powerpoint/2010/main" showMasterPhAnim="0" showMasterSp="0">
+<p:notes xmlns:a="http://schemas.openxmlformats.org/drawingml/2006/main" xmlns:r="http://schemas.openxmlformats.org/officeDocument/2006/relationships" xmlns:p="http://schemas.openxmlformats.org/presentationml/2006/main" showMasterSp="0" showMasterPhAnim="0">
   <p:cSld>
     <p:spTree>
       <p:nvGrpSpPr>
-        <p:cNvPr id="198" name="Shape 198"/>
+        <p:cNvPr id="1" name="Shape 198"/>
         <p:cNvGrpSpPr/>
         <p:nvPr/>
       </p:nvGrpSpPr>
@@ -1848,19 +2053,26 @@
       <p:sp>
         <p:nvSpPr>
           <p:cNvPr id="199" name="Shape 199"/>
-          <p:cNvSpPr/>
-          <p:nvPr>
-            <p:ph idx="2" type="sldImg"/>
-          </p:nvPr>
-        </p:nvSpPr>
-        <p:spPr>
-          <a:xfrm>
-            <a:off x="381300" y="685800"/>
+          <p:cNvSpPr>
+            <a:spLocks noGrp="1" noRot="1" noChangeAspect="1"/>
+          </p:cNvSpPr>
+          <p:nvPr>
+            <p:ph type="sldImg" idx="2"/>
+          </p:nvPr>
+        </p:nvSpPr>
+        <p:spPr>
+          <a:xfrm>
+            <a:off x="381000" y="685800"/>
             <a:ext cx="6096000" cy="3429000"/>
           </a:xfrm>
           <a:custGeom>
+            <a:avLst/>
+            <a:gdLst/>
+            <a:ahLst/>
+            <a:cxnLst/>
+            <a:rect l="0" t="0" r="0" b="0"/>
             <a:pathLst>
-              <a:path extrusionOk="0" h="120000" w="120000">
+              <a:path w="120000" h="120000" extrusionOk="0">
                 <a:moveTo>
                   <a:pt x="0" y="0"/>
                 </a:moveTo>
@@ -1882,9 +2094,11 @@
       <p:sp>
         <p:nvSpPr>
           <p:cNvPr id="200" name="Shape 200"/>
-          <p:cNvSpPr txBox="1"/>
-          <p:nvPr>
-            <p:ph idx="1" type="body"/>
+          <p:cNvSpPr txBox="1">
+            <a:spLocks noGrp="1"/>
+          </p:cNvSpPr>
+          <p:nvPr>
+            <p:ph type="body" idx="1"/>
           </p:nvPr>
         </p:nvSpPr>
         <p:spPr>
@@ -1897,7 +2111,7 @@
           </a:prstGeom>
         </p:spPr>
         <p:txBody>
-          <a:bodyPr anchorCtr="0" anchor="t" bIns="91425" lIns="91425" rIns="91425" tIns="91425">
+          <a:bodyPr lIns="91425" tIns="91425" rIns="91425" bIns="91425" anchor="t" anchorCtr="0">
             <a:noAutofit/>
           </a:bodyPr>
           <a:lstStyle/>
@@ -1908,9 +2122,6 @@
               </a:spcBef>
               <a:buNone/>
             </a:pPr>
-            <a:r>
-              <a:t/>
-            </a:r>
             <a:endParaRPr/>
           </a:p>
         </p:txBody>
@@ -1924,11 +2135,11 @@
 </file>
 
 <file path=ppt/notesSlides/notesSlide24.xml><?xml version="1.0" encoding="utf-8"?>
-<p:notes xmlns:a="http://schemas.openxmlformats.org/drawingml/2006/main" xmlns:r="http://schemas.openxmlformats.org/officeDocument/2006/relationships" xmlns:mc="http://schemas.openxmlformats.org/markup-compatibility/2006" xmlns:mv="urn:schemas-microsoft-com:mac:vml" xmlns:p="http://schemas.openxmlformats.org/presentationml/2006/main" xmlns:c="http://schemas.openxmlformats.org/drawingml/2006/chart" xmlns:dgm="http://schemas.openxmlformats.org/drawingml/2006/diagram" xmlns:o="urn:schemas-microsoft-com:office:office" xmlns:v="urn:schemas-microsoft-com:vml" xmlns:pvml="urn:schemas-microsoft-com:office:powerpoint" xmlns:com="http://schemas.openxmlformats.org/drawingml/2006/compatibility" xmlns:p14="http://schemas.microsoft.com/office/powerpoint/2010/main" showMasterPhAnim="0" showMasterSp="0">
+<p:notes xmlns:a="http://schemas.openxmlformats.org/drawingml/2006/main" xmlns:r="http://schemas.openxmlformats.org/officeDocument/2006/relationships" xmlns:p="http://schemas.openxmlformats.org/presentationml/2006/main" showMasterSp="0" showMasterPhAnim="0">
   <p:cSld>
     <p:spTree>
       <p:nvGrpSpPr>
-        <p:cNvPr id="205" name="Shape 205"/>
+        <p:cNvPr id="1" name="Shape 205"/>
         <p:cNvGrpSpPr/>
         <p:nvPr/>
       </p:nvGrpSpPr>
@@ -1943,9 +2154,11 @@
       <p:sp>
         <p:nvSpPr>
           <p:cNvPr id="206" name="Shape 206"/>
-          <p:cNvSpPr/>
-          <p:nvPr>
-            <p:ph idx="2" type="sldImg"/>
+          <p:cNvSpPr>
+            <a:spLocks noGrp="1" noRot="1" noChangeAspect="1"/>
+          </p:cNvSpPr>
+          <p:nvPr>
+            <p:ph type="sldImg" idx="2"/>
           </p:nvPr>
         </p:nvSpPr>
         <p:spPr>
@@ -1954,8 +2167,13 @@
             <a:ext cx="6096000" cy="3429000"/>
           </a:xfrm>
           <a:custGeom>
+            <a:avLst/>
+            <a:gdLst/>
+            <a:ahLst/>
+            <a:cxnLst/>
+            <a:rect l="0" t="0" r="0" b="0"/>
             <a:pathLst>
-              <a:path extrusionOk="0" h="120000" w="120000">
+              <a:path w="120000" h="120000" extrusionOk="0">
                 <a:moveTo>
                   <a:pt x="0" y="0"/>
                 </a:moveTo>
@@ -1977,9 +2195,11 @@
       <p:sp>
         <p:nvSpPr>
           <p:cNvPr id="207" name="Shape 207"/>
-          <p:cNvSpPr txBox="1"/>
-          <p:nvPr>
-            <p:ph idx="1" type="body"/>
+          <p:cNvSpPr txBox="1">
+            <a:spLocks noGrp="1"/>
+          </p:cNvSpPr>
+          <p:nvPr>
+            <p:ph type="body" idx="1"/>
           </p:nvPr>
         </p:nvSpPr>
         <p:spPr>
@@ -1992,7 +2212,7 @@
           </a:prstGeom>
         </p:spPr>
         <p:txBody>
-          <a:bodyPr anchorCtr="0" anchor="t" bIns="91425" lIns="91425" rIns="91425" tIns="91425">
+          <a:bodyPr lIns="91425" tIns="91425" rIns="91425" bIns="91425" anchor="t" anchorCtr="0">
             <a:noAutofit/>
           </a:bodyPr>
           <a:lstStyle/>
@@ -2003,9 +2223,6 @@
               </a:spcBef>
               <a:buNone/>
             </a:pPr>
-            <a:r>
-              <a:t/>
-            </a:r>
             <a:endParaRPr/>
           </a:p>
         </p:txBody>
@@ -2019,11 +2236,11 @@
 </file>
 
 <file path=ppt/notesSlides/notesSlide25.xml><?xml version="1.0" encoding="utf-8"?>
-<p:notes xmlns:a="http://schemas.openxmlformats.org/drawingml/2006/main" xmlns:r="http://schemas.openxmlformats.org/officeDocument/2006/relationships" xmlns:mc="http://schemas.openxmlformats.org/markup-compatibility/2006" xmlns:mv="urn:schemas-microsoft-com:mac:vml" xmlns:p="http://schemas.openxmlformats.org/presentationml/2006/main" xmlns:c="http://schemas.openxmlformats.org/drawingml/2006/chart" xmlns:dgm="http://schemas.openxmlformats.org/drawingml/2006/diagram" xmlns:o="urn:schemas-microsoft-com:office:office" xmlns:v="urn:schemas-microsoft-com:vml" xmlns:pvml="urn:schemas-microsoft-com:office:powerpoint" xmlns:com="http://schemas.openxmlformats.org/drawingml/2006/compatibility" xmlns:p14="http://schemas.microsoft.com/office/powerpoint/2010/main" showMasterPhAnim="0" showMasterSp="0">
+<p:notes xmlns:a="http://schemas.openxmlformats.org/drawingml/2006/main" xmlns:r="http://schemas.openxmlformats.org/officeDocument/2006/relationships" xmlns:p="http://schemas.openxmlformats.org/presentationml/2006/main" showMasterSp="0" showMasterPhAnim="0">
   <p:cSld>
     <p:spTree>
       <p:nvGrpSpPr>
-        <p:cNvPr id="212" name="Shape 212"/>
+        <p:cNvPr id="1" name="Shape 212"/>
         <p:cNvGrpSpPr/>
         <p:nvPr/>
       </p:nvGrpSpPr>
@@ -2038,9 +2255,11 @@
       <p:sp>
         <p:nvSpPr>
           <p:cNvPr id="213" name="Shape 213"/>
-          <p:cNvSpPr/>
-          <p:nvPr>
-            <p:ph idx="2" type="sldImg"/>
+          <p:cNvSpPr>
+            <a:spLocks noGrp="1" noRot="1" noChangeAspect="1"/>
+          </p:cNvSpPr>
+          <p:nvPr>
+            <p:ph type="sldImg" idx="2"/>
           </p:nvPr>
         </p:nvSpPr>
         <p:spPr>
@@ -2049,8 +2268,13 @@
             <a:ext cx="6096000" cy="3429000"/>
           </a:xfrm>
           <a:custGeom>
+            <a:avLst/>
+            <a:gdLst/>
+            <a:ahLst/>
+            <a:cxnLst/>
+            <a:rect l="0" t="0" r="0" b="0"/>
             <a:pathLst>
-              <a:path extrusionOk="0" h="120000" w="120000">
+              <a:path w="120000" h="120000" extrusionOk="0">
                 <a:moveTo>
                   <a:pt x="0" y="0"/>
                 </a:moveTo>
@@ -2072,9 +2296,11 @@
       <p:sp>
         <p:nvSpPr>
           <p:cNvPr id="214" name="Shape 214"/>
-          <p:cNvSpPr txBox="1"/>
-          <p:nvPr>
-            <p:ph idx="1" type="body"/>
+          <p:cNvSpPr txBox="1">
+            <a:spLocks noGrp="1"/>
+          </p:cNvSpPr>
+          <p:nvPr>
+            <p:ph type="body" idx="1"/>
           </p:nvPr>
         </p:nvSpPr>
         <p:spPr>
@@ -2087,7 +2313,7 @@
           </a:prstGeom>
         </p:spPr>
         <p:txBody>
-          <a:bodyPr anchorCtr="0" anchor="t" bIns="91425" lIns="91425" rIns="91425" tIns="91425">
+          <a:bodyPr lIns="91425" tIns="91425" rIns="91425" bIns="91425" anchor="t" anchorCtr="0">
             <a:noAutofit/>
           </a:bodyPr>
           <a:lstStyle/>
@@ -2098,9 +2324,6 @@
               </a:spcBef>
               <a:buNone/>
             </a:pPr>
-            <a:r>
-              <a:t/>
-            </a:r>
             <a:endParaRPr/>
           </a:p>
         </p:txBody>
@@ -2114,11 +2337,11 @@
 </file>
 
 <file path=ppt/notesSlides/notesSlide26.xml><?xml version="1.0" encoding="utf-8"?>
-<p:notes xmlns:a="http://schemas.openxmlformats.org/drawingml/2006/main" xmlns:r="http://schemas.openxmlformats.org/officeDocument/2006/relationships" xmlns:mc="http://schemas.openxmlformats.org/markup-compatibility/2006" xmlns:mv="urn:schemas-microsoft-com:mac:vml" xmlns:p="http://schemas.openxmlformats.org/presentationml/2006/main" xmlns:c="http://schemas.openxmlformats.org/drawingml/2006/chart" xmlns:dgm="http://schemas.openxmlformats.org/drawingml/2006/diagram" xmlns:o="urn:schemas-microsoft-com:office:office" xmlns:v="urn:schemas-microsoft-com:vml" xmlns:pvml="urn:schemas-microsoft-com:office:powerpoint" xmlns:com="http://schemas.openxmlformats.org/drawingml/2006/compatibility" xmlns:p14="http://schemas.microsoft.com/office/powerpoint/2010/main" showMasterPhAnim="0" showMasterSp="0">
+<p:notes xmlns:a="http://schemas.openxmlformats.org/drawingml/2006/main" xmlns:r="http://schemas.openxmlformats.org/officeDocument/2006/relationships" xmlns:p="http://schemas.openxmlformats.org/presentationml/2006/main" showMasterSp="0" showMasterPhAnim="0">
   <p:cSld>
     <p:spTree>
       <p:nvGrpSpPr>
-        <p:cNvPr id="219" name="Shape 219"/>
+        <p:cNvPr id="1" name="Shape 219"/>
         <p:cNvGrpSpPr/>
         <p:nvPr/>
       </p:nvGrpSpPr>
@@ -2133,9 +2356,11 @@
       <p:sp>
         <p:nvSpPr>
           <p:cNvPr id="220" name="Shape 220"/>
-          <p:cNvSpPr/>
-          <p:nvPr>
-            <p:ph idx="2" type="sldImg"/>
+          <p:cNvSpPr>
+            <a:spLocks noGrp="1" noRot="1" noChangeAspect="1"/>
+          </p:cNvSpPr>
+          <p:nvPr>
+            <p:ph type="sldImg" idx="2"/>
           </p:nvPr>
         </p:nvSpPr>
         <p:spPr>
@@ -2144,8 +2369,13 @@
             <a:ext cx="6096000" cy="3429000"/>
           </a:xfrm>
           <a:custGeom>
+            <a:avLst/>
+            <a:gdLst/>
+            <a:ahLst/>
+            <a:cxnLst/>
+            <a:rect l="0" t="0" r="0" b="0"/>
             <a:pathLst>
-              <a:path extrusionOk="0" h="120000" w="120000">
+              <a:path w="120000" h="120000" extrusionOk="0">
                 <a:moveTo>
                   <a:pt x="0" y="0"/>
                 </a:moveTo>
@@ -2167,9 +2397,11 @@
       <p:sp>
         <p:nvSpPr>
           <p:cNvPr id="221" name="Shape 221"/>
-          <p:cNvSpPr txBox="1"/>
-          <p:nvPr>
-            <p:ph idx="1" type="body"/>
+          <p:cNvSpPr txBox="1">
+            <a:spLocks noGrp="1"/>
+          </p:cNvSpPr>
+          <p:nvPr>
+            <p:ph type="body" idx="1"/>
           </p:nvPr>
         </p:nvSpPr>
         <p:spPr>
@@ -2182,7 +2414,7 @@
           </a:prstGeom>
         </p:spPr>
         <p:txBody>
-          <a:bodyPr anchorCtr="0" anchor="t" bIns="91425" lIns="91425" rIns="91425" tIns="91425">
+          <a:bodyPr lIns="91425" tIns="91425" rIns="91425" bIns="91425" anchor="t" anchorCtr="0">
             <a:noAutofit/>
           </a:bodyPr>
           <a:lstStyle/>
@@ -2193,9 +2425,6 @@
               </a:spcBef>
               <a:buNone/>
             </a:pPr>
-            <a:r>
-              <a:t/>
-            </a:r>
             <a:endParaRPr/>
           </a:p>
         </p:txBody>
@@ -2209,11 +2438,11 @@
 </file>
 
 <file path=ppt/notesSlides/notesSlide27.xml><?xml version="1.0" encoding="utf-8"?>
-<p:notes xmlns:a="http://schemas.openxmlformats.org/drawingml/2006/main" xmlns:r="http://schemas.openxmlformats.org/officeDocument/2006/relationships" xmlns:mc="http://schemas.openxmlformats.org/markup-compatibility/2006" xmlns:mv="urn:schemas-microsoft-com:mac:vml" xmlns:p="http://schemas.openxmlformats.org/presentationml/2006/main" xmlns:c="http://schemas.openxmlformats.org/drawingml/2006/chart" xmlns:dgm="http://schemas.openxmlformats.org/drawingml/2006/diagram" xmlns:o="urn:schemas-microsoft-com:office:office" xmlns:v="urn:schemas-microsoft-com:vml" xmlns:pvml="urn:schemas-microsoft-com:office:powerpoint" xmlns:com="http://schemas.openxmlformats.org/drawingml/2006/compatibility" xmlns:p14="http://schemas.microsoft.com/office/powerpoint/2010/main" showMasterPhAnim="0" showMasterSp="0">
+<p:notes xmlns:a="http://schemas.openxmlformats.org/drawingml/2006/main" xmlns:r="http://schemas.openxmlformats.org/officeDocument/2006/relationships" xmlns:p="http://schemas.openxmlformats.org/presentationml/2006/main" showMasterSp="0" showMasterPhAnim="0">
   <p:cSld>
     <p:spTree>
       <p:nvGrpSpPr>
-        <p:cNvPr id="226" name="Shape 226"/>
+        <p:cNvPr id="1" name="Shape 226"/>
         <p:cNvGrpSpPr/>
         <p:nvPr/>
       </p:nvGrpSpPr>
@@ -2228,9 +2457,11 @@
       <p:sp>
         <p:nvSpPr>
           <p:cNvPr id="227" name="Shape 227"/>
-          <p:cNvSpPr/>
-          <p:nvPr>
-            <p:ph idx="2" type="sldImg"/>
+          <p:cNvSpPr>
+            <a:spLocks noGrp="1" noRot="1" noChangeAspect="1"/>
+          </p:cNvSpPr>
+          <p:nvPr>
+            <p:ph type="sldImg" idx="2"/>
           </p:nvPr>
         </p:nvSpPr>
         <p:spPr>
@@ -2239,8 +2470,13 @@
             <a:ext cx="6096000" cy="3429000"/>
           </a:xfrm>
           <a:custGeom>
+            <a:avLst/>
+            <a:gdLst/>
+            <a:ahLst/>
+            <a:cxnLst/>
+            <a:rect l="0" t="0" r="0" b="0"/>
             <a:pathLst>
-              <a:path extrusionOk="0" h="120000" w="120000">
+              <a:path w="120000" h="120000" extrusionOk="0">
                 <a:moveTo>
                   <a:pt x="0" y="0"/>
                 </a:moveTo>
@@ -2262,9 +2498,11 @@
       <p:sp>
         <p:nvSpPr>
           <p:cNvPr id="228" name="Shape 228"/>
-          <p:cNvSpPr txBox="1"/>
-          <p:nvPr>
-            <p:ph idx="1" type="body"/>
+          <p:cNvSpPr txBox="1">
+            <a:spLocks noGrp="1"/>
+          </p:cNvSpPr>
+          <p:nvPr>
+            <p:ph type="body" idx="1"/>
           </p:nvPr>
         </p:nvSpPr>
         <p:spPr>
@@ -2277,7 +2515,7 @@
           </a:prstGeom>
         </p:spPr>
         <p:txBody>
-          <a:bodyPr anchorCtr="0" anchor="t" bIns="91425" lIns="91425" rIns="91425" tIns="91425">
+          <a:bodyPr lIns="91425" tIns="91425" rIns="91425" bIns="91425" anchor="t" anchorCtr="0">
             <a:noAutofit/>
           </a:bodyPr>
           <a:lstStyle/>
@@ -2288,9 +2526,6 @@
               </a:spcBef>
               <a:buNone/>
             </a:pPr>
-            <a:r>
-              <a:t/>
-            </a:r>
             <a:endParaRPr/>
           </a:p>
         </p:txBody>
@@ -2304,11 +2539,11 @@
 </file>
 
 <file path=ppt/notesSlides/notesSlide28.xml><?xml version="1.0" encoding="utf-8"?>
-<p:notes xmlns:a="http://schemas.openxmlformats.org/drawingml/2006/main" xmlns:r="http://schemas.openxmlformats.org/officeDocument/2006/relationships" xmlns:mc="http://schemas.openxmlformats.org/markup-compatibility/2006" xmlns:mv="urn:schemas-microsoft-com:mac:vml" xmlns:p="http://schemas.openxmlformats.org/presentationml/2006/main" xmlns:c="http://schemas.openxmlformats.org/drawingml/2006/chart" xmlns:dgm="http://schemas.openxmlformats.org/drawingml/2006/diagram" xmlns:o="urn:schemas-microsoft-com:office:office" xmlns:v="urn:schemas-microsoft-com:vml" xmlns:pvml="urn:schemas-microsoft-com:office:powerpoint" xmlns:com="http://schemas.openxmlformats.org/drawingml/2006/compatibility" xmlns:p14="http://schemas.microsoft.com/office/powerpoint/2010/main" showMasterPhAnim="0" showMasterSp="0">
+<p:notes xmlns:a="http://schemas.openxmlformats.org/drawingml/2006/main" xmlns:r="http://schemas.openxmlformats.org/officeDocument/2006/relationships" xmlns:p="http://schemas.openxmlformats.org/presentationml/2006/main" showMasterSp="0" showMasterPhAnim="0">
   <p:cSld>
     <p:spTree>
       <p:nvGrpSpPr>
-        <p:cNvPr id="233" name="Shape 233"/>
+        <p:cNvPr id="1" name="Shape 233"/>
         <p:cNvGrpSpPr/>
         <p:nvPr/>
       </p:nvGrpSpPr>
@@ -2323,9 +2558,11 @@
       <p:sp>
         <p:nvSpPr>
           <p:cNvPr id="234" name="Shape 234"/>
-          <p:cNvSpPr/>
-          <p:nvPr>
-            <p:ph idx="2" type="sldImg"/>
+          <p:cNvSpPr>
+            <a:spLocks noGrp="1" noRot="1" noChangeAspect="1"/>
+          </p:cNvSpPr>
+          <p:nvPr>
+            <p:ph type="sldImg" idx="2"/>
           </p:nvPr>
         </p:nvSpPr>
         <p:spPr>
@@ -2334,8 +2571,13 @@
             <a:ext cx="6096000" cy="3429000"/>
           </a:xfrm>
           <a:custGeom>
+            <a:avLst/>
+            <a:gdLst/>
+            <a:ahLst/>
+            <a:cxnLst/>
+            <a:rect l="0" t="0" r="0" b="0"/>
             <a:pathLst>
-              <a:path extrusionOk="0" h="120000" w="120000">
+              <a:path w="120000" h="120000" extrusionOk="0">
                 <a:moveTo>
                   <a:pt x="0" y="0"/>
                 </a:moveTo>
@@ -2357,9 +2599,11 @@
       <p:sp>
         <p:nvSpPr>
           <p:cNvPr id="235" name="Shape 235"/>
-          <p:cNvSpPr txBox="1"/>
-          <p:nvPr>
-            <p:ph idx="1" type="body"/>
+          <p:cNvSpPr txBox="1">
+            <a:spLocks noGrp="1"/>
+          </p:cNvSpPr>
+          <p:nvPr>
+            <p:ph type="body" idx="1"/>
           </p:nvPr>
         </p:nvSpPr>
         <p:spPr>
@@ -2372,7 +2616,7 @@
           </a:prstGeom>
         </p:spPr>
         <p:txBody>
-          <a:bodyPr anchorCtr="0" anchor="t" bIns="91425" lIns="91425" rIns="91425" tIns="91425">
+          <a:bodyPr lIns="91425" tIns="91425" rIns="91425" bIns="91425" anchor="t" anchorCtr="0">
             <a:noAutofit/>
           </a:bodyPr>
           <a:lstStyle/>
@@ -2383,9 +2627,6 @@
               </a:spcBef>
               <a:buNone/>
             </a:pPr>
-            <a:r>
-              <a:t/>
-            </a:r>
             <a:endParaRPr/>
           </a:p>
         </p:txBody>
@@ -2399,11 +2640,11 @@
 </file>
 
 <file path=ppt/notesSlides/notesSlide29.xml><?xml version="1.0" encoding="utf-8"?>
-<p:notes xmlns:a="http://schemas.openxmlformats.org/drawingml/2006/main" xmlns:r="http://schemas.openxmlformats.org/officeDocument/2006/relationships" xmlns:mc="http://schemas.openxmlformats.org/markup-compatibility/2006" xmlns:mv="urn:schemas-microsoft-com:mac:vml" xmlns:p="http://schemas.openxmlformats.org/presentationml/2006/main" xmlns:c="http://schemas.openxmlformats.org/drawingml/2006/chart" xmlns:dgm="http://schemas.openxmlformats.org/drawingml/2006/diagram" xmlns:o="urn:schemas-microsoft-com:office:office" xmlns:v="urn:schemas-microsoft-com:vml" xmlns:pvml="urn:schemas-microsoft-com:office:powerpoint" xmlns:com="http://schemas.openxmlformats.org/drawingml/2006/compatibility" xmlns:p14="http://schemas.microsoft.com/office/powerpoint/2010/main" showMasterPhAnim="0" showMasterSp="0">
+<p:notes xmlns:a="http://schemas.openxmlformats.org/drawingml/2006/main" xmlns:r="http://schemas.openxmlformats.org/officeDocument/2006/relationships" xmlns:p="http://schemas.openxmlformats.org/presentationml/2006/main" showMasterSp="0" showMasterPhAnim="0">
   <p:cSld>
     <p:spTree>
       <p:nvGrpSpPr>
-        <p:cNvPr id="240" name="Shape 240"/>
+        <p:cNvPr id="1" name="Shape 240"/>
         <p:cNvGrpSpPr/>
         <p:nvPr/>
       </p:nvGrpSpPr>
@@ -2418,9 +2659,11 @@
       <p:sp>
         <p:nvSpPr>
           <p:cNvPr id="241" name="Shape 241"/>
-          <p:cNvSpPr/>
-          <p:nvPr>
-            <p:ph idx="2" type="sldImg"/>
+          <p:cNvSpPr>
+            <a:spLocks noGrp="1" noRot="1" noChangeAspect="1"/>
+          </p:cNvSpPr>
+          <p:nvPr>
+            <p:ph type="sldImg" idx="2"/>
           </p:nvPr>
         </p:nvSpPr>
         <p:spPr>
@@ -2429,8 +2672,13 @@
             <a:ext cx="6096000" cy="3429000"/>
           </a:xfrm>
           <a:custGeom>
+            <a:avLst/>
+            <a:gdLst/>
+            <a:ahLst/>
+            <a:cxnLst/>
+            <a:rect l="0" t="0" r="0" b="0"/>
             <a:pathLst>
-              <a:path extrusionOk="0" h="120000" w="120000">
+              <a:path w="120000" h="120000" extrusionOk="0">
                 <a:moveTo>
                   <a:pt x="0" y="0"/>
                 </a:moveTo>
@@ -2452,9 +2700,11 @@
       <p:sp>
         <p:nvSpPr>
           <p:cNvPr id="242" name="Shape 242"/>
-          <p:cNvSpPr txBox="1"/>
-          <p:nvPr>
-            <p:ph idx="1" type="body"/>
+          <p:cNvSpPr txBox="1">
+            <a:spLocks noGrp="1"/>
+          </p:cNvSpPr>
+          <p:nvPr>
+            <p:ph type="body" idx="1"/>
           </p:nvPr>
         </p:nvSpPr>
         <p:spPr>
@@ -2467,7 +2717,7 @@
           </a:prstGeom>
         </p:spPr>
         <p:txBody>
-          <a:bodyPr anchorCtr="0" anchor="t" bIns="91425" lIns="91425" rIns="91425" tIns="91425">
+          <a:bodyPr lIns="91425" tIns="91425" rIns="91425" bIns="91425" anchor="t" anchorCtr="0">
             <a:noAutofit/>
           </a:bodyPr>
           <a:lstStyle/>
@@ -2478,9 +2728,6 @@
               </a:spcBef>
               <a:buNone/>
             </a:pPr>
-            <a:r>
-              <a:t/>
-            </a:r>
             <a:endParaRPr/>
           </a:p>
         </p:txBody>
@@ -2494,11 +2741,11 @@
 </file>
 
 <file path=ppt/notesSlides/notesSlide3.xml><?xml version="1.0" encoding="utf-8"?>
-<p:notes xmlns:a="http://schemas.openxmlformats.org/drawingml/2006/main" xmlns:r="http://schemas.openxmlformats.org/officeDocument/2006/relationships" xmlns:mc="http://schemas.openxmlformats.org/markup-compatibility/2006" xmlns:mv="urn:schemas-microsoft-com:mac:vml" xmlns:p="http://schemas.openxmlformats.org/presentationml/2006/main" xmlns:c="http://schemas.openxmlformats.org/drawingml/2006/chart" xmlns:dgm="http://schemas.openxmlformats.org/drawingml/2006/diagram" xmlns:o="urn:schemas-microsoft-com:office:office" xmlns:v="urn:schemas-microsoft-com:vml" xmlns:pvml="urn:schemas-microsoft-com:office:powerpoint" xmlns:com="http://schemas.openxmlformats.org/drawingml/2006/compatibility" xmlns:p14="http://schemas.microsoft.com/office/powerpoint/2010/main" showMasterPhAnim="0" showMasterSp="0">
+<p:notes xmlns:a="http://schemas.openxmlformats.org/drawingml/2006/main" xmlns:r="http://schemas.openxmlformats.org/officeDocument/2006/relationships" xmlns:p="http://schemas.openxmlformats.org/presentationml/2006/main" showMasterSp="0" showMasterPhAnim="0">
   <p:cSld>
     <p:spTree>
       <p:nvGrpSpPr>
-        <p:cNvPr id="67" name="Shape 67"/>
+        <p:cNvPr id="1" name="Shape 67"/>
         <p:cNvGrpSpPr/>
         <p:nvPr/>
       </p:nvGrpSpPr>
@@ -2513,9 +2760,11 @@
       <p:sp>
         <p:nvSpPr>
           <p:cNvPr id="68" name="Shape 68"/>
-          <p:cNvSpPr/>
-          <p:nvPr>
-            <p:ph idx="2" type="sldImg"/>
+          <p:cNvSpPr>
+            <a:spLocks noGrp="1" noRot="1" noChangeAspect="1"/>
+          </p:cNvSpPr>
+          <p:nvPr>
+            <p:ph type="sldImg" idx="2"/>
           </p:nvPr>
         </p:nvSpPr>
         <p:spPr>
@@ -2524,8 +2773,13 @@
             <a:ext cx="6096000" cy="3429000"/>
           </a:xfrm>
           <a:custGeom>
+            <a:avLst/>
+            <a:gdLst/>
+            <a:ahLst/>
+            <a:cxnLst/>
+            <a:rect l="0" t="0" r="0" b="0"/>
             <a:pathLst>
-              <a:path extrusionOk="0" h="120000" w="120000">
+              <a:path w="120000" h="120000" extrusionOk="0">
                 <a:moveTo>
                   <a:pt x="0" y="0"/>
                 </a:moveTo>
@@ -2547,9 +2801,11 @@
       <p:sp>
         <p:nvSpPr>
           <p:cNvPr id="69" name="Shape 69"/>
-          <p:cNvSpPr txBox="1"/>
-          <p:nvPr>
-            <p:ph idx="1" type="body"/>
+          <p:cNvSpPr txBox="1">
+            <a:spLocks noGrp="1"/>
+          </p:cNvSpPr>
+          <p:nvPr>
+            <p:ph type="body" idx="1"/>
           </p:nvPr>
         </p:nvSpPr>
         <p:spPr>
@@ -2562,7 +2818,7 @@
           </a:prstGeom>
         </p:spPr>
         <p:txBody>
-          <a:bodyPr anchorCtr="0" anchor="t" bIns="91425" lIns="91425" rIns="91425" tIns="91425">
+          <a:bodyPr lIns="91425" tIns="91425" rIns="91425" bIns="91425" anchor="t" anchorCtr="0">
             <a:noAutofit/>
           </a:bodyPr>
           <a:lstStyle/>
@@ -2573,9 +2829,6 @@
               </a:spcBef>
               <a:buNone/>
             </a:pPr>
-            <a:r>
-              <a:t/>
-            </a:r>
             <a:endParaRPr/>
           </a:p>
         </p:txBody>
@@ -2589,11 +2842,11 @@
 </file>
 
 <file path=ppt/notesSlides/notesSlide4.xml><?xml version="1.0" encoding="utf-8"?>
-<p:notes xmlns:a="http://schemas.openxmlformats.org/drawingml/2006/main" xmlns:r="http://schemas.openxmlformats.org/officeDocument/2006/relationships" xmlns:mc="http://schemas.openxmlformats.org/markup-compatibility/2006" xmlns:mv="urn:schemas-microsoft-com:mac:vml" xmlns:p="http://schemas.openxmlformats.org/presentationml/2006/main" xmlns:c="http://schemas.openxmlformats.org/drawingml/2006/chart" xmlns:dgm="http://schemas.openxmlformats.org/drawingml/2006/diagram" xmlns:o="urn:schemas-microsoft-com:office:office" xmlns:v="urn:schemas-microsoft-com:vml" xmlns:pvml="urn:schemas-microsoft-com:office:powerpoint" xmlns:com="http://schemas.openxmlformats.org/drawingml/2006/compatibility" xmlns:p14="http://schemas.microsoft.com/office/powerpoint/2010/main" showMasterPhAnim="0" showMasterSp="0">
+<p:notes xmlns:a="http://schemas.openxmlformats.org/drawingml/2006/main" xmlns:r="http://schemas.openxmlformats.org/officeDocument/2006/relationships" xmlns:p="http://schemas.openxmlformats.org/presentationml/2006/main" showMasterSp="0" showMasterPhAnim="0">
   <p:cSld>
     <p:spTree>
       <p:nvGrpSpPr>
-        <p:cNvPr id="73" name="Shape 73"/>
+        <p:cNvPr id="1" name="Shape 73"/>
         <p:cNvGrpSpPr/>
         <p:nvPr/>
       </p:nvGrpSpPr>
@@ -2608,9 +2861,11 @@
       <p:sp>
         <p:nvSpPr>
           <p:cNvPr id="74" name="Shape 74"/>
-          <p:cNvSpPr/>
-          <p:nvPr>
-            <p:ph idx="2" type="sldImg"/>
+          <p:cNvSpPr>
+            <a:spLocks noGrp="1" noRot="1" noChangeAspect="1"/>
+          </p:cNvSpPr>
+          <p:nvPr>
+            <p:ph type="sldImg" idx="2"/>
           </p:nvPr>
         </p:nvSpPr>
         <p:spPr>
@@ -2619,8 +2874,13 @@
             <a:ext cx="6096000" cy="3429000"/>
           </a:xfrm>
           <a:custGeom>
+            <a:avLst/>
+            <a:gdLst/>
+            <a:ahLst/>
+            <a:cxnLst/>
+            <a:rect l="0" t="0" r="0" b="0"/>
             <a:pathLst>
-              <a:path extrusionOk="0" h="120000" w="120000">
+              <a:path w="120000" h="120000" extrusionOk="0">
                 <a:moveTo>
                   <a:pt x="0" y="0"/>
                 </a:moveTo>
@@ -2642,9 +2902,11 @@
       <p:sp>
         <p:nvSpPr>
           <p:cNvPr id="75" name="Shape 75"/>
-          <p:cNvSpPr txBox="1"/>
-          <p:nvPr>
-            <p:ph idx="1" type="body"/>
+          <p:cNvSpPr txBox="1">
+            <a:spLocks noGrp="1"/>
+          </p:cNvSpPr>
+          <p:nvPr>
+            <p:ph type="body" idx="1"/>
           </p:nvPr>
         </p:nvSpPr>
         <p:spPr>
@@ -2657,7 +2919,7 @@
           </a:prstGeom>
         </p:spPr>
         <p:txBody>
-          <a:bodyPr anchorCtr="0" anchor="t" bIns="91425" lIns="91425" rIns="91425" tIns="91425">
+          <a:bodyPr lIns="91425" tIns="91425" rIns="91425" bIns="91425" anchor="t" anchorCtr="0">
             <a:noAutofit/>
           </a:bodyPr>
           <a:lstStyle/>
@@ -2668,9 +2930,6 @@
               </a:spcBef>
               <a:buNone/>
             </a:pPr>
-            <a:r>
-              <a:t/>
-            </a:r>
             <a:endParaRPr/>
           </a:p>
         </p:txBody>
@@ -2684,11 +2943,11 @@
 </file>
 
 <file path=ppt/notesSlides/notesSlide5.xml><?xml version="1.0" encoding="utf-8"?>
-<p:notes xmlns:a="http://schemas.openxmlformats.org/drawingml/2006/main" xmlns:r="http://schemas.openxmlformats.org/officeDocument/2006/relationships" xmlns:mc="http://schemas.openxmlformats.org/markup-compatibility/2006" xmlns:mv="urn:schemas-microsoft-com:mac:vml" xmlns:p="http://schemas.openxmlformats.org/presentationml/2006/main" xmlns:c="http://schemas.openxmlformats.org/drawingml/2006/chart" xmlns:dgm="http://schemas.openxmlformats.org/drawingml/2006/diagram" xmlns:o="urn:schemas-microsoft-com:office:office" xmlns:v="urn:schemas-microsoft-com:vml" xmlns:pvml="urn:schemas-microsoft-com:office:powerpoint" xmlns:com="http://schemas.openxmlformats.org/drawingml/2006/compatibility" xmlns:p14="http://schemas.microsoft.com/office/powerpoint/2010/main" showMasterPhAnim="0" showMasterSp="0">
+<p:notes xmlns:a="http://schemas.openxmlformats.org/drawingml/2006/main" xmlns:r="http://schemas.openxmlformats.org/officeDocument/2006/relationships" xmlns:p="http://schemas.openxmlformats.org/presentationml/2006/main" showMasterSp="0" showMasterPhAnim="0">
   <p:cSld>
     <p:spTree>
       <p:nvGrpSpPr>
-        <p:cNvPr id="79" name="Shape 79"/>
+        <p:cNvPr id="1" name="Shape 79"/>
         <p:cNvGrpSpPr/>
         <p:nvPr/>
       </p:nvGrpSpPr>
@@ -2703,9 +2962,11 @@
       <p:sp>
         <p:nvSpPr>
           <p:cNvPr id="80" name="Shape 80"/>
-          <p:cNvSpPr/>
-          <p:nvPr>
-            <p:ph idx="2" type="sldImg"/>
+          <p:cNvSpPr>
+            <a:spLocks noGrp="1" noRot="1" noChangeAspect="1"/>
+          </p:cNvSpPr>
+          <p:nvPr>
+            <p:ph type="sldImg" idx="2"/>
           </p:nvPr>
         </p:nvSpPr>
         <p:spPr>
@@ -2714,8 +2975,13 @@
             <a:ext cx="6096000" cy="3429000"/>
           </a:xfrm>
           <a:custGeom>
+            <a:avLst/>
+            <a:gdLst/>
+            <a:ahLst/>
+            <a:cxnLst/>
+            <a:rect l="0" t="0" r="0" b="0"/>
             <a:pathLst>
-              <a:path extrusionOk="0" h="120000" w="120000">
+              <a:path w="120000" h="120000" extrusionOk="0">
                 <a:moveTo>
                   <a:pt x="0" y="0"/>
                 </a:moveTo>
@@ -2737,9 +3003,11 @@
       <p:sp>
         <p:nvSpPr>
           <p:cNvPr id="81" name="Shape 81"/>
-          <p:cNvSpPr txBox="1"/>
-          <p:nvPr>
-            <p:ph idx="1" type="body"/>
+          <p:cNvSpPr txBox="1">
+            <a:spLocks noGrp="1"/>
+          </p:cNvSpPr>
+          <p:nvPr>
+            <p:ph type="body" idx="1"/>
           </p:nvPr>
         </p:nvSpPr>
         <p:spPr>
@@ -2752,7 +3020,7 @@
           </a:prstGeom>
         </p:spPr>
         <p:txBody>
-          <a:bodyPr anchorCtr="0" anchor="t" bIns="91425" lIns="91425" rIns="91425" tIns="91425">
+          <a:bodyPr lIns="91425" tIns="91425" rIns="91425" bIns="91425" anchor="t" anchorCtr="0">
             <a:noAutofit/>
           </a:bodyPr>
           <a:lstStyle/>
@@ -2763,9 +3031,6 @@
               </a:spcBef>
               <a:buNone/>
             </a:pPr>
-            <a:r>
-              <a:t/>
-            </a:r>
             <a:endParaRPr/>
           </a:p>
         </p:txBody>
@@ -2779,11 +3044,11 @@
 </file>
 
 <file path=ppt/notesSlides/notesSlide6.xml><?xml version="1.0" encoding="utf-8"?>
-<p:notes xmlns:a="http://schemas.openxmlformats.org/drawingml/2006/main" xmlns:r="http://schemas.openxmlformats.org/officeDocument/2006/relationships" xmlns:mc="http://schemas.openxmlformats.org/markup-compatibility/2006" xmlns:mv="urn:schemas-microsoft-com:mac:vml" xmlns:p="http://schemas.openxmlformats.org/presentationml/2006/main" xmlns:c="http://schemas.openxmlformats.org/drawingml/2006/chart" xmlns:dgm="http://schemas.openxmlformats.org/drawingml/2006/diagram" xmlns:o="urn:schemas-microsoft-com:office:office" xmlns:v="urn:schemas-microsoft-com:vml" xmlns:pvml="urn:schemas-microsoft-com:office:powerpoint" xmlns:com="http://schemas.openxmlformats.org/drawingml/2006/compatibility" xmlns:p14="http://schemas.microsoft.com/office/powerpoint/2010/main" showMasterPhAnim="0" showMasterSp="0">
+<p:notes xmlns:a="http://schemas.openxmlformats.org/drawingml/2006/main" xmlns:r="http://schemas.openxmlformats.org/officeDocument/2006/relationships" xmlns:p="http://schemas.openxmlformats.org/presentationml/2006/main" showMasterSp="0" showMasterPhAnim="0">
   <p:cSld>
     <p:spTree>
       <p:nvGrpSpPr>
-        <p:cNvPr id="86" name="Shape 86"/>
+        <p:cNvPr id="1" name="Shape 86"/>
         <p:cNvGrpSpPr/>
         <p:nvPr/>
       </p:nvGrpSpPr>
@@ -2798,9 +3063,11 @@
       <p:sp>
         <p:nvSpPr>
           <p:cNvPr id="87" name="Shape 87"/>
-          <p:cNvSpPr/>
-          <p:nvPr>
-            <p:ph idx="2" type="sldImg"/>
+          <p:cNvSpPr>
+            <a:spLocks noGrp="1" noRot="1" noChangeAspect="1"/>
+          </p:cNvSpPr>
+          <p:nvPr>
+            <p:ph type="sldImg" idx="2"/>
           </p:nvPr>
         </p:nvSpPr>
         <p:spPr>
@@ -2809,8 +3076,13 @@
             <a:ext cx="6096000" cy="3429000"/>
           </a:xfrm>
           <a:custGeom>
+            <a:avLst/>
+            <a:gdLst/>
+            <a:ahLst/>
+            <a:cxnLst/>
+            <a:rect l="0" t="0" r="0" b="0"/>
             <a:pathLst>
-              <a:path extrusionOk="0" h="120000" w="120000">
+              <a:path w="120000" h="120000" extrusionOk="0">
                 <a:moveTo>
                   <a:pt x="0" y="0"/>
                 </a:moveTo>
@@ -2832,9 +3104,11 @@
       <p:sp>
         <p:nvSpPr>
           <p:cNvPr id="88" name="Shape 88"/>
-          <p:cNvSpPr txBox="1"/>
-          <p:nvPr>
-            <p:ph idx="1" type="body"/>
+          <p:cNvSpPr txBox="1">
+            <a:spLocks noGrp="1"/>
+          </p:cNvSpPr>
+          <p:nvPr>
+            <p:ph type="body" idx="1"/>
           </p:nvPr>
         </p:nvSpPr>
         <p:spPr>
@@ -2847,7 +3121,7 @@
           </a:prstGeom>
         </p:spPr>
         <p:txBody>
-          <a:bodyPr anchorCtr="0" anchor="t" bIns="91425" lIns="91425" rIns="91425" tIns="91425">
+          <a:bodyPr lIns="91425" tIns="91425" rIns="91425" bIns="91425" anchor="t" anchorCtr="0">
             <a:noAutofit/>
           </a:bodyPr>
           <a:lstStyle/>
@@ -2858,9 +3132,6 @@
               </a:spcBef>
               <a:buNone/>
             </a:pPr>
-            <a:r>
-              <a:t/>
-            </a:r>
             <a:endParaRPr/>
           </a:p>
         </p:txBody>
@@ -2874,11 +3145,11 @@
 </file>
 
 <file path=ppt/notesSlides/notesSlide7.xml><?xml version="1.0" encoding="utf-8"?>
-<p:notes xmlns:a="http://schemas.openxmlformats.org/drawingml/2006/main" xmlns:r="http://schemas.openxmlformats.org/officeDocument/2006/relationships" xmlns:mc="http://schemas.openxmlformats.org/markup-compatibility/2006" xmlns:mv="urn:schemas-microsoft-com:mac:vml" xmlns:p="http://schemas.openxmlformats.org/presentationml/2006/main" xmlns:c="http://schemas.openxmlformats.org/drawingml/2006/chart" xmlns:dgm="http://schemas.openxmlformats.org/drawingml/2006/diagram" xmlns:o="urn:schemas-microsoft-com:office:office" xmlns:v="urn:schemas-microsoft-com:vml" xmlns:pvml="urn:schemas-microsoft-com:office:powerpoint" xmlns:com="http://schemas.openxmlformats.org/drawingml/2006/compatibility" xmlns:p14="http://schemas.microsoft.com/office/powerpoint/2010/main" showMasterPhAnim="0" showMasterSp="0">
+<p:notes xmlns:a="http://schemas.openxmlformats.org/drawingml/2006/main" xmlns:r="http://schemas.openxmlformats.org/officeDocument/2006/relationships" xmlns:p="http://schemas.openxmlformats.org/presentationml/2006/main" showMasterSp="0" showMasterPhAnim="0">
   <p:cSld>
     <p:spTree>
       <p:nvGrpSpPr>
-        <p:cNvPr id="93" name="Shape 93"/>
+        <p:cNvPr id="1" name="Shape 93"/>
         <p:cNvGrpSpPr/>
         <p:nvPr/>
       </p:nvGrpSpPr>
@@ -2893,9 +3164,11 @@
       <p:sp>
         <p:nvSpPr>
           <p:cNvPr id="94" name="Shape 94"/>
-          <p:cNvSpPr/>
-          <p:nvPr>
-            <p:ph idx="2" type="sldImg"/>
+          <p:cNvSpPr>
+            <a:spLocks noGrp="1" noRot="1" noChangeAspect="1"/>
+          </p:cNvSpPr>
+          <p:nvPr>
+            <p:ph type="sldImg" idx="2"/>
           </p:nvPr>
         </p:nvSpPr>
         <p:spPr>
@@ -2904,8 +3177,13 @@
             <a:ext cx="6096000" cy="3429000"/>
           </a:xfrm>
           <a:custGeom>
+            <a:avLst/>
+            <a:gdLst/>
+            <a:ahLst/>
+            <a:cxnLst/>
+            <a:rect l="0" t="0" r="0" b="0"/>
             <a:pathLst>
-              <a:path extrusionOk="0" h="120000" w="120000">
+              <a:path w="120000" h="120000" extrusionOk="0">
                 <a:moveTo>
                   <a:pt x="0" y="0"/>
                 </a:moveTo>
@@ -2927,9 +3205,11 @@
       <p:sp>
         <p:nvSpPr>
           <p:cNvPr id="95" name="Shape 95"/>
-          <p:cNvSpPr txBox="1"/>
-          <p:nvPr>
-            <p:ph idx="1" type="body"/>
+          <p:cNvSpPr txBox="1">
+            <a:spLocks noGrp="1"/>
+          </p:cNvSpPr>
+          <p:nvPr>
+            <p:ph type="body" idx="1"/>
           </p:nvPr>
         </p:nvSpPr>
         <p:spPr>
@@ -2942,7 +3222,7 @@
           </a:prstGeom>
         </p:spPr>
         <p:txBody>
-          <a:bodyPr anchorCtr="0" anchor="t" bIns="91425" lIns="91425" rIns="91425" tIns="91425">
+          <a:bodyPr lIns="91425" tIns="91425" rIns="91425" bIns="91425" anchor="t" anchorCtr="0">
             <a:noAutofit/>
           </a:bodyPr>
           <a:lstStyle/>
@@ -2953,9 +3233,6 @@
               </a:spcBef>
               <a:buNone/>
             </a:pPr>
-            <a:r>
-              <a:t/>
-            </a:r>
             <a:endParaRPr/>
           </a:p>
         </p:txBody>
@@ -2969,11 +3246,11 @@
 </file>
 
 <file path=ppt/notesSlides/notesSlide8.xml><?xml version="1.0" encoding="utf-8"?>
-<p:notes xmlns:a="http://schemas.openxmlformats.org/drawingml/2006/main" xmlns:r="http://schemas.openxmlformats.org/officeDocument/2006/relationships" xmlns:mc="http://schemas.openxmlformats.org/markup-compatibility/2006" xmlns:mv="urn:schemas-microsoft-com:mac:vml" xmlns:p="http://schemas.openxmlformats.org/presentationml/2006/main" xmlns:c="http://schemas.openxmlformats.org/drawingml/2006/chart" xmlns:dgm="http://schemas.openxmlformats.org/drawingml/2006/diagram" xmlns:o="urn:schemas-microsoft-com:office:office" xmlns:v="urn:schemas-microsoft-com:vml" xmlns:pvml="urn:schemas-microsoft-com:office:powerpoint" xmlns:com="http://schemas.openxmlformats.org/drawingml/2006/compatibility" xmlns:p14="http://schemas.microsoft.com/office/powerpoint/2010/main" showMasterPhAnim="0" showMasterSp="0">
+<p:notes xmlns:a="http://schemas.openxmlformats.org/drawingml/2006/main" xmlns:r="http://schemas.openxmlformats.org/officeDocument/2006/relationships" xmlns:p="http://schemas.openxmlformats.org/presentationml/2006/main" showMasterSp="0" showMasterPhAnim="0">
   <p:cSld>
     <p:spTree>
       <p:nvGrpSpPr>
-        <p:cNvPr id="99" name="Shape 99"/>
+        <p:cNvPr id="1" name="Shape 99"/>
         <p:cNvGrpSpPr/>
         <p:nvPr/>
       </p:nvGrpSpPr>
@@ -2988,9 +3265,11 @@
       <p:sp>
         <p:nvSpPr>
           <p:cNvPr id="100" name="Shape 100"/>
-          <p:cNvSpPr/>
-          <p:nvPr>
-            <p:ph idx="2" type="sldImg"/>
+          <p:cNvSpPr>
+            <a:spLocks noGrp="1" noRot="1" noChangeAspect="1"/>
+          </p:cNvSpPr>
+          <p:nvPr>
+            <p:ph type="sldImg" idx="2"/>
           </p:nvPr>
         </p:nvSpPr>
         <p:spPr>
@@ -2999,8 +3278,13 @@
             <a:ext cx="6096000" cy="3429000"/>
           </a:xfrm>
           <a:custGeom>
+            <a:avLst/>
+            <a:gdLst/>
+            <a:ahLst/>
+            <a:cxnLst/>
+            <a:rect l="0" t="0" r="0" b="0"/>
             <a:pathLst>
-              <a:path extrusionOk="0" h="120000" w="120000">
+              <a:path w="120000" h="120000" extrusionOk="0">
                 <a:moveTo>
                   <a:pt x="0" y="0"/>
                 </a:moveTo>
@@ -3022,9 +3306,11 @@
       <p:sp>
         <p:nvSpPr>
           <p:cNvPr id="101" name="Shape 101"/>
-          <p:cNvSpPr txBox="1"/>
-          <p:nvPr>
-            <p:ph idx="1" type="body"/>
+          <p:cNvSpPr txBox="1">
+            <a:spLocks noGrp="1"/>
+          </p:cNvSpPr>
+          <p:nvPr>
+            <p:ph type="body" idx="1"/>
           </p:nvPr>
         </p:nvSpPr>
         <p:spPr>
@@ -3037,7 +3323,7 @@
           </a:prstGeom>
         </p:spPr>
         <p:txBody>
-          <a:bodyPr anchorCtr="0" anchor="t" bIns="91425" lIns="91425" rIns="91425" tIns="91425">
+          <a:bodyPr lIns="91425" tIns="91425" rIns="91425" bIns="91425" anchor="t" anchorCtr="0">
             <a:noAutofit/>
           </a:bodyPr>
           <a:lstStyle/>
@@ -3048,9 +3334,6 @@
               </a:spcBef>
               <a:buNone/>
             </a:pPr>
-            <a:r>
-              <a:t/>
-            </a:r>
             <a:endParaRPr/>
           </a:p>
         </p:txBody>
@@ -3064,11 +3347,11 @@
 </file>
 
 <file path=ppt/notesSlides/notesSlide9.xml><?xml version="1.0" encoding="utf-8"?>
-<p:notes xmlns:a="http://schemas.openxmlformats.org/drawingml/2006/main" xmlns:r="http://schemas.openxmlformats.org/officeDocument/2006/relationships" xmlns:mc="http://schemas.openxmlformats.org/markup-compatibility/2006" xmlns:mv="urn:schemas-microsoft-com:mac:vml" xmlns:p="http://schemas.openxmlformats.org/presentationml/2006/main" xmlns:c="http://schemas.openxmlformats.org/drawingml/2006/chart" xmlns:dgm="http://schemas.openxmlformats.org/drawingml/2006/diagram" xmlns:o="urn:schemas-microsoft-com:office:office" xmlns:v="urn:schemas-microsoft-com:vml" xmlns:pvml="urn:schemas-microsoft-com:office:powerpoint" xmlns:com="http://schemas.openxmlformats.org/drawingml/2006/compatibility" xmlns:p14="http://schemas.microsoft.com/office/powerpoint/2010/main" showMasterPhAnim="0" showMasterSp="0">
+<p:notes xmlns:a="http://schemas.openxmlformats.org/drawingml/2006/main" xmlns:r="http://schemas.openxmlformats.org/officeDocument/2006/relationships" xmlns:p="http://schemas.openxmlformats.org/presentationml/2006/main" showMasterSp="0" showMasterPhAnim="0">
   <p:cSld>
     <p:spTree>
       <p:nvGrpSpPr>
-        <p:cNvPr id="105" name="Shape 105"/>
+        <p:cNvPr id="1" name="Shape 105"/>
         <p:cNvGrpSpPr/>
         <p:nvPr/>
       </p:nvGrpSpPr>
@@ -3083,9 +3366,11 @@
       <p:sp>
         <p:nvSpPr>
           <p:cNvPr id="106" name="Shape 106"/>
-          <p:cNvSpPr/>
-          <p:nvPr>
-            <p:ph idx="2" type="sldImg"/>
+          <p:cNvSpPr>
+            <a:spLocks noGrp="1" noRot="1" noChangeAspect="1"/>
+          </p:cNvSpPr>
+          <p:nvPr>
+            <p:ph type="sldImg" idx="2"/>
           </p:nvPr>
         </p:nvSpPr>
         <p:spPr>
@@ -3094,8 +3379,13 @@
             <a:ext cx="6096000" cy="3429000"/>
           </a:xfrm>
           <a:custGeom>
+            <a:avLst/>
+            <a:gdLst/>
+            <a:ahLst/>
+            <a:cxnLst/>
+            <a:rect l="0" t="0" r="0" b="0"/>
             <a:pathLst>
-              <a:path extrusionOk="0" h="120000" w="120000">
+              <a:path w="120000" h="120000" extrusionOk="0">
                 <a:moveTo>
                   <a:pt x="0" y="0"/>
                 </a:moveTo>
@@ -3117,9 +3407,11 @@
       <p:sp>
         <p:nvSpPr>
           <p:cNvPr id="107" name="Shape 107"/>
-          <p:cNvSpPr txBox="1"/>
-          <p:nvPr>
-            <p:ph idx="1" type="body"/>
+          <p:cNvSpPr txBox="1">
+            <a:spLocks noGrp="1"/>
+          </p:cNvSpPr>
+          <p:nvPr>
+            <p:ph type="body" idx="1"/>
           </p:nvPr>
         </p:nvSpPr>
         <p:spPr>
@@ -3132,7 +3424,7 @@
           </a:prstGeom>
         </p:spPr>
         <p:txBody>
-          <a:bodyPr anchorCtr="0" anchor="t" bIns="91425" lIns="91425" rIns="91425" tIns="91425">
+          <a:bodyPr lIns="91425" tIns="91425" rIns="91425" bIns="91425" anchor="t" anchorCtr="0">
             <a:noAutofit/>
           </a:bodyPr>
           <a:lstStyle/>
@@ -3143,9 +3435,6 @@
               </a:spcBef>
               <a:buNone/>
             </a:pPr>
-            <a:r>
-              <a:t/>
-            </a:r>
             <a:endParaRPr/>
           </a:p>
         </p:txBody>
@@ -3159,18 +3448,19 @@
 </file>
 
 <file path=ppt/slideLayouts/slideLayout1.xml><?xml version="1.0" encoding="utf-8"?>
-<p:sldLayout xmlns:a="http://schemas.openxmlformats.org/drawingml/2006/main" xmlns:r="http://schemas.openxmlformats.org/officeDocument/2006/relationships" xmlns:mc="http://schemas.openxmlformats.org/markup-compatibility/2006" xmlns:mv="urn:schemas-microsoft-com:mac:vml" xmlns:p="http://schemas.openxmlformats.org/presentationml/2006/main" xmlns:c="http://schemas.openxmlformats.org/drawingml/2006/chart" xmlns:dgm="http://schemas.openxmlformats.org/drawingml/2006/diagram" xmlns:o="urn:schemas-microsoft-com:office:office" xmlns:v="urn:schemas-microsoft-com:vml" xmlns:pvml="urn:schemas-microsoft-com:office:powerpoint" xmlns:com="http://schemas.openxmlformats.org/drawingml/2006/compatibility" xmlns:p14="http://schemas.microsoft.com/office/powerpoint/2010/main" type="title">
+<p:sldLayout xmlns:a="http://schemas.openxmlformats.org/drawingml/2006/main" xmlns:r="http://schemas.openxmlformats.org/officeDocument/2006/relationships" xmlns:p="http://schemas.openxmlformats.org/presentationml/2006/main" type="title">
   <p:cSld name="Title slide">
     <p:bg>
       <p:bgPr>
         <a:solidFill>
           <a:schemeClr val="dk1"/>
         </a:solidFill>
+        <a:effectLst/>
       </p:bgPr>
     </p:bg>
     <p:spTree>
       <p:nvGrpSpPr>
-        <p:cNvPr id="9" name="Shape 9"/>
+        <p:cNvPr id="1" name="Shape 9"/>
         <p:cNvGrpSpPr/>
         <p:nvPr/>
       </p:nvGrpSpPr>
@@ -3197,21 +3487,23 @@
             <a:avLst/>
           </a:prstGeom>
           <a:noFill/>
-          <a:ln cap="flat" cmpd="sng" w="19050">
+          <a:ln w="19050" cap="flat" cmpd="sng">
             <a:solidFill>
               <a:schemeClr val="lt2"/>
             </a:solidFill>
             <a:prstDash val="solid"/>
             <a:round/>
-            <a:headEnd len="med" w="med" type="none"/>
-            <a:tailEnd len="med" w="med" type="none"/>
+            <a:headEnd type="none" w="med" len="med"/>
+            <a:tailEnd type="none" w="med" len="med"/>
           </a:ln>
         </p:spPr>
       </p:cxnSp>
       <p:sp>
         <p:nvSpPr>
           <p:cNvPr id="11" name="Shape 11"/>
-          <p:cNvSpPr txBox="1"/>
+          <p:cNvSpPr txBox="1">
+            <a:spLocks noGrp="1"/>
+          </p:cNvSpPr>
           <p:nvPr>
             <p:ph type="ctrTitle"/>
           </p:nvPr>
@@ -3226,7 +3518,7 @@
           </a:prstGeom>
         </p:spPr>
         <p:txBody>
-          <a:bodyPr anchorCtr="0" anchor="b" bIns="91425" lIns="91425" rIns="91425" tIns="91425"/>
+          <a:bodyPr lIns="91425" tIns="91425" rIns="91425" bIns="91425" anchor="b" anchorCtr="0"/>
           <a:lstStyle>
             <a:lvl1pPr lvl="0">
               <a:spcBef>
@@ -3355,15 +3647,19 @@
               </a:defRPr>
             </a:lvl9pPr>
           </a:lstStyle>
-          <a:p/>
+          <a:p>
+            <a:endParaRPr/>
+          </a:p>
         </p:txBody>
       </p:sp>
       <p:sp>
         <p:nvSpPr>
           <p:cNvPr id="12" name="Shape 12"/>
-          <p:cNvSpPr txBox="1"/>
-          <p:nvPr>
-            <p:ph idx="1" type="subTitle"/>
+          <p:cNvSpPr txBox="1">
+            <a:spLocks noGrp="1"/>
+          </p:cNvSpPr>
+          <p:nvPr>
+            <p:ph type="subTitle" idx="1"/>
           </p:nvPr>
         </p:nvSpPr>
         <p:spPr>
@@ -3376,7 +3672,7 @@
           </a:prstGeom>
         </p:spPr>
         <p:txBody>
-          <a:bodyPr anchorCtr="0" anchor="t" bIns="91425" lIns="91425" rIns="91425" tIns="91425"/>
+          <a:bodyPr lIns="91425" tIns="91425" rIns="91425" bIns="91425" anchor="t" anchorCtr="0"/>
           <a:lstStyle>
             <a:lvl1pPr lvl="0">
               <a:lnSpc>
@@ -3568,15 +3864,19 @@
               </a:defRPr>
             </a:lvl9pPr>
           </a:lstStyle>
-          <a:p/>
+          <a:p>
+            <a:endParaRPr/>
+          </a:p>
         </p:txBody>
       </p:sp>
       <p:sp>
         <p:nvSpPr>
           <p:cNvPr id="13" name="Shape 13"/>
-          <p:cNvSpPr txBox="1"/>
-          <p:nvPr>
-            <p:ph idx="12" type="sldNum"/>
+          <p:cNvSpPr txBox="1">
+            <a:spLocks noGrp="1"/>
+          </p:cNvSpPr>
+          <p:nvPr>
+            <p:ph type="sldNum" idx="12"/>
           </p:nvPr>
         </p:nvSpPr>
         <p:spPr>
@@ -3589,7 +3889,7 @@
           </a:prstGeom>
         </p:spPr>
         <p:txBody>
-          <a:bodyPr anchorCtr="0" anchor="ctr" bIns="91425" lIns="91425" rIns="91425" tIns="91425">
+          <a:bodyPr lIns="91425" tIns="91425" rIns="91425" bIns="91425" anchor="ctr" anchorCtr="0">
             <a:noAutofit/>
           </a:bodyPr>
           <a:lstStyle/>
@@ -3608,6 +3908,11 @@
               </a:rPr>
               <a:t>‹#›</a:t>
             </a:fld>
+            <a:endParaRPr lang="en">
+              <a:solidFill>
+                <a:schemeClr val="lt1"/>
+              </a:solidFill>
+            </a:endParaRPr>
           </a:p>
         </p:txBody>
       </p:sp>
@@ -3620,11 +3925,11 @@
 </file>
 
 <file path=ppt/slideLayouts/slideLayout10.xml><?xml version="1.0" encoding="utf-8"?>
-<p:sldLayout xmlns:a="http://schemas.openxmlformats.org/drawingml/2006/main" xmlns:r="http://schemas.openxmlformats.org/officeDocument/2006/relationships" xmlns:mc="http://schemas.openxmlformats.org/markup-compatibility/2006" xmlns:mv="urn:schemas-microsoft-com:mac:vml" xmlns:p="http://schemas.openxmlformats.org/presentationml/2006/main" xmlns:c="http://schemas.openxmlformats.org/drawingml/2006/chart" xmlns:dgm="http://schemas.openxmlformats.org/drawingml/2006/diagram" xmlns:o="urn:schemas-microsoft-com:office:office" xmlns:v="urn:schemas-microsoft-com:vml" xmlns:pvml="urn:schemas-microsoft-com:office:powerpoint" xmlns:com="http://schemas.openxmlformats.org/drawingml/2006/compatibility" xmlns:p14="http://schemas.microsoft.com/office/powerpoint/2010/main">
+<p:sldLayout xmlns:a="http://schemas.openxmlformats.org/drawingml/2006/main" xmlns:r="http://schemas.openxmlformats.org/officeDocument/2006/relationships" xmlns:p="http://schemas.openxmlformats.org/presentationml/2006/main">
   <p:cSld name="Big number">
     <p:spTree>
       <p:nvGrpSpPr>
-        <p:cNvPr id="48" name="Shape 48"/>
+        <p:cNvPr id="1" name="Shape 48"/>
         <p:cNvGrpSpPr/>
         <p:nvPr/>
       </p:nvGrpSpPr>
@@ -3658,7 +3963,7 @@
           </a:ln>
         </p:spPr>
         <p:txBody>
-          <a:bodyPr anchorCtr="0" anchor="ctr" bIns="91425" lIns="91425" rIns="91425" tIns="91425">
+          <a:bodyPr lIns="91425" tIns="91425" rIns="91425" bIns="91425" anchor="ctr" anchorCtr="0">
             <a:noAutofit/>
           </a:bodyPr>
           <a:lstStyle/>
@@ -3669,9 +3974,6 @@
               </a:spcBef>
               <a:buNone/>
             </a:pPr>
-            <a:r>
-              <a:t/>
-            </a:r>
             <a:endParaRPr/>
           </a:p>
         </p:txBody>
@@ -3679,7 +3981,9 @@
       <p:sp>
         <p:nvSpPr>
           <p:cNvPr id="50" name="Shape 50"/>
-          <p:cNvSpPr txBox="1"/>
+          <p:cNvSpPr txBox="1">
+            <a:spLocks noGrp="1"/>
+          </p:cNvSpPr>
           <p:nvPr>
             <p:ph type="title"/>
           </p:nvPr>
@@ -3694,81 +3998,85 @@
           </a:prstGeom>
         </p:spPr>
         <p:txBody>
-          <a:bodyPr anchorCtr="0" anchor="ctr" bIns="91425" lIns="91425" rIns="91425" tIns="91425"/>
+          <a:bodyPr lIns="91425" tIns="91425" rIns="91425" bIns="91425" anchor="ctr" anchorCtr="0"/>
           <a:lstStyle>
             <a:lvl1pPr lvl="0" algn="ctr">
               <a:spcBef>
                 <a:spcPts val="0"/>
               </a:spcBef>
               <a:buSzPct val="100000"/>
-              <a:defRPr b="1" sz="14000"/>
+              <a:defRPr sz="14000" b="1"/>
             </a:lvl1pPr>
             <a:lvl2pPr lvl="1" algn="ctr">
               <a:spcBef>
                 <a:spcPts val="0"/>
               </a:spcBef>
               <a:buSzPct val="100000"/>
-              <a:defRPr b="1" sz="14000"/>
+              <a:defRPr sz="14000" b="1"/>
             </a:lvl2pPr>
             <a:lvl3pPr lvl="2" algn="ctr">
               <a:spcBef>
                 <a:spcPts val="0"/>
               </a:spcBef>
               <a:buSzPct val="100000"/>
-              <a:defRPr b="1" sz="14000"/>
+              <a:defRPr sz="14000" b="1"/>
             </a:lvl3pPr>
             <a:lvl4pPr lvl="3" algn="ctr">
               <a:spcBef>
                 <a:spcPts val="0"/>
               </a:spcBef>
               <a:buSzPct val="100000"/>
-              <a:defRPr b="1" sz="14000"/>
+              <a:defRPr sz="14000" b="1"/>
             </a:lvl4pPr>
             <a:lvl5pPr lvl="4" algn="ctr">
               <a:spcBef>
                 <a:spcPts val="0"/>
               </a:spcBef>
               <a:buSzPct val="100000"/>
-              <a:defRPr b="1" sz="14000"/>
+              <a:defRPr sz="14000" b="1"/>
             </a:lvl5pPr>
             <a:lvl6pPr lvl="5" algn="ctr">
               <a:spcBef>
                 <a:spcPts val="0"/>
               </a:spcBef>
               <a:buSzPct val="100000"/>
-              <a:defRPr b="1" sz="14000"/>
+              <a:defRPr sz="14000" b="1"/>
             </a:lvl6pPr>
             <a:lvl7pPr lvl="6" algn="ctr">
               <a:spcBef>
                 <a:spcPts val="0"/>
               </a:spcBef>
               <a:buSzPct val="100000"/>
-              <a:defRPr b="1" sz="14000"/>
+              <a:defRPr sz="14000" b="1"/>
             </a:lvl7pPr>
             <a:lvl8pPr lvl="7" algn="ctr">
               <a:spcBef>
                 <a:spcPts val="0"/>
               </a:spcBef>
               <a:buSzPct val="100000"/>
-              <a:defRPr b="1" sz="14000"/>
+              <a:defRPr sz="14000" b="1"/>
             </a:lvl8pPr>
             <a:lvl9pPr lvl="8" algn="ctr">
               <a:spcBef>
                 <a:spcPts val="0"/>
               </a:spcBef>
               <a:buSzPct val="100000"/>
-              <a:defRPr b="1" sz="14000"/>
+              <a:defRPr sz="14000" b="1"/>
             </a:lvl9pPr>
           </a:lstStyle>
-          <a:p/>
+          <a:p>
+            <a:endParaRPr/>
+          </a:p>
         </p:txBody>
       </p:sp>
       <p:sp>
         <p:nvSpPr>
           <p:cNvPr id="51" name="Shape 51"/>
-          <p:cNvSpPr txBox="1"/>
-          <p:nvPr>
-            <p:ph idx="1" type="body"/>
+          <p:cNvSpPr txBox="1">
+            <a:spLocks noGrp="1"/>
+          </p:cNvSpPr>
+          <p:nvPr>
+            <p:ph type="body" idx="1"/>
           </p:nvPr>
         </p:nvSpPr>
         <p:spPr>
@@ -3781,7 +4089,7 @@
           </a:prstGeom>
         </p:spPr>
         <p:txBody>
-          <a:bodyPr anchorCtr="0" anchor="t" bIns="91425" lIns="91425" rIns="91425" tIns="91425"/>
+          <a:bodyPr lIns="91425" tIns="91425" rIns="91425" bIns="91425" anchor="t" anchorCtr="0"/>
           <a:lstStyle>
             <a:lvl1pPr lvl="0" algn="ctr">
               <a:spcBef>
@@ -3838,15 +4146,19 @@
               <a:defRPr/>
             </a:lvl9pPr>
           </a:lstStyle>
-          <a:p/>
+          <a:p>
+            <a:endParaRPr/>
+          </a:p>
         </p:txBody>
       </p:sp>
       <p:sp>
         <p:nvSpPr>
           <p:cNvPr id="52" name="Shape 52"/>
-          <p:cNvSpPr txBox="1"/>
-          <p:nvPr>
-            <p:ph idx="12" type="sldNum"/>
+          <p:cNvSpPr txBox="1">
+            <a:spLocks noGrp="1"/>
+          </p:cNvSpPr>
+          <p:nvPr>
+            <p:ph type="sldNum" idx="12"/>
           </p:nvPr>
         </p:nvSpPr>
         <p:spPr>
@@ -3859,7 +4171,7 @@
           </a:prstGeom>
         </p:spPr>
         <p:txBody>
-          <a:bodyPr anchorCtr="0" anchor="ctr" bIns="91425" lIns="91425" rIns="91425" tIns="91425">
+          <a:bodyPr lIns="91425" tIns="91425" rIns="91425" bIns="91425" anchor="ctr" anchorCtr="0">
             <a:noAutofit/>
           </a:bodyPr>
           <a:lstStyle/>
@@ -3874,6 +4186,7 @@
               <a:rPr lang="en"/>
               <a:t>‹#›</a:t>
             </a:fld>
+            <a:endParaRPr lang="en"/>
           </a:p>
         </p:txBody>
       </p:sp>
@@ -3886,11 +4199,11 @@
 </file>
 
 <file path=ppt/slideLayouts/slideLayout11.xml><?xml version="1.0" encoding="utf-8"?>
-<p:sldLayout xmlns:a="http://schemas.openxmlformats.org/drawingml/2006/main" xmlns:r="http://schemas.openxmlformats.org/officeDocument/2006/relationships" xmlns:mc="http://schemas.openxmlformats.org/markup-compatibility/2006" xmlns:mv="urn:schemas-microsoft-com:mac:vml" xmlns:p="http://schemas.openxmlformats.org/presentationml/2006/main" xmlns:c="http://schemas.openxmlformats.org/drawingml/2006/chart" xmlns:dgm="http://schemas.openxmlformats.org/drawingml/2006/diagram" xmlns:o="urn:schemas-microsoft-com:office:office" xmlns:v="urn:schemas-microsoft-com:vml" xmlns:pvml="urn:schemas-microsoft-com:office:powerpoint" xmlns:com="http://schemas.openxmlformats.org/drawingml/2006/compatibility" xmlns:p14="http://schemas.microsoft.com/office/powerpoint/2010/main" type="blank">
+<p:sldLayout xmlns:a="http://schemas.openxmlformats.org/drawingml/2006/main" xmlns:r="http://schemas.openxmlformats.org/officeDocument/2006/relationships" xmlns:p="http://schemas.openxmlformats.org/presentationml/2006/main" type="blank">
   <p:cSld name="Blank">
     <p:spTree>
       <p:nvGrpSpPr>
-        <p:cNvPr id="53" name="Shape 53"/>
+        <p:cNvPr id="1" name="Shape 53"/>
         <p:cNvGrpSpPr/>
         <p:nvPr/>
       </p:nvGrpSpPr>
@@ -3905,9 +4218,11 @@
       <p:sp>
         <p:nvSpPr>
           <p:cNvPr id="54" name="Shape 54"/>
-          <p:cNvSpPr txBox="1"/>
-          <p:nvPr>
-            <p:ph idx="12" type="sldNum"/>
+          <p:cNvSpPr txBox="1">
+            <a:spLocks noGrp="1"/>
+          </p:cNvSpPr>
+          <p:nvPr>
+            <p:ph type="sldNum" idx="12"/>
           </p:nvPr>
         </p:nvSpPr>
         <p:spPr>
@@ -3920,7 +4235,7 @@
           </a:prstGeom>
         </p:spPr>
         <p:txBody>
-          <a:bodyPr anchorCtr="0" anchor="ctr" bIns="91425" lIns="91425" rIns="91425" tIns="91425">
+          <a:bodyPr lIns="91425" tIns="91425" rIns="91425" bIns="91425" anchor="ctr" anchorCtr="0">
             <a:noAutofit/>
           </a:bodyPr>
           <a:lstStyle/>
@@ -3935,6 +4250,7 @@
               <a:rPr lang="en"/>
               <a:t>‹#›</a:t>
             </a:fld>
+            <a:endParaRPr lang="en"/>
           </a:p>
         </p:txBody>
       </p:sp>
@@ -3947,18 +4263,19 @@
 </file>
 
 <file path=ppt/slideLayouts/slideLayout2.xml><?xml version="1.0" encoding="utf-8"?>
-<p:sldLayout xmlns:a="http://schemas.openxmlformats.org/drawingml/2006/main" xmlns:r="http://schemas.openxmlformats.org/officeDocument/2006/relationships" xmlns:mc="http://schemas.openxmlformats.org/markup-compatibility/2006" xmlns:mv="urn:schemas-microsoft-com:mac:vml" xmlns:p="http://schemas.openxmlformats.org/presentationml/2006/main" xmlns:c="http://schemas.openxmlformats.org/drawingml/2006/chart" xmlns:dgm="http://schemas.openxmlformats.org/drawingml/2006/diagram" xmlns:o="urn:schemas-microsoft-com:office:office" xmlns:v="urn:schemas-microsoft-com:vml" xmlns:pvml="urn:schemas-microsoft-com:office:powerpoint" xmlns:com="http://schemas.openxmlformats.org/drawingml/2006/compatibility" xmlns:p14="http://schemas.microsoft.com/office/powerpoint/2010/main" type="secHead">
+<p:sldLayout xmlns:a="http://schemas.openxmlformats.org/drawingml/2006/main" xmlns:r="http://schemas.openxmlformats.org/officeDocument/2006/relationships" xmlns:p="http://schemas.openxmlformats.org/presentationml/2006/main" type="secHead">
   <p:cSld name="Section header">
     <p:bg>
       <p:bgPr>
         <a:solidFill>
           <a:schemeClr val="dk1"/>
         </a:solidFill>
+        <a:effectLst/>
       </p:bgPr>
     </p:bg>
     <p:spTree>
       <p:nvGrpSpPr>
-        <p:cNvPr id="14" name="Shape 14"/>
+        <p:cNvPr id="1" name="Shape 14"/>
         <p:cNvGrpSpPr/>
         <p:nvPr/>
       </p:nvGrpSpPr>
@@ -3985,21 +4302,23 @@
             <a:avLst/>
           </a:prstGeom>
           <a:noFill/>
-          <a:ln cap="flat" cmpd="sng" w="19050">
+          <a:ln w="19050" cap="flat" cmpd="sng">
             <a:solidFill>
               <a:schemeClr val="lt2"/>
             </a:solidFill>
             <a:prstDash val="solid"/>
             <a:round/>
-            <a:headEnd len="med" w="med" type="none"/>
-            <a:tailEnd len="med" w="med" type="none"/>
+            <a:headEnd type="none" w="med" len="med"/>
+            <a:tailEnd type="none" w="med" len="med"/>
           </a:ln>
         </p:spPr>
       </p:cxnSp>
       <p:sp>
         <p:nvSpPr>
           <p:cNvPr id="16" name="Shape 16"/>
-          <p:cNvSpPr txBox="1"/>
+          <p:cNvSpPr txBox="1">
+            <a:spLocks noGrp="1"/>
+          </p:cNvSpPr>
           <p:nvPr>
             <p:ph type="title"/>
           </p:nvPr>
@@ -4014,7 +4333,7 @@
           </a:prstGeom>
         </p:spPr>
         <p:txBody>
-          <a:bodyPr anchorCtr="0" anchor="b" bIns="91425" lIns="91425" rIns="91425" tIns="91425"/>
+          <a:bodyPr lIns="91425" tIns="91425" rIns="91425" bIns="91425" anchor="b" anchorCtr="0"/>
           <a:lstStyle>
             <a:lvl1pPr lvl="0">
               <a:spcBef>
@@ -4143,15 +4462,19 @@
               </a:defRPr>
             </a:lvl9pPr>
           </a:lstStyle>
-          <a:p/>
+          <a:p>
+            <a:endParaRPr/>
+          </a:p>
         </p:txBody>
       </p:sp>
       <p:sp>
         <p:nvSpPr>
           <p:cNvPr id="17" name="Shape 17"/>
-          <p:cNvSpPr txBox="1"/>
-          <p:nvPr>
-            <p:ph idx="12" type="sldNum"/>
+          <p:cNvSpPr txBox="1">
+            <a:spLocks noGrp="1"/>
+          </p:cNvSpPr>
+          <p:nvPr>
+            <p:ph type="sldNum" idx="12"/>
           </p:nvPr>
         </p:nvSpPr>
         <p:spPr>
@@ -4164,7 +4487,7 @@
           </a:prstGeom>
         </p:spPr>
         <p:txBody>
-          <a:bodyPr anchorCtr="0" anchor="ctr" bIns="91425" lIns="91425" rIns="91425" tIns="91425">
+          <a:bodyPr lIns="91425" tIns="91425" rIns="91425" bIns="91425" anchor="ctr" anchorCtr="0">
             <a:noAutofit/>
           </a:bodyPr>
           <a:lstStyle/>
@@ -4183,6 +4506,11 @@
               </a:rPr>
               <a:t>‹#›</a:t>
             </a:fld>
+            <a:endParaRPr lang="en">
+              <a:solidFill>
+                <a:schemeClr val="lt1"/>
+              </a:solidFill>
+            </a:endParaRPr>
           </a:p>
         </p:txBody>
       </p:sp>
@@ -4195,11 +4523,11 @@
 </file>
 
 <file path=ppt/slideLayouts/slideLayout3.xml><?xml version="1.0" encoding="utf-8"?>
-<p:sldLayout xmlns:a="http://schemas.openxmlformats.org/drawingml/2006/main" xmlns:r="http://schemas.openxmlformats.org/officeDocument/2006/relationships" xmlns:mc="http://schemas.openxmlformats.org/markup-compatibility/2006" xmlns:mv="urn:schemas-microsoft-com:mac:vml" xmlns:p="http://schemas.openxmlformats.org/presentationml/2006/main" xmlns:c="http://schemas.openxmlformats.org/drawingml/2006/chart" xmlns:dgm="http://schemas.openxmlformats.org/drawingml/2006/diagram" xmlns:o="urn:schemas-microsoft-com:office:office" xmlns:v="urn:schemas-microsoft-com:vml" xmlns:pvml="urn:schemas-microsoft-com:office:powerpoint" xmlns:com="http://schemas.openxmlformats.org/drawingml/2006/compatibility" xmlns:p14="http://schemas.microsoft.com/office/powerpoint/2010/main" type="tx">
+<p:sldLayout xmlns:a="http://schemas.openxmlformats.org/drawingml/2006/main" xmlns:r="http://schemas.openxmlformats.org/officeDocument/2006/relationships" xmlns:p="http://schemas.openxmlformats.org/presentationml/2006/main" type="tx">
   <p:cSld name="Title and body">
     <p:spTree>
       <p:nvGrpSpPr>
-        <p:cNvPr id="18" name="Shape 18"/>
+        <p:cNvPr id="1" name="Shape 18"/>
         <p:cNvGrpSpPr/>
         <p:nvPr/>
       </p:nvGrpSpPr>
@@ -4233,7 +4561,7 @@
           </a:ln>
         </p:spPr>
         <p:txBody>
-          <a:bodyPr anchorCtr="0" anchor="ctr" bIns="91425" lIns="91425" rIns="91425" tIns="91425">
+          <a:bodyPr lIns="91425" tIns="91425" rIns="91425" bIns="91425" anchor="ctr" anchorCtr="0">
             <a:noAutofit/>
           </a:bodyPr>
           <a:lstStyle/>
@@ -4244,9 +4572,6 @@
               </a:spcBef>
               <a:buNone/>
             </a:pPr>
-            <a:r>
-              <a:t/>
-            </a:r>
             <a:endParaRPr/>
           </a:p>
         </p:txBody>
@@ -4254,7 +4579,9 @@
       <p:sp>
         <p:nvSpPr>
           <p:cNvPr id="20" name="Shape 20"/>
-          <p:cNvSpPr txBox="1"/>
+          <p:cNvSpPr txBox="1">
+            <a:spLocks noGrp="1"/>
+          </p:cNvSpPr>
           <p:nvPr>
             <p:ph type="title"/>
           </p:nvPr>
@@ -4269,7 +4596,7 @@
           </a:prstGeom>
         </p:spPr>
         <p:txBody>
-          <a:bodyPr anchorCtr="0" anchor="t" bIns="91425" lIns="91425" rIns="91425" tIns="91425"/>
+          <a:bodyPr lIns="91425" tIns="91425" rIns="91425" bIns="91425" anchor="t" anchorCtr="0"/>
           <a:lstStyle>
             <a:lvl1pPr lvl="0">
               <a:spcBef>
@@ -4326,15 +4653,19 @@
               <a:defRPr/>
             </a:lvl9pPr>
           </a:lstStyle>
-          <a:p/>
+          <a:p>
+            <a:endParaRPr/>
+          </a:p>
         </p:txBody>
       </p:sp>
       <p:sp>
         <p:nvSpPr>
           <p:cNvPr id="21" name="Shape 21"/>
-          <p:cNvSpPr txBox="1"/>
-          <p:nvPr>
-            <p:ph idx="1" type="body"/>
+          <p:cNvSpPr txBox="1">
+            <a:spLocks noGrp="1"/>
+          </p:cNvSpPr>
+          <p:nvPr>
+            <p:ph type="body" idx="1"/>
           </p:nvPr>
         </p:nvSpPr>
         <p:spPr>
@@ -4347,7 +4678,7 @@
           </a:prstGeom>
         </p:spPr>
         <p:txBody>
-          <a:bodyPr anchorCtr="0" anchor="t" bIns="91425" lIns="91425" rIns="91425" tIns="91425"/>
+          <a:bodyPr lIns="91425" tIns="91425" rIns="91425" bIns="91425" anchor="t" anchorCtr="0"/>
           <a:lstStyle>
             <a:lvl1pPr lvl="0">
               <a:spcBef>
@@ -4404,15 +4735,19 @@
               <a:defRPr/>
             </a:lvl9pPr>
           </a:lstStyle>
-          <a:p/>
+          <a:p>
+            <a:endParaRPr/>
+          </a:p>
         </p:txBody>
       </p:sp>
       <p:sp>
         <p:nvSpPr>
           <p:cNvPr id="22" name="Shape 22"/>
-          <p:cNvSpPr txBox="1"/>
-          <p:nvPr>
-            <p:ph idx="12" type="sldNum"/>
+          <p:cNvSpPr txBox="1">
+            <a:spLocks noGrp="1"/>
+          </p:cNvSpPr>
+          <p:nvPr>
+            <p:ph type="sldNum" idx="12"/>
           </p:nvPr>
         </p:nvSpPr>
         <p:spPr>
@@ -4425,7 +4760,7 @@
           </a:prstGeom>
         </p:spPr>
         <p:txBody>
-          <a:bodyPr anchorCtr="0" anchor="ctr" bIns="91425" lIns="91425" rIns="91425" tIns="91425">
+          <a:bodyPr lIns="91425" tIns="91425" rIns="91425" bIns="91425" anchor="ctr" anchorCtr="0">
             <a:noAutofit/>
           </a:bodyPr>
           <a:lstStyle/>
@@ -4440,6 +4775,7 @@
               <a:rPr lang="en"/>
               <a:t>‹#›</a:t>
             </a:fld>
+            <a:endParaRPr lang="en"/>
           </a:p>
         </p:txBody>
       </p:sp>
@@ -4452,11 +4788,11 @@
 </file>
 
 <file path=ppt/slideLayouts/slideLayout4.xml><?xml version="1.0" encoding="utf-8"?>
-<p:sldLayout xmlns:a="http://schemas.openxmlformats.org/drawingml/2006/main" xmlns:r="http://schemas.openxmlformats.org/officeDocument/2006/relationships" xmlns:mc="http://schemas.openxmlformats.org/markup-compatibility/2006" xmlns:mv="urn:schemas-microsoft-com:mac:vml" xmlns:p="http://schemas.openxmlformats.org/presentationml/2006/main" xmlns:c="http://schemas.openxmlformats.org/drawingml/2006/chart" xmlns:dgm="http://schemas.openxmlformats.org/drawingml/2006/diagram" xmlns:o="urn:schemas-microsoft-com:office:office" xmlns:v="urn:schemas-microsoft-com:vml" xmlns:pvml="urn:schemas-microsoft-com:office:powerpoint" xmlns:com="http://schemas.openxmlformats.org/drawingml/2006/compatibility" xmlns:p14="http://schemas.microsoft.com/office/powerpoint/2010/main" type="twoColTx">
+<p:sldLayout xmlns:a="http://schemas.openxmlformats.org/drawingml/2006/main" xmlns:r="http://schemas.openxmlformats.org/officeDocument/2006/relationships" xmlns:p="http://schemas.openxmlformats.org/presentationml/2006/main" type="twoColTx">
   <p:cSld name="Title and two columns">
     <p:spTree>
       <p:nvGrpSpPr>
-        <p:cNvPr id="23" name="Shape 23"/>
+        <p:cNvPr id="1" name="Shape 23"/>
         <p:cNvGrpSpPr/>
         <p:nvPr/>
       </p:nvGrpSpPr>
@@ -4471,7 +4807,9 @@
       <p:sp>
         <p:nvSpPr>
           <p:cNvPr id="24" name="Shape 24"/>
-          <p:cNvSpPr txBox="1"/>
+          <p:cNvSpPr txBox="1">
+            <a:spLocks noGrp="1"/>
+          </p:cNvSpPr>
           <p:nvPr>
             <p:ph type="title"/>
           </p:nvPr>
@@ -4486,7 +4824,7 @@
           </a:prstGeom>
         </p:spPr>
         <p:txBody>
-          <a:bodyPr anchorCtr="0" anchor="t" bIns="91425" lIns="91425" rIns="91425" tIns="91425"/>
+          <a:bodyPr lIns="91425" tIns="91425" rIns="91425" bIns="91425" anchor="t" anchorCtr="0"/>
           <a:lstStyle>
             <a:lvl1pPr lvl="0">
               <a:spcBef>
@@ -4543,15 +4881,19 @@
               <a:defRPr/>
             </a:lvl9pPr>
           </a:lstStyle>
-          <a:p/>
+          <a:p>
+            <a:endParaRPr/>
+          </a:p>
         </p:txBody>
       </p:sp>
       <p:sp>
         <p:nvSpPr>
           <p:cNvPr id="25" name="Shape 25"/>
-          <p:cNvSpPr txBox="1"/>
-          <p:nvPr>
-            <p:ph idx="1" type="body"/>
+          <p:cNvSpPr txBox="1">
+            <a:spLocks noGrp="1"/>
+          </p:cNvSpPr>
+          <p:nvPr>
+            <p:ph type="body" idx="1"/>
           </p:nvPr>
         </p:nvSpPr>
         <p:spPr>
@@ -4564,7 +4906,7 @@
           </a:prstGeom>
         </p:spPr>
         <p:txBody>
-          <a:bodyPr anchorCtr="0" anchor="t" bIns="91425" lIns="91425" rIns="91425" tIns="91425"/>
+          <a:bodyPr lIns="91425" tIns="91425" rIns="91425" bIns="91425" anchor="t" anchorCtr="0"/>
           <a:lstStyle>
             <a:lvl1pPr lvl="0">
               <a:spcBef>
@@ -4630,15 +4972,19 @@
               <a:defRPr sz="1200"/>
             </a:lvl9pPr>
           </a:lstStyle>
-          <a:p/>
+          <a:p>
+            <a:endParaRPr/>
+          </a:p>
         </p:txBody>
       </p:sp>
       <p:sp>
         <p:nvSpPr>
           <p:cNvPr id="26" name="Shape 26"/>
-          <p:cNvSpPr txBox="1"/>
-          <p:nvPr>
-            <p:ph idx="2" type="body"/>
+          <p:cNvSpPr txBox="1">
+            <a:spLocks noGrp="1"/>
+          </p:cNvSpPr>
+          <p:nvPr>
+            <p:ph type="body" idx="2"/>
           </p:nvPr>
         </p:nvSpPr>
         <p:spPr>
@@ -4651,7 +4997,7 @@
           </a:prstGeom>
         </p:spPr>
         <p:txBody>
-          <a:bodyPr anchorCtr="0" anchor="t" bIns="91425" lIns="91425" rIns="91425" tIns="91425"/>
+          <a:bodyPr lIns="91425" tIns="91425" rIns="91425" bIns="91425" anchor="t" anchorCtr="0"/>
           <a:lstStyle>
             <a:lvl1pPr lvl="0">
               <a:spcBef>
@@ -4717,15 +5063,19 @@
               <a:defRPr sz="1200"/>
             </a:lvl9pPr>
           </a:lstStyle>
-          <a:p/>
+          <a:p>
+            <a:endParaRPr/>
+          </a:p>
         </p:txBody>
       </p:sp>
       <p:sp>
         <p:nvSpPr>
           <p:cNvPr id="27" name="Shape 27"/>
-          <p:cNvSpPr txBox="1"/>
-          <p:nvPr>
-            <p:ph idx="12" type="sldNum"/>
+          <p:cNvSpPr txBox="1">
+            <a:spLocks noGrp="1"/>
+          </p:cNvSpPr>
+          <p:nvPr>
+            <p:ph type="sldNum" idx="12"/>
           </p:nvPr>
         </p:nvSpPr>
         <p:spPr>
@@ -4738,7 +5088,7 @@
           </a:prstGeom>
         </p:spPr>
         <p:txBody>
-          <a:bodyPr anchorCtr="0" anchor="ctr" bIns="91425" lIns="91425" rIns="91425" tIns="91425">
+          <a:bodyPr lIns="91425" tIns="91425" rIns="91425" bIns="91425" anchor="ctr" anchorCtr="0">
             <a:noAutofit/>
           </a:bodyPr>
           <a:lstStyle/>
@@ -4753,6 +5103,7 @@
               <a:rPr lang="en"/>
               <a:t>‹#›</a:t>
             </a:fld>
+            <a:endParaRPr lang="en"/>
           </a:p>
         </p:txBody>
       </p:sp>
@@ -4765,11 +5116,11 @@
 </file>
 
 <file path=ppt/slideLayouts/slideLayout5.xml><?xml version="1.0" encoding="utf-8"?>
-<p:sldLayout xmlns:a="http://schemas.openxmlformats.org/drawingml/2006/main" xmlns:r="http://schemas.openxmlformats.org/officeDocument/2006/relationships" xmlns:mc="http://schemas.openxmlformats.org/markup-compatibility/2006" xmlns:mv="urn:schemas-microsoft-com:mac:vml" xmlns:p="http://schemas.openxmlformats.org/presentationml/2006/main" xmlns:c="http://schemas.openxmlformats.org/drawingml/2006/chart" xmlns:dgm="http://schemas.openxmlformats.org/drawingml/2006/diagram" xmlns:o="urn:schemas-microsoft-com:office:office" xmlns:v="urn:schemas-microsoft-com:vml" xmlns:pvml="urn:schemas-microsoft-com:office:powerpoint" xmlns:com="http://schemas.openxmlformats.org/drawingml/2006/compatibility" xmlns:p14="http://schemas.microsoft.com/office/powerpoint/2010/main" type="titleOnly">
+<p:sldLayout xmlns:a="http://schemas.openxmlformats.org/drawingml/2006/main" xmlns:r="http://schemas.openxmlformats.org/officeDocument/2006/relationships" xmlns:p="http://schemas.openxmlformats.org/presentationml/2006/main" type="titleOnly">
   <p:cSld name="Title only">
     <p:spTree>
       <p:nvGrpSpPr>
-        <p:cNvPr id="28" name="Shape 28"/>
+        <p:cNvPr id="1" name="Shape 28"/>
         <p:cNvGrpSpPr/>
         <p:nvPr/>
       </p:nvGrpSpPr>
@@ -4784,7 +5135,9 @@
       <p:sp>
         <p:nvSpPr>
           <p:cNvPr id="29" name="Shape 29"/>
-          <p:cNvSpPr txBox="1"/>
+          <p:cNvSpPr txBox="1">
+            <a:spLocks noGrp="1"/>
+          </p:cNvSpPr>
           <p:nvPr>
             <p:ph type="title"/>
           </p:nvPr>
@@ -4799,7 +5152,7 @@
           </a:prstGeom>
         </p:spPr>
         <p:txBody>
-          <a:bodyPr anchorCtr="0" anchor="t" bIns="91425" lIns="91425" rIns="91425" tIns="91425"/>
+          <a:bodyPr lIns="91425" tIns="91425" rIns="91425" bIns="91425" anchor="t" anchorCtr="0"/>
           <a:lstStyle>
             <a:lvl1pPr lvl="0">
               <a:spcBef>
@@ -4856,15 +5209,19 @@
               <a:defRPr/>
             </a:lvl9pPr>
           </a:lstStyle>
-          <a:p/>
+          <a:p>
+            <a:endParaRPr/>
+          </a:p>
         </p:txBody>
       </p:sp>
       <p:sp>
         <p:nvSpPr>
           <p:cNvPr id="30" name="Shape 30"/>
-          <p:cNvSpPr txBox="1"/>
-          <p:nvPr>
-            <p:ph idx="12" type="sldNum"/>
+          <p:cNvSpPr txBox="1">
+            <a:spLocks noGrp="1"/>
+          </p:cNvSpPr>
+          <p:nvPr>
+            <p:ph type="sldNum" idx="12"/>
           </p:nvPr>
         </p:nvSpPr>
         <p:spPr>
@@ -4877,7 +5234,7 @@
           </a:prstGeom>
         </p:spPr>
         <p:txBody>
-          <a:bodyPr anchorCtr="0" anchor="ctr" bIns="91425" lIns="91425" rIns="91425" tIns="91425">
+          <a:bodyPr lIns="91425" tIns="91425" rIns="91425" bIns="91425" anchor="ctr" anchorCtr="0">
             <a:noAutofit/>
           </a:bodyPr>
           <a:lstStyle/>
@@ -4892,6 +5249,7 @@
               <a:rPr lang="en"/>
               <a:t>‹#›</a:t>
             </a:fld>
+            <a:endParaRPr lang="en"/>
           </a:p>
         </p:txBody>
       </p:sp>
@@ -4904,11 +5262,11 @@
 </file>
 
 <file path=ppt/slideLayouts/slideLayout6.xml><?xml version="1.0" encoding="utf-8"?>
-<p:sldLayout xmlns:a="http://schemas.openxmlformats.org/drawingml/2006/main" xmlns:r="http://schemas.openxmlformats.org/officeDocument/2006/relationships" xmlns:mc="http://schemas.openxmlformats.org/markup-compatibility/2006" xmlns:mv="urn:schemas-microsoft-com:mac:vml" xmlns:p="http://schemas.openxmlformats.org/presentationml/2006/main" xmlns:c="http://schemas.openxmlformats.org/drawingml/2006/chart" xmlns:dgm="http://schemas.openxmlformats.org/drawingml/2006/diagram" xmlns:o="urn:schemas-microsoft-com:office:office" xmlns:v="urn:schemas-microsoft-com:vml" xmlns:pvml="urn:schemas-microsoft-com:office:powerpoint" xmlns:com="http://schemas.openxmlformats.org/drawingml/2006/compatibility" xmlns:p14="http://schemas.microsoft.com/office/powerpoint/2010/main">
+<p:sldLayout xmlns:a="http://schemas.openxmlformats.org/drawingml/2006/main" xmlns:r="http://schemas.openxmlformats.org/officeDocument/2006/relationships" xmlns:p="http://schemas.openxmlformats.org/presentationml/2006/main">
   <p:cSld name="One column text">
     <p:spTree>
       <p:nvGrpSpPr>
-        <p:cNvPr id="31" name="Shape 31"/>
+        <p:cNvPr id="1" name="Shape 31"/>
         <p:cNvGrpSpPr/>
         <p:nvPr/>
       </p:nvGrpSpPr>
@@ -4923,7 +5281,9 @@
       <p:sp>
         <p:nvSpPr>
           <p:cNvPr id="32" name="Shape 32"/>
-          <p:cNvSpPr txBox="1"/>
+          <p:cNvSpPr txBox="1">
+            <a:spLocks noGrp="1"/>
+          </p:cNvSpPr>
           <p:nvPr>
             <p:ph type="title"/>
           </p:nvPr>
@@ -4938,7 +5298,7 @@
           </a:prstGeom>
         </p:spPr>
         <p:txBody>
-          <a:bodyPr anchorCtr="0" anchor="b" bIns="91425" lIns="91425" rIns="91425" tIns="91425"/>
+          <a:bodyPr lIns="91425" tIns="91425" rIns="91425" bIns="91425" anchor="b" anchorCtr="0"/>
           <a:lstStyle>
             <a:lvl1pPr lvl="0">
               <a:spcBef>
@@ -5004,15 +5364,19 @@
               <a:defRPr sz="2400"/>
             </a:lvl9pPr>
           </a:lstStyle>
-          <a:p/>
+          <a:p>
+            <a:endParaRPr/>
+          </a:p>
         </p:txBody>
       </p:sp>
       <p:sp>
         <p:nvSpPr>
           <p:cNvPr id="33" name="Shape 33"/>
-          <p:cNvSpPr txBox="1"/>
-          <p:nvPr>
-            <p:ph idx="1" type="body"/>
+          <p:cNvSpPr txBox="1">
+            <a:spLocks noGrp="1"/>
+          </p:cNvSpPr>
+          <p:nvPr>
+            <p:ph type="body" idx="1"/>
           </p:nvPr>
         </p:nvSpPr>
         <p:spPr>
@@ -5025,7 +5389,7 @@
           </a:prstGeom>
         </p:spPr>
         <p:txBody>
-          <a:bodyPr anchorCtr="0" anchor="t" bIns="91425" lIns="91425" rIns="91425" tIns="91425"/>
+          <a:bodyPr lIns="91425" tIns="91425" rIns="91425" bIns="91425" anchor="t" anchorCtr="0"/>
           <a:lstStyle>
             <a:lvl1pPr lvl="0">
               <a:spcBef>
@@ -5091,15 +5455,19 @@
               <a:defRPr sz="1200"/>
             </a:lvl9pPr>
           </a:lstStyle>
-          <a:p/>
+          <a:p>
+            <a:endParaRPr/>
+          </a:p>
         </p:txBody>
       </p:sp>
       <p:sp>
         <p:nvSpPr>
           <p:cNvPr id="34" name="Shape 34"/>
-          <p:cNvSpPr txBox="1"/>
-          <p:nvPr>
-            <p:ph idx="12" type="sldNum"/>
+          <p:cNvSpPr txBox="1">
+            <a:spLocks noGrp="1"/>
+          </p:cNvSpPr>
+          <p:nvPr>
+            <p:ph type="sldNum" idx="12"/>
           </p:nvPr>
         </p:nvSpPr>
         <p:spPr>
@@ -5112,7 +5480,7 @@
           </a:prstGeom>
         </p:spPr>
         <p:txBody>
-          <a:bodyPr anchorCtr="0" anchor="ctr" bIns="91425" lIns="91425" rIns="91425" tIns="91425">
+          <a:bodyPr lIns="91425" tIns="91425" rIns="91425" bIns="91425" anchor="ctr" anchorCtr="0">
             <a:noAutofit/>
           </a:bodyPr>
           <a:lstStyle/>
@@ -5127,6 +5495,7 @@
               <a:rPr lang="en"/>
               <a:t>‹#›</a:t>
             </a:fld>
+            <a:endParaRPr lang="en"/>
           </a:p>
         </p:txBody>
       </p:sp>
@@ -5139,18 +5508,19 @@
 </file>
 
 <file path=ppt/slideLayouts/slideLayout7.xml><?xml version="1.0" encoding="utf-8"?>
-<p:sldLayout xmlns:a="http://schemas.openxmlformats.org/drawingml/2006/main" xmlns:r="http://schemas.openxmlformats.org/officeDocument/2006/relationships" xmlns:mc="http://schemas.openxmlformats.org/markup-compatibility/2006" xmlns:mv="urn:schemas-microsoft-com:mac:vml" xmlns:p="http://schemas.openxmlformats.org/presentationml/2006/main" xmlns:c="http://schemas.openxmlformats.org/drawingml/2006/chart" xmlns:dgm="http://schemas.openxmlformats.org/drawingml/2006/diagram" xmlns:o="urn:schemas-microsoft-com:office:office" xmlns:v="urn:schemas-microsoft-com:vml" xmlns:pvml="urn:schemas-microsoft-com:office:powerpoint" xmlns:com="http://schemas.openxmlformats.org/drawingml/2006/compatibility" xmlns:p14="http://schemas.microsoft.com/office/powerpoint/2010/main">
+<p:sldLayout xmlns:a="http://schemas.openxmlformats.org/drawingml/2006/main" xmlns:r="http://schemas.openxmlformats.org/officeDocument/2006/relationships" xmlns:p="http://schemas.openxmlformats.org/presentationml/2006/main">
   <p:cSld name="Main point">
     <p:bg>
       <p:bgPr>
         <a:solidFill>
           <a:schemeClr val="lt2"/>
         </a:solidFill>
+        <a:effectLst/>
       </p:bgPr>
     </p:bg>
     <p:spTree>
       <p:nvGrpSpPr>
-        <p:cNvPr id="35" name="Shape 35"/>
+        <p:cNvPr id="1" name="Shape 35"/>
         <p:cNvGrpSpPr/>
         <p:nvPr/>
       </p:nvGrpSpPr>
@@ -5165,7 +5535,9 @@
       <p:sp>
         <p:nvSpPr>
           <p:cNvPr id="36" name="Shape 36"/>
-          <p:cNvSpPr txBox="1"/>
+          <p:cNvSpPr txBox="1">
+            <a:spLocks noGrp="1"/>
+          </p:cNvSpPr>
           <p:nvPr>
             <p:ph type="title"/>
           </p:nvPr>
@@ -5180,7 +5552,7 @@
           </a:prstGeom>
         </p:spPr>
         <p:txBody>
-          <a:bodyPr anchorCtr="0" anchor="ctr" bIns="91425" lIns="91425" rIns="91425" tIns="91425"/>
+          <a:bodyPr lIns="91425" tIns="91425" rIns="91425" bIns="91425" anchor="ctr" anchorCtr="0"/>
           <a:lstStyle>
             <a:lvl1pPr lvl="0">
               <a:spcBef>
@@ -5246,15 +5618,19 @@
               <a:defRPr sz="4800"/>
             </a:lvl9pPr>
           </a:lstStyle>
-          <a:p/>
+          <a:p>
+            <a:endParaRPr/>
+          </a:p>
         </p:txBody>
       </p:sp>
       <p:sp>
         <p:nvSpPr>
           <p:cNvPr id="37" name="Shape 37"/>
-          <p:cNvSpPr txBox="1"/>
-          <p:nvPr>
-            <p:ph idx="12" type="sldNum"/>
+          <p:cNvSpPr txBox="1">
+            <a:spLocks noGrp="1"/>
+          </p:cNvSpPr>
+          <p:nvPr>
+            <p:ph type="sldNum" idx="12"/>
           </p:nvPr>
         </p:nvSpPr>
         <p:spPr>
@@ -5267,7 +5643,7 @@
           </a:prstGeom>
         </p:spPr>
         <p:txBody>
-          <a:bodyPr anchorCtr="0" anchor="ctr" bIns="91425" lIns="91425" rIns="91425" tIns="91425">
+          <a:bodyPr lIns="91425" tIns="91425" rIns="91425" bIns="91425" anchor="ctr" anchorCtr="0">
             <a:noAutofit/>
           </a:bodyPr>
           <a:lstStyle/>
@@ -5282,6 +5658,7 @@
               <a:rPr lang="en"/>
               <a:t>‹#›</a:t>
             </a:fld>
+            <a:endParaRPr lang="en"/>
           </a:p>
         </p:txBody>
       </p:sp>
@@ -5294,11 +5671,11 @@
 </file>
 
 <file path=ppt/slideLayouts/slideLayout8.xml><?xml version="1.0" encoding="utf-8"?>
-<p:sldLayout xmlns:a="http://schemas.openxmlformats.org/drawingml/2006/main" xmlns:r="http://schemas.openxmlformats.org/officeDocument/2006/relationships" xmlns:mc="http://schemas.openxmlformats.org/markup-compatibility/2006" xmlns:mv="urn:schemas-microsoft-com:mac:vml" xmlns:p="http://schemas.openxmlformats.org/presentationml/2006/main" xmlns:c="http://schemas.openxmlformats.org/drawingml/2006/chart" xmlns:dgm="http://schemas.openxmlformats.org/drawingml/2006/diagram" xmlns:o="urn:schemas-microsoft-com:office:office" xmlns:v="urn:schemas-microsoft-com:vml" xmlns:pvml="urn:schemas-microsoft-com:office:powerpoint" xmlns:com="http://schemas.openxmlformats.org/drawingml/2006/compatibility" xmlns:p14="http://schemas.microsoft.com/office/powerpoint/2010/main">
+<p:sldLayout xmlns:a="http://schemas.openxmlformats.org/drawingml/2006/main" xmlns:r="http://schemas.openxmlformats.org/officeDocument/2006/relationships" xmlns:p="http://schemas.openxmlformats.org/presentationml/2006/main">
   <p:cSld name="Section title and description">
     <p:spTree>
       <p:nvGrpSpPr>
-        <p:cNvPr id="38" name="Shape 38"/>
+        <p:cNvPr id="1" name="Shape 38"/>
         <p:cNvGrpSpPr/>
         <p:nvPr/>
       </p:nvGrpSpPr>
@@ -5332,7 +5709,7 @@
           </a:ln>
         </p:spPr>
         <p:txBody>
-          <a:bodyPr anchorCtr="0" anchor="ctr" bIns="91425" lIns="91425" rIns="91425" tIns="91425">
+          <a:bodyPr lIns="91425" tIns="91425" rIns="91425" bIns="91425" anchor="ctr" anchorCtr="0">
             <a:noAutofit/>
           </a:bodyPr>
           <a:lstStyle/>
@@ -5343,9 +5720,6 @@
               </a:spcBef>
               <a:buNone/>
             </a:pPr>
-            <a:r>
-              <a:t/>
-            </a:r>
             <a:endParaRPr/>
           </a:p>
         </p:txBody>
@@ -5365,21 +5739,23 @@
             <a:avLst/>
           </a:prstGeom>
           <a:noFill/>
-          <a:ln cap="flat" cmpd="sng" w="19050">
+          <a:ln w="19050" cap="flat" cmpd="sng">
             <a:solidFill>
               <a:schemeClr val="lt2"/>
             </a:solidFill>
             <a:prstDash val="solid"/>
             <a:round/>
-            <a:headEnd len="med" w="med" type="none"/>
-            <a:tailEnd len="med" w="med" type="none"/>
+            <a:headEnd type="none" w="med" len="med"/>
+            <a:tailEnd type="none" w="med" len="med"/>
           </a:ln>
         </p:spPr>
       </p:cxnSp>
       <p:sp>
         <p:nvSpPr>
           <p:cNvPr id="41" name="Shape 41"/>
-          <p:cNvSpPr txBox="1"/>
+          <p:cNvSpPr txBox="1">
+            <a:spLocks noGrp="1"/>
+          </p:cNvSpPr>
           <p:nvPr>
             <p:ph type="title"/>
           </p:nvPr>
@@ -5394,7 +5770,7 @@
           </a:prstGeom>
         </p:spPr>
         <p:txBody>
-          <a:bodyPr anchorCtr="0" anchor="b" bIns="91425" lIns="91425" rIns="91425" tIns="91425"/>
+          <a:bodyPr lIns="91425" tIns="91425" rIns="91425" bIns="91425" anchor="b" anchorCtr="0"/>
           <a:lstStyle>
             <a:lvl1pPr lvl="0" algn="ctr">
               <a:spcBef>
@@ -5460,15 +5836,19 @@
               <a:defRPr sz="4200"/>
             </a:lvl9pPr>
           </a:lstStyle>
-          <a:p/>
+          <a:p>
+            <a:endParaRPr/>
+          </a:p>
         </p:txBody>
       </p:sp>
       <p:sp>
         <p:nvSpPr>
           <p:cNvPr id="42" name="Shape 42"/>
-          <p:cNvSpPr txBox="1"/>
-          <p:nvPr>
-            <p:ph idx="1" type="subTitle"/>
+          <p:cNvSpPr txBox="1">
+            <a:spLocks noGrp="1"/>
+          </p:cNvSpPr>
+          <p:nvPr>
+            <p:ph type="subTitle" idx="1"/>
           </p:nvPr>
         </p:nvSpPr>
         <p:spPr>
@@ -5481,7 +5861,7 @@
           </a:prstGeom>
         </p:spPr>
         <p:txBody>
-          <a:bodyPr anchorCtr="0" anchor="t" bIns="91425" lIns="91425" rIns="91425" tIns="91425"/>
+          <a:bodyPr lIns="91425" tIns="91425" rIns="91425" bIns="91425" anchor="t" anchorCtr="0"/>
           <a:lstStyle>
             <a:lvl1pPr lvl="0" algn="ctr">
               <a:lnSpc>
@@ -5610,15 +5990,19 @@
               <a:defRPr sz="2100"/>
             </a:lvl9pPr>
           </a:lstStyle>
-          <a:p/>
+          <a:p>
+            <a:endParaRPr/>
+          </a:p>
         </p:txBody>
       </p:sp>
       <p:sp>
         <p:nvSpPr>
           <p:cNvPr id="43" name="Shape 43"/>
-          <p:cNvSpPr txBox="1"/>
-          <p:nvPr>
-            <p:ph idx="2" type="body"/>
+          <p:cNvSpPr txBox="1">
+            <a:spLocks noGrp="1"/>
+          </p:cNvSpPr>
+          <p:nvPr>
+            <p:ph type="body" idx="2"/>
           </p:nvPr>
         </p:nvSpPr>
         <p:spPr>
@@ -5631,7 +6015,7 @@
           </a:prstGeom>
         </p:spPr>
         <p:txBody>
-          <a:bodyPr anchorCtr="0" anchor="ctr" bIns="91425" lIns="91425" rIns="91425" tIns="91425"/>
+          <a:bodyPr lIns="91425" tIns="91425" rIns="91425" bIns="91425" anchor="ctr" anchorCtr="0"/>
           <a:lstStyle>
             <a:lvl1pPr lvl="0">
               <a:spcBef>
@@ -5751,15 +6135,19 @@
               </a:defRPr>
             </a:lvl9pPr>
           </a:lstStyle>
-          <a:p/>
+          <a:p>
+            <a:endParaRPr/>
+          </a:p>
         </p:txBody>
       </p:sp>
       <p:sp>
         <p:nvSpPr>
           <p:cNvPr id="44" name="Shape 44"/>
-          <p:cNvSpPr txBox="1"/>
-          <p:nvPr>
-            <p:ph idx="12" type="sldNum"/>
+          <p:cNvSpPr txBox="1">
+            <a:spLocks noGrp="1"/>
+          </p:cNvSpPr>
+          <p:nvPr>
+            <p:ph type="sldNum" idx="12"/>
           </p:nvPr>
         </p:nvSpPr>
         <p:spPr>
@@ -5772,7 +6160,7 @@
           </a:prstGeom>
         </p:spPr>
         <p:txBody>
-          <a:bodyPr anchorCtr="0" anchor="ctr" bIns="91425" lIns="91425" rIns="91425" tIns="91425">
+          <a:bodyPr lIns="91425" tIns="91425" rIns="91425" bIns="91425" anchor="ctr" anchorCtr="0">
             <a:noAutofit/>
           </a:bodyPr>
           <a:lstStyle/>
@@ -5791,6 +6179,11 @@
               </a:rPr>
               <a:t>‹#›</a:t>
             </a:fld>
+            <a:endParaRPr lang="en">
+              <a:solidFill>
+                <a:schemeClr val="lt1"/>
+              </a:solidFill>
+            </a:endParaRPr>
           </a:p>
         </p:txBody>
       </p:sp>
@@ -5803,11 +6196,11 @@
 </file>
 
 <file path=ppt/slideLayouts/slideLayout9.xml><?xml version="1.0" encoding="utf-8"?>
-<p:sldLayout xmlns:a="http://schemas.openxmlformats.org/drawingml/2006/main" xmlns:r="http://schemas.openxmlformats.org/officeDocument/2006/relationships" xmlns:mc="http://schemas.openxmlformats.org/markup-compatibility/2006" xmlns:mv="urn:schemas-microsoft-com:mac:vml" xmlns:p="http://schemas.openxmlformats.org/presentationml/2006/main" xmlns:c="http://schemas.openxmlformats.org/drawingml/2006/chart" xmlns:dgm="http://schemas.openxmlformats.org/drawingml/2006/diagram" xmlns:o="urn:schemas-microsoft-com:office:office" xmlns:v="urn:schemas-microsoft-com:vml" xmlns:pvml="urn:schemas-microsoft-com:office:powerpoint" xmlns:com="http://schemas.openxmlformats.org/drawingml/2006/compatibility" xmlns:p14="http://schemas.microsoft.com/office/powerpoint/2010/main">
+<p:sldLayout xmlns:a="http://schemas.openxmlformats.org/drawingml/2006/main" xmlns:r="http://schemas.openxmlformats.org/officeDocument/2006/relationships" xmlns:p="http://schemas.openxmlformats.org/presentationml/2006/main">
   <p:cSld name="Caption">
     <p:spTree>
       <p:nvGrpSpPr>
-        <p:cNvPr id="45" name="Shape 45"/>
+        <p:cNvPr id="1" name="Shape 45"/>
         <p:cNvGrpSpPr/>
         <p:nvPr/>
       </p:nvGrpSpPr>
@@ -5822,9 +6215,11 @@
       <p:sp>
         <p:nvSpPr>
           <p:cNvPr id="46" name="Shape 46"/>
-          <p:cNvSpPr txBox="1"/>
-          <p:nvPr>
-            <p:ph idx="1" type="body"/>
+          <p:cNvSpPr txBox="1">
+            <a:spLocks noGrp="1"/>
+          </p:cNvSpPr>
+          <p:nvPr>
+            <p:ph type="body" idx="1"/>
           </p:nvPr>
         </p:nvSpPr>
         <p:spPr>
@@ -5837,7 +6232,7 @@
           </a:prstGeom>
         </p:spPr>
         <p:txBody>
-          <a:bodyPr anchorCtr="0" anchor="ctr" bIns="91425" lIns="91425" rIns="91425" tIns="91425"/>
+          <a:bodyPr lIns="91425" tIns="91425" rIns="91425" bIns="91425" anchor="ctr" anchorCtr="0"/>
           <a:lstStyle>
             <a:lvl1pPr lvl="0">
               <a:lnSpc>
@@ -5854,15 +6249,19 @@
               <a:defRPr sz="2100"/>
             </a:lvl1pPr>
           </a:lstStyle>
-          <a:p/>
+          <a:p>
+            <a:endParaRPr/>
+          </a:p>
         </p:txBody>
       </p:sp>
       <p:sp>
         <p:nvSpPr>
           <p:cNvPr id="47" name="Shape 47"/>
-          <p:cNvSpPr txBox="1"/>
-          <p:nvPr>
-            <p:ph idx="12" type="sldNum"/>
+          <p:cNvSpPr txBox="1">
+            <a:spLocks noGrp="1"/>
+          </p:cNvSpPr>
+          <p:nvPr>
+            <p:ph type="sldNum" idx="12"/>
           </p:nvPr>
         </p:nvSpPr>
         <p:spPr>
@@ -5875,7 +6274,7 @@
           </a:prstGeom>
         </p:spPr>
         <p:txBody>
-          <a:bodyPr anchorCtr="0" anchor="ctr" bIns="91425" lIns="91425" rIns="91425" tIns="91425">
+          <a:bodyPr lIns="91425" tIns="91425" rIns="91425" bIns="91425" anchor="ctr" anchorCtr="0">
             <a:noAutofit/>
           </a:bodyPr>
           <a:lstStyle/>
@@ -5890,6 +6289,7 @@
               <a:rPr lang="en"/>
               <a:t>‹#›</a:t>
             </a:fld>
+            <a:endParaRPr lang="en"/>
           </a:p>
         </p:txBody>
       </p:sp>
@@ -5902,18 +6302,19 @@
 </file>
 
 <file path=ppt/slideMasters/slideMaster1.xml><?xml version="1.0" encoding="utf-8"?>
-<p:sldMaster xmlns:a="http://schemas.openxmlformats.org/drawingml/2006/main" xmlns:r="http://schemas.openxmlformats.org/officeDocument/2006/relationships" xmlns:mc="http://schemas.openxmlformats.org/markup-compatibility/2006" xmlns:mv="urn:schemas-microsoft-com:mac:vml" xmlns:p="http://schemas.openxmlformats.org/presentationml/2006/main" xmlns:c="http://schemas.openxmlformats.org/drawingml/2006/chart" xmlns:dgm="http://schemas.openxmlformats.org/drawingml/2006/diagram" xmlns:o="urn:schemas-microsoft-com:office:office" xmlns:v="urn:schemas-microsoft-com:vml" xmlns:pvml="urn:schemas-microsoft-com:office:powerpoint" xmlns:com="http://schemas.openxmlformats.org/drawingml/2006/compatibility" xmlns:p14="http://schemas.microsoft.com/office/powerpoint/2010/main">
+<p:sldMaster xmlns:a="http://schemas.openxmlformats.org/drawingml/2006/main" xmlns:r="http://schemas.openxmlformats.org/officeDocument/2006/relationships" xmlns:p="http://schemas.openxmlformats.org/presentationml/2006/main">
   <p:cSld>
     <p:bg>
       <p:bgPr>
         <a:solidFill>
           <a:schemeClr val="lt1"/>
         </a:solidFill>
+        <a:effectLst/>
       </p:bgPr>
     </p:bg>
     <p:spTree>
       <p:nvGrpSpPr>
-        <p:cNvPr id="5" name="Shape 5"/>
+        <p:cNvPr id="1" name="Shape 5"/>
         <p:cNvGrpSpPr/>
         <p:nvPr/>
       </p:nvGrpSpPr>
@@ -5928,7 +6329,9 @@
       <p:sp>
         <p:nvSpPr>
           <p:cNvPr id="6" name="Shape 6"/>
-          <p:cNvSpPr txBox="1"/>
+          <p:cNvSpPr txBox="1">
+            <a:spLocks noGrp="1"/>
+          </p:cNvSpPr>
           <p:nvPr>
             <p:ph type="title"/>
           </p:nvPr>
@@ -5947,7 +6350,7 @@
           </a:ln>
         </p:spPr>
         <p:txBody>
-          <a:bodyPr anchorCtr="0" anchor="t" bIns="91425" lIns="91425" rIns="91425" tIns="91425"/>
+          <a:bodyPr lIns="91425" tIns="91425" rIns="91425" bIns="91425" anchor="t" anchorCtr="0"/>
           <a:lstStyle>
             <a:lvl1pPr lvl="0">
               <a:spcBef>
@@ -6130,15 +6533,19 @@
               </a:defRPr>
             </a:lvl9pPr>
           </a:lstStyle>
-          <a:p/>
+          <a:p>
+            <a:endParaRPr/>
+          </a:p>
         </p:txBody>
       </p:sp>
       <p:sp>
         <p:nvSpPr>
           <p:cNvPr id="7" name="Shape 7"/>
-          <p:cNvSpPr txBox="1"/>
-          <p:nvPr>
-            <p:ph idx="1" type="body"/>
+          <p:cNvSpPr txBox="1">
+            <a:spLocks noGrp="1"/>
+          </p:cNvSpPr>
+          <p:nvPr>
+            <p:ph type="body" idx="1"/>
           </p:nvPr>
         </p:nvSpPr>
         <p:spPr>
@@ -6155,7 +6562,7 @@
           </a:ln>
         </p:spPr>
         <p:txBody>
-          <a:bodyPr anchorCtr="0" anchor="t" bIns="91425" lIns="91425" rIns="91425" tIns="91425"/>
+          <a:bodyPr lIns="91425" tIns="91425" rIns="91425" bIns="91425" anchor="t" anchorCtr="0"/>
           <a:lstStyle>
             <a:lvl1pPr lvl="0">
               <a:lnSpc>
@@ -6375,15 +6782,19 @@
               </a:defRPr>
             </a:lvl9pPr>
           </a:lstStyle>
-          <a:p/>
+          <a:p>
+            <a:endParaRPr/>
+          </a:p>
         </p:txBody>
       </p:sp>
       <p:sp>
         <p:nvSpPr>
           <p:cNvPr id="8" name="Shape 8"/>
-          <p:cNvSpPr txBox="1"/>
-          <p:nvPr>
-            <p:ph idx="12" type="sldNum"/>
+          <p:cNvSpPr txBox="1">
+            <a:spLocks noGrp="1"/>
+          </p:cNvSpPr>
+          <p:nvPr>
+            <p:ph type="sldNum" idx="12"/>
           </p:nvPr>
         </p:nvSpPr>
         <p:spPr>
@@ -6400,7 +6811,7 @@
           </a:ln>
         </p:spPr>
         <p:txBody>
-          <a:bodyPr anchorCtr="0" anchor="ctr" bIns="91425" lIns="91425" rIns="91425" tIns="91425">
+          <a:bodyPr lIns="91425" tIns="91425" rIns="91425" bIns="91425" anchor="ctr" anchorCtr="0">
             <a:noAutofit/>
           </a:bodyPr>
           <a:lstStyle/>
@@ -6423,12 +6834,21 @@
               </a:rPr>
               <a:t>‹#›</a:t>
             </a:fld>
+            <a:endParaRPr lang="en" sz="1000">
+              <a:solidFill>
+                <a:schemeClr val="dk1"/>
+              </a:solidFill>
+              <a:latin typeface="Proxima Nova"/>
+              <a:ea typeface="Proxima Nova"/>
+              <a:cs typeface="Proxima Nova"/>
+              <a:sym typeface="Proxima Nova"/>
+            </a:endParaRPr>
           </a:p>
         </p:txBody>
       </p:sp>
     </p:spTree>
   </p:cSld>
-  <p:clrMap accent1="accent1" accent2="accent2" accent3="accent3" accent4="accent4" accent5="accent5" accent6="accent6" bg1="lt1" bg2="dk2" tx1="dk1" tx2="lt2" folHlink="folHlink" hlink="hlink"/>
+  <p:clrMap bg1="lt1" tx1="dk1" bg2="dk2" tx2="lt2" accent1="accent1" accent2="accent2" accent3="accent3" accent4="accent4" accent5="accent5" accent6="accent6" hlink="hlink" folHlink="folHlink"/>
   <p:sldLayoutIdLst>
     <p:sldLayoutId id="2147483648" r:id="rId1"/>
     <p:sldLayoutId id="2147483649" r:id="rId2"/>
@@ -6442,10 +6862,10 @@
     <p:sldLayoutId id="2147483657" r:id="rId10"/>
     <p:sldLayoutId id="2147483658" r:id="rId11"/>
   </p:sldLayoutIdLst>
-  <p:hf dt="0" ftr="0" hdr="0" sldNum="0"/>
+  <p:hf sldNum="0" hdr="0" ftr="0" dt="0"/>
   <p:txStyles>
     <p:titleStyle>
-      <a:defPPr lvl="0" marR="0" rtl="0" algn="l">
+      <a:defPPr marR="0" lvl="0" algn="l" rtl="0">
         <a:lnSpc>
           <a:spcPct val="100000"/>
         </a:lnSpc>
@@ -6456,7 +6876,7 @@
           <a:spcPts val="0"/>
         </a:spcAft>
       </a:defPPr>
-      <a:lvl1pPr lvl="0" marR="0" rtl="0" algn="l">
+      <a:lvl1pPr marR="0" lvl="0" algn="l" rtl="0">
         <a:lnSpc>
           <a:spcPct val="100000"/>
         </a:lnSpc>
@@ -6467,7 +6887,7 @@
           <a:spcPts val="0"/>
         </a:spcAft>
         <a:buNone/>
-        <a:defRPr b="0" i="0" sz="1400" u="none" cap="none" strike="noStrike">
+        <a:defRPr sz="1400" b="0" i="0" u="none" strike="noStrike" cap="none">
           <a:solidFill>
             <a:srgbClr val="000000"/>
           </a:solidFill>
@@ -6479,7 +6899,7 @@
       </a:lvl1pPr>
     </p:titleStyle>
     <p:bodyStyle>
-      <a:defPPr lvl="0" marR="0" rtl="0" algn="l">
+      <a:defPPr marR="0" lvl="0" algn="l" rtl="0">
         <a:lnSpc>
           <a:spcPct val="100000"/>
         </a:lnSpc>
@@ -6490,7 +6910,7 @@
           <a:spcPts val="0"/>
         </a:spcAft>
       </a:defPPr>
-      <a:lvl1pPr lvl="0" marR="0" rtl="0" algn="l">
+      <a:lvl1pPr marR="0" lvl="0" algn="l" rtl="0">
         <a:lnSpc>
           <a:spcPct val="100000"/>
         </a:lnSpc>
@@ -6501,7 +6921,7 @@
           <a:spcPts val="0"/>
         </a:spcAft>
         <a:buNone/>
-        <a:defRPr b="0" i="0" sz="1400" u="none" cap="none" strike="noStrike">
+        <a:defRPr sz="1400" b="0" i="0" u="none" strike="noStrike" cap="none">
           <a:solidFill>
             <a:srgbClr val="000000"/>
           </a:solidFill>
@@ -6511,7 +6931,7 @@
           <a:sym typeface="Arial"/>
         </a:defRPr>
       </a:lvl1pPr>
-      <a:lvl2pPr lvl="1" marR="0" rtl="0" algn="l">
+      <a:lvl2pPr marR="0" lvl="1" algn="l" rtl="0">
         <a:lnSpc>
           <a:spcPct val="100000"/>
         </a:lnSpc>
@@ -6522,7 +6942,7 @@
           <a:spcPts val="0"/>
         </a:spcAft>
         <a:buNone/>
-        <a:defRPr b="0" i="0" sz="1400" u="none" cap="none" strike="noStrike">
+        <a:defRPr sz="1400" b="0" i="0" u="none" strike="noStrike" cap="none">
           <a:solidFill>
             <a:srgbClr val="000000"/>
           </a:solidFill>
@@ -6532,7 +6952,7 @@
           <a:sym typeface="Arial"/>
         </a:defRPr>
       </a:lvl2pPr>
-      <a:lvl3pPr lvl="2" marR="0" rtl="0" algn="l">
+      <a:lvl3pPr marR="0" lvl="2" algn="l" rtl="0">
         <a:lnSpc>
           <a:spcPct val="100000"/>
         </a:lnSpc>
@@ -6543,7 +6963,7 @@
           <a:spcPts val="0"/>
         </a:spcAft>
         <a:buNone/>
-        <a:defRPr b="0" i="0" sz="1400" u="none" cap="none" strike="noStrike">
+        <a:defRPr sz="1400" b="0" i="0" u="none" strike="noStrike" cap="none">
           <a:solidFill>
             <a:srgbClr val="000000"/>
           </a:solidFill>
@@ -6553,7 +6973,7 @@
           <a:sym typeface="Arial"/>
         </a:defRPr>
       </a:lvl3pPr>
-      <a:lvl4pPr lvl="3" marR="0" rtl="0" algn="l">
+      <a:lvl4pPr marR="0" lvl="3" algn="l" rtl="0">
         <a:lnSpc>
           <a:spcPct val="100000"/>
         </a:lnSpc>
@@ -6564,7 +6984,7 @@
           <a:spcPts val="0"/>
         </a:spcAft>
         <a:buNone/>
-        <a:defRPr b="0" i="0" sz="1400" u="none" cap="none" strike="noStrike">
+        <a:defRPr sz="1400" b="0" i="0" u="none" strike="noStrike" cap="none">
           <a:solidFill>
             <a:srgbClr val="000000"/>
           </a:solidFill>
@@ -6574,7 +6994,7 @@
           <a:sym typeface="Arial"/>
         </a:defRPr>
       </a:lvl4pPr>
-      <a:lvl5pPr lvl="4" marR="0" rtl="0" algn="l">
+      <a:lvl5pPr marR="0" lvl="4" algn="l" rtl="0">
         <a:lnSpc>
           <a:spcPct val="100000"/>
         </a:lnSpc>
@@ -6585,7 +7005,7 @@
           <a:spcPts val="0"/>
         </a:spcAft>
         <a:buNone/>
-        <a:defRPr b="0" i="0" sz="1400" u="none" cap="none" strike="noStrike">
+        <a:defRPr sz="1400" b="0" i="0" u="none" strike="noStrike" cap="none">
           <a:solidFill>
             <a:srgbClr val="000000"/>
           </a:solidFill>
@@ -6595,7 +7015,7 @@
           <a:sym typeface="Arial"/>
         </a:defRPr>
       </a:lvl5pPr>
-      <a:lvl6pPr lvl="5" marR="0" rtl="0" algn="l">
+      <a:lvl6pPr marR="0" lvl="5" algn="l" rtl="0">
         <a:lnSpc>
           <a:spcPct val="100000"/>
         </a:lnSpc>
@@ -6606,7 +7026,7 @@
           <a:spcPts val="0"/>
         </a:spcAft>
         <a:buNone/>
-        <a:defRPr b="0" i="0" sz="1400" u="none" cap="none" strike="noStrike">
+        <a:defRPr sz="1400" b="0" i="0" u="none" strike="noStrike" cap="none">
           <a:solidFill>
             <a:srgbClr val="000000"/>
           </a:solidFill>
@@ -6616,7 +7036,7 @@
           <a:sym typeface="Arial"/>
         </a:defRPr>
       </a:lvl6pPr>
-      <a:lvl7pPr lvl="6" marR="0" rtl="0" algn="l">
+      <a:lvl7pPr marR="0" lvl="6" algn="l" rtl="0">
         <a:lnSpc>
           <a:spcPct val="100000"/>
         </a:lnSpc>
@@ -6627,7 +7047,7 @@
           <a:spcPts val="0"/>
         </a:spcAft>
         <a:buNone/>
-        <a:defRPr b="0" i="0" sz="1400" u="none" cap="none" strike="noStrike">
+        <a:defRPr sz="1400" b="0" i="0" u="none" strike="noStrike" cap="none">
           <a:solidFill>
             <a:srgbClr val="000000"/>
           </a:solidFill>
@@ -6637,7 +7057,7 @@
           <a:sym typeface="Arial"/>
         </a:defRPr>
       </a:lvl7pPr>
-      <a:lvl8pPr lvl="7" marR="0" rtl="0" algn="l">
+      <a:lvl8pPr marR="0" lvl="7" algn="l" rtl="0">
         <a:lnSpc>
           <a:spcPct val="100000"/>
         </a:lnSpc>
@@ -6648,7 +7068,7 @@
           <a:spcPts val="0"/>
         </a:spcAft>
         <a:buNone/>
-        <a:defRPr b="0" i="0" sz="1400" u="none" cap="none" strike="noStrike">
+        <a:defRPr sz="1400" b="0" i="0" u="none" strike="noStrike" cap="none">
           <a:solidFill>
             <a:srgbClr val="000000"/>
           </a:solidFill>
@@ -6658,7 +7078,7 @@
           <a:sym typeface="Arial"/>
         </a:defRPr>
       </a:lvl8pPr>
-      <a:lvl9pPr lvl="8" marR="0" rtl="0" algn="l">
+      <a:lvl9pPr marR="0" lvl="8" algn="l" rtl="0">
         <a:lnSpc>
           <a:spcPct val="100000"/>
         </a:lnSpc>
@@ -6669,7 +7089,7 @@
           <a:spcPts val="0"/>
         </a:spcAft>
         <a:buNone/>
-        <a:defRPr b="0" i="0" sz="1400" u="none" cap="none" strike="noStrike">
+        <a:defRPr sz="1400" b="0" i="0" u="none" strike="noStrike" cap="none">
           <a:solidFill>
             <a:srgbClr val="000000"/>
           </a:solidFill>
@@ -6681,7 +7101,7 @@
       </a:lvl9pPr>
     </p:bodyStyle>
     <p:otherStyle>
-      <a:defPPr lvl="0" marR="0" rtl="0" algn="l">
+      <a:defPPr marR="0" lvl="0" algn="l" rtl="0">
         <a:lnSpc>
           <a:spcPct val="100000"/>
         </a:lnSpc>
@@ -6692,7 +7112,7 @@
           <a:spcPts val="0"/>
         </a:spcAft>
       </a:defPPr>
-      <a:lvl1pPr lvl="0" marR="0" rtl="0" algn="l">
+      <a:lvl1pPr marR="0" lvl="0" algn="l" rtl="0">
         <a:lnSpc>
           <a:spcPct val="100000"/>
         </a:lnSpc>
@@ -6703,7 +7123,7 @@
           <a:spcPts val="0"/>
         </a:spcAft>
         <a:buNone/>
-        <a:defRPr b="0" i="0" sz="1400" u="none" cap="none" strike="noStrike">
+        <a:defRPr sz="1400" b="0" i="0" u="none" strike="noStrike" cap="none">
           <a:solidFill>
             <a:srgbClr val="000000"/>
           </a:solidFill>
@@ -6713,7 +7133,7 @@
           <a:sym typeface="Arial"/>
         </a:defRPr>
       </a:lvl1pPr>
-      <a:lvl2pPr lvl="1" marR="0" rtl="0" algn="l">
+      <a:lvl2pPr marR="0" lvl="1" algn="l" rtl="0">
         <a:lnSpc>
           <a:spcPct val="100000"/>
         </a:lnSpc>
@@ -6724,7 +7144,7 @@
           <a:spcPts val="0"/>
         </a:spcAft>
         <a:buNone/>
-        <a:defRPr b="0" i="0" sz="1400" u="none" cap="none" strike="noStrike">
+        <a:defRPr sz="1400" b="0" i="0" u="none" strike="noStrike" cap="none">
           <a:solidFill>
             <a:srgbClr val="000000"/>
           </a:solidFill>
@@ -6734,7 +7154,7 @@
           <a:sym typeface="Arial"/>
         </a:defRPr>
       </a:lvl2pPr>
-      <a:lvl3pPr lvl="2" marR="0" rtl="0" algn="l">
+      <a:lvl3pPr marR="0" lvl="2" algn="l" rtl="0">
         <a:lnSpc>
           <a:spcPct val="100000"/>
         </a:lnSpc>
@@ -6745,7 +7165,7 @@
           <a:spcPts val="0"/>
         </a:spcAft>
         <a:buNone/>
-        <a:defRPr b="0" i="0" sz="1400" u="none" cap="none" strike="noStrike">
+        <a:defRPr sz="1400" b="0" i="0" u="none" strike="noStrike" cap="none">
           <a:solidFill>
             <a:srgbClr val="000000"/>
           </a:solidFill>
@@ -6755,7 +7175,7 @@
           <a:sym typeface="Arial"/>
         </a:defRPr>
       </a:lvl3pPr>
-      <a:lvl4pPr lvl="3" marR="0" rtl="0" algn="l">
+      <a:lvl4pPr marR="0" lvl="3" algn="l" rtl="0">
         <a:lnSpc>
           <a:spcPct val="100000"/>
         </a:lnSpc>
@@ -6766,7 +7186,7 @@
           <a:spcPts val="0"/>
         </a:spcAft>
         <a:buNone/>
-        <a:defRPr b="0" i="0" sz="1400" u="none" cap="none" strike="noStrike">
+        <a:defRPr sz="1400" b="0" i="0" u="none" strike="noStrike" cap="none">
           <a:solidFill>
             <a:srgbClr val="000000"/>
           </a:solidFill>
@@ -6776,7 +7196,7 @@
           <a:sym typeface="Arial"/>
         </a:defRPr>
       </a:lvl4pPr>
-      <a:lvl5pPr lvl="4" marR="0" rtl="0" algn="l">
+      <a:lvl5pPr marR="0" lvl="4" algn="l" rtl="0">
         <a:lnSpc>
           <a:spcPct val="100000"/>
         </a:lnSpc>
@@ -6787,7 +7207,7 @@
           <a:spcPts val="0"/>
         </a:spcAft>
         <a:buNone/>
-        <a:defRPr b="0" i="0" sz="1400" u="none" cap="none" strike="noStrike">
+        <a:defRPr sz="1400" b="0" i="0" u="none" strike="noStrike" cap="none">
           <a:solidFill>
             <a:srgbClr val="000000"/>
           </a:solidFill>
@@ -6797,7 +7217,7 @@
           <a:sym typeface="Arial"/>
         </a:defRPr>
       </a:lvl5pPr>
-      <a:lvl6pPr lvl="5" marR="0" rtl="0" algn="l">
+      <a:lvl6pPr marR="0" lvl="5" algn="l" rtl="0">
         <a:lnSpc>
           <a:spcPct val="100000"/>
         </a:lnSpc>
@@ -6808,7 +7228,7 @@
           <a:spcPts val="0"/>
         </a:spcAft>
         <a:buNone/>
-        <a:defRPr b="0" i="0" sz="1400" u="none" cap="none" strike="noStrike">
+        <a:defRPr sz="1400" b="0" i="0" u="none" strike="noStrike" cap="none">
           <a:solidFill>
             <a:srgbClr val="000000"/>
           </a:solidFill>
@@ -6818,7 +7238,7 @@
           <a:sym typeface="Arial"/>
         </a:defRPr>
       </a:lvl6pPr>
-      <a:lvl7pPr lvl="6" marR="0" rtl="0" algn="l">
+      <a:lvl7pPr marR="0" lvl="6" algn="l" rtl="0">
         <a:lnSpc>
           <a:spcPct val="100000"/>
         </a:lnSpc>
@@ -6829,7 +7249,7 @@
           <a:spcPts val="0"/>
         </a:spcAft>
         <a:buNone/>
-        <a:defRPr b="0" i="0" sz="1400" u="none" cap="none" strike="noStrike">
+        <a:defRPr sz="1400" b="0" i="0" u="none" strike="noStrike" cap="none">
           <a:solidFill>
             <a:srgbClr val="000000"/>
           </a:solidFill>
@@ -6839,7 +7259,7 @@
           <a:sym typeface="Arial"/>
         </a:defRPr>
       </a:lvl7pPr>
-      <a:lvl8pPr lvl="7" marR="0" rtl="0" algn="l">
+      <a:lvl8pPr marR="0" lvl="7" algn="l" rtl="0">
         <a:lnSpc>
           <a:spcPct val="100000"/>
         </a:lnSpc>
@@ -6850,7 +7270,7 @@
           <a:spcPts val="0"/>
         </a:spcAft>
         <a:buNone/>
-        <a:defRPr b="0" i="0" sz="1400" u="none" cap="none" strike="noStrike">
+        <a:defRPr sz="1400" b="0" i="0" u="none" strike="noStrike" cap="none">
           <a:solidFill>
             <a:srgbClr val="000000"/>
           </a:solidFill>
@@ -6860,7 +7280,7 @@
           <a:sym typeface="Arial"/>
         </a:defRPr>
       </a:lvl8pPr>
-      <a:lvl9pPr lvl="8" marR="0" rtl="0" algn="l">
+      <a:lvl9pPr marR="0" lvl="8" algn="l" rtl="0">
         <a:lnSpc>
           <a:spcPct val="100000"/>
         </a:lnSpc>
@@ -6871,7 +7291,7 @@
           <a:spcPts val="0"/>
         </a:spcAft>
         <a:buNone/>
-        <a:defRPr b="0" i="0" sz="1400" u="none" cap="none" strike="noStrike">
+        <a:defRPr sz="1400" b="0" i="0" u="none" strike="noStrike" cap="none">
           <a:solidFill>
             <a:srgbClr val="000000"/>
           </a:solidFill>
@@ -6887,11 +7307,11 @@
 </file>
 
 <file path=ppt/slides/slide1.xml><?xml version="1.0" encoding="utf-8"?>
-<p:sld xmlns:a="http://schemas.openxmlformats.org/drawingml/2006/main" xmlns:r="http://schemas.openxmlformats.org/officeDocument/2006/relationships" xmlns:mc="http://schemas.openxmlformats.org/markup-compatibility/2006" xmlns:mv="urn:schemas-microsoft-com:mac:vml" xmlns:p="http://schemas.openxmlformats.org/presentationml/2006/main" xmlns:c="http://schemas.openxmlformats.org/drawingml/2006/chart" xmlns:dgm="http://schemas.openxmlformats.org/drawingml/2006/diagram" xmlns:o="urn:schemas-microsoft-com:office:office" xmlns:v="urn:schemas-microsoft-com:vml" xmlns:pvml="urn:schemas-microsoft-com:office:powerpoint" xmlns:com="http://schemas.openxmlformats.org/drawingml/2006/compatibility" xmlns:p14="http://schemas.microsoft.com/office/powerpoint/2010/main">
+<p:sld xmlns:a="http://schemas.openxmlformats.org/drawingml/2006/main" xmlns:r="http://schemas.openxmlformats.org/officeDocument/2006/relationships" xmlns:p="http://schemas.openxmlformats.org/presentationml/2006/main">
   <p:cSld>
     <p:spTree>
       <p:nvGrpSpPr>
-        <p:cNvPr id="58" name="Shape 58"/>
+        <p:cNvPr id="1" name="Shape 58"/>
         <p:cNvGrpSpPr/>
         <p:nvPr/>
       </p:nvGrpSpPr>
@@ -6906,9 +7326,11 @@
       <p:sp>
         <p:nvSpPr>
           <p:cNvPr id="59" name="Shape 59"/>
-          <p:cNvSpPr txBox="1"/>
-          <p:nvPr>
-            <p:ph idx="1" type="subTitle"/>
+          <p:cNvSpPr txBox="1">
+            <a:spLocks noGrp="1"/>
+          </p:cNvSpPr>
+          <p:nvPr>
+            <p:ph type="subTitle" idx="1"/>
           </p:nvPr>
         </p:nvSpPr>
         <p:spPr>
@@ -6921,7 +7343,7 @@
           </a:prstGeom>
         </p:spPr>
         <p:txBody>
-          <a:bodyPr anchorCtr="0" anchor="t" bIns="91425" lIns="91425" rIns="91425" tIns="91425">
+          <a:bodyPr lIns="91425" tIns="91425" rIns="91425" bIns="91425" anchor="t" anchorCtr="0">
             <a:noAutofit/>
           </a:bodyPr>
           <a:lstStyle/>
@@ -6962,7 +7384,9 @@
       <p:sp>
         <p:nvSpPr>
           <p:cNvPr id="60" name="Shape 60"/>
-          <p:cNvSpPr txBox="1"/>
+          <p:cNvSpPr txBox="1">
+            <a:spLocks noGrp="1"/>
+          </p:cNvSpPr>
           <p:nvPr>
             <p:ph type="ctrTitle"/>
           </p:nvPr>
@@ -6977,7 +7401,7 @@
           </a:prstGeom>
         </p:spPr>
         <p:txBody>
-          <a:bodyPr anchorCtr="0" anchor="b" bIns="91425" lIns="91425" rIns="91425" tIns="91425">
+          <a:bodyPr lIns="91425" tIns="91425" rIns="91425" bIns="91425" anchor="b" anchorCtr="0">
             <a:noAutofit/>
           </a:bodyPr>
           <a:lstStyle/>
@@ -7004,11 +7428,11 @@
 </file>
 
 <file path=ppt/slides/slide10.xml><?xml version="1.0" encoding="utf-8"?>
-<p:sld xmlns:a="http://schemas.openxmlformats.org/drawingml/2006/main" xmlns:r="http://schemas.openxmlformats.org/officeDocument/2006/relationships" xmlns:mc="http://schemas.openxmlformats.org/markup-compatibility/2006" xmlns:mv="urn:schemas-microsoft-com:mac:vml" xmlns:p="http://schemas.openxmlformats.org/presentationml/2006/main" xmlns:c="http://schemas.openxmlformats.org/drawingml/2006/chart" xmlns:dgm="http://schemas.openxmlformats.org/drawingml/2006/diagram" xmlns:o="urn:schemas-microsoft-com:office:office" xmlns:v="urn:schemas-microsoft-com:vml" xmlns:pvml="urn:schemas-microsoft-com:office:powerpoint" xmlns:com="http://schemas.openxmlformats.org/drawingml/2006/compatibility" xmlns:p14="http://schemas.microsoft.com/office/powerpoint/2010/main">
+<p:sld xmlns:a="http://schemas.openxmlformats.org/drawingml/2006/main" xmlns:r="http://schemas.openxmlformats.org/officeDocument/2006/relationships" xmlns:p="http://schemas.openxmlformats.org/presentationml/2006/main">
   <p:cSld>
     <p:spTree>
       <p:nvGrpSpPr>
-        <p:cNvPr id="114" name="Shape 114"/>
+        <p:cNvPr id="1" name="Shape 114"/>
         <p:cNvGrpSpPr/>
         <p:nvPr/>
       </p:nvGrpSpPr>
@@ -7023,7 +7447,9 @@
       <p:sp>
         <p:nvSpPr>
           <p:cNvPr id="115" name="Shape 115"/>
-          <p:cNvSpPr txBox="1"/>
+          <p:cNvSpPr txBox="1">
+            <a:spLocks noGrp="1"/>
+          </p:cNvSpPr>
           <p:nvPr>
             <p:ph type="title"/>
           </p:nvPr>
@@ -7038,7 +7464,7 @@
           </a:prstGeom>
         </p:spPr>
         <p:txBody>
-          <a:bodyPr anchorCtr="0" anchor="t" bIns="91425" lIns="91425" rIns="91425" tIns="91425">
+          <a:bodyPr lIns="91425" tIns="91425" rIns="91425" bIns="91425" anchor="t" anchorCtr="0">
             <a:noAutofit/>
           </a:bodyPr>
           <a:lstStyle/>
@@ -7059,9 +7485,11 @@
       <p:sp>
         <p:nvSpPr>
           <p:cNvPr id="116" name="Shape 116"/>
-          <p:cNvSpPr txBox="1"/>
-          <p:nvPr>
-            <p:ph idx="1" type="body"/>
+          <p:cNvSpPr txBox="1">
+            <a:spLocks noGrp="1"/>
+          </p:cNvSpPr>
+          <p:nvPr>
+            <p:ph type="body" idx="1"/>
           </p:nvPr>
         </p:nvSpPr>
         <p:spPr>
@@ -7074,12 +7502,12 @@
           </a:prstGeom>
         </p:spPr>
         <p:txBody>
-          <a:bodyPr anchorCtr="0" anchor="t" bIns="91425" lIns="91425" rIns="91425" tIns="91425">
+          <a:bodyPr lIns="91425" tIns="91425" rIns="91425" bIns="91425" anchor="t" anchorCtr="0">
             <a:noAutofit/>
           </a:bodyPr>
           <a:lstStyle/>
           <a:p>
-            <a:pPr indent="-381000" lvl="0" marL="457200" rtl="0">
+            <a:pPr marL="457200" lvl="0" indent="-381000" rtl="0">
               <a:spcBef>
                 <a:spcPts val="700"/>
               </a:spcBef>
@@ -7151,7 +7579,7 @@
             </a:r>
           </a:p>
           <a:p>
-            <a:pPr indent="-381000" lvl="0" marL="457200" rtl="0">
+            <a:pPr marL="457200" lvl="0" indent="-381000" rtl="0">
               <a:spcBef>
                 <a:spcPts val="700"/>
               </a:spcBef>
@@ -7187,7 +7615,7 @@
             </a:r>
           </a:p>
           <a:p>
-            <a:pPr indent="-381000" lvl="0" marL="457200" rtl="0">
+            <a:pPr marL="457200" lvl="0" indent="-381000" rtl="0">
               <a:spcBef>
                 <a:spcPts val="700"/>
               </a:spcBef>
@@ -7220,9 +7648,6 @@
               </a:spcBef>
               <a:buNone/>
             </a:pPr>
-            <a:r>
-              <a:t/>
-            </a:r>
             <a:endParaRPr sz="2400"/>
           </a:p>
         </p:txBody>
@@ -7236,11 +7661,11 @@
 </file>
 
 <file path=ppt/slides/slide11.xml><?xml version="1.0" encoding="utf-8"?>
-<p:sld xmlns:a="http://schemas.openxmlformats.org/drawingml/2006/main" xmlns:r="http://schemas.openxmlformats.org/officeDocument/2006/relationships" xmlns:mc="http://schemas.openxmlformats.org/markup-compatibility/2006" xmlns:mv="urn:schemas-microsoft-com:mac:vml" xmlns:p="http://schemas.openxmlformats.org/presentationml/2006/main" xmlns:c="http://schemas.openxmlformats.org/drawingml/2006/chart" xmlns:dgm="http://schemas.openxmlformats.org/drawingml/2006/diagram" xmlns:o="urn:schemas-microsoft-com:office:office" xmlns:v="urn:schemas-microsoft-com:vml" xmlns:pvml="urn:schemas-microsoft-com:office:powerpoint" xmlns:com="http://schemas.openxmlformats.org/drawingml/2006/compatibility" xmlns:p14="http://schemas.microsoft.com/office/powerpoint/2010/main">
+<p:sld xmlns:a="http://schemas.openxmlformats.org/drawingml/2006/main" xmlns:r="http://schemas.openxmlformats.org/officeDocument/2006/relationships" xmlns:p="http://schemas.openxmlformats.org/presentationml/2006/main">
   <p:cSld>
     <p:spTree>
       <p:nvGrpSpPr>
-        <p:cNvPr id="120" name="Shape 120"/>
+        <p:cNvPr id="1" name="Shape 120"/>
         <p:cNvGrpSpPr/>
         <p:nvPr/>
       </p:nvGrpSpPr>
@@ -7255,7 +7680,9 @@
       <p:sp>
         <p:nvSpPr>
           <p:cNvPr id="121" name="Shape 121"/>
-          <p:cNvSpPr txBox="1"/>
+          <p:cNvSpPr txBox="1">
+            <a:spLocks noGrp="1"/>
+          </p:cNvSpPr>
           <p:nvPr>
             <p:ph type="title"/>
           </p:nvPr>
@@ -7270,7 +7697,7 @@
           </a:prstGeom>
         </p:spPr>
         <p:txBody>
-          <a:bodyPr anchorCtr="0" anchor="t" bIns="91425" lIns="91425" rIns="91425" tIns="91425">
+          <a:bodyPr lIns="91425" tIns="91425" rIns="91425" bIns="91425" anchor="t" anchorCtr="0">
             <a:noAutofit/>
           </a:bodyPr>
           <a:lstStyle/>
@@ -7291,9 +7718,11 @@
       <p:sp>
         <p:nvSpPr>
           <p:cNvPr id="122" name="Shape 122"/>
-          <p:cNvSpPr txBox="1"/>
-          <p:nvPr>
-            <p:ph idx="1" type="body"/>
+          <p:cNvSpPr txBox="1">
+            <a:spLocks noGrp="1"/>
+          </p:cNvSpPr>
+          <p:nvPr>
+            <p:ph type="body" idx="1"/>
           </p:nvPr>
         </p:nvSpPr>
         <p:spPr>
@@ -7306,12 +7735,12 @@
           </a:prstGeom>
         </p:spPr>
         <p:txBody>
-          <a:bodyPr anchorCtr="0" anchor="t" bIns="91425" lIns="91425" rIns="91425" tIns="91425">
+          <a:bodyPr lIns="91425" tIns="91425" rIns="91425" bIns="91425" anchor="t" anchorCtr="0">
             <a:noAutofit/>
           </a:bodyPr>
           <a:lstStyle/>
           <a:p>
-            <a:pPr indent="-381000" lvl="0" marL="914400" marR="0" rtl="0" algn="l">
+            <a:pPr marL="914400" marR="0" lvl="0" indent="-381000" algn="l" rtl="0">
               <a:lnSpc>
                 <a:spcPct val="115000"/>
               </a:lnSpc>
@@ -7342,7 +7771,7 @@
             </a:r>
           </a:p>
           <a:p>
-            <a:pPr indent="-381000" lvl="0" marL="914400" marR="0" rtl="0" algn="l">
+            <a:pPr marL="914400" marR="0" lvl="0" indent="-381000" algn="l" rtl="0">
               <a:lnSpc>
                 <a:spcPct val="115000"/>
               </a:lnSpc>
@@ -7373,7 +7802,7 @@
             </a:r>
           </a:p>
           <a:p>
-            <a:pPr indent="-381000" lvl="0" marL="914400" marR="0" rtl="0" algn="l">
+            <a:pPr marL="914400" marR="0" lvl="0" indent="-381000" algn="l" rtl="0">
               <a:lnSpc>
                 <a:spcPct val="115000"/>
               </a:lnSpc>
@@ -7410,9 +7839,6 @@
               </a:spcBef>
               <a:buNone/>
             </a:pPr>
-            <a:r>
-              <a:t/>
-            </a:r>
             <a:endParaRPr sz="2400"/>
           </a:p>
         </p:txBody>
@@ -7426,11 +7852,11 @@
 </file>
 
 <file path=ppt/slides/slide12.xml><?xml version="1.0" encoding="utf-8"?>
-<p:sld xmlns:a="http://schemas.openxmlformats.org/drawingml/2006/main" xmlns:r="http://schemas.openxmlformats.org/officeDocument/2006/relationships" xmlns:mc="http://schemas.openxmlformats.org/markup-compatibility/2006" xmlns:mv="urn:schemas-microsoft-com:mac:vml" xmlns:p="http://schemas.openxmlformats.org/presentationml/2006/main" xmlns:c="http://schemas.openxmlformats.org/drawingml/2006/chart" xmlns:dgm="http://schemas.openxmlformats.org/drawingml/2006/diagram" xmlns:o="urn:schemas-microsoft-com:office:office" xmlns:v="urn:schemas-microsoft-com:vml" xmlns:pvml="urn:schemas-microsoft-com:office:powerpoint" xmlns:com="http://schemas.openxmlformats.org/drawingml/2006/compatibility" xmlns:p14="http://schemas.microsoft.com/office/powerpoint/2010/main">
+<p:sld xmlns:a="http://schemas.openxmlformats.org/drawingml/2006/main" xmlns:r="http://schemas.openxmlformats.org/officeDocument/2006/relationships" xmlns:p="http://schemas.openxmlformats.org/presentationml/2006/main">
   <p:cSld>
     <p:spTree>
       <p:nvGrpSpPr>
-        <p:cNvPr id="126" name="Shape 126"/>
+        <p:cNvPr id="1" name="Shape 126"/>
         <p:cNvGrpSpPr/>
         <p:nvPr/>
       </p:nvGrpSpPr>
@@ -7445,7 +7871,9 @@
       <p:sp>
         <p:nvSpPr>
           <p:cNvPr id="127" name="Shape 127"/>
-          <p:cNvSpPr txBox="1"/>
+          <p:cNvSpPr txBox="1">
+            <a:spLocks noGrp="1"/>
+          </p:cNvSpPr>
           <p:nvPr>
             <p:ph type="title"/>
           </p:nvPr>
@@ -7460,7 +7888,7 @@
           </a:prstGeom>
         </p:spPr>
         <p:txBody>
-          <a:bodyPr anchorCtr="0" anchor="t" bIns="91425" lIns="91425" rIns="91425" tIns="91425">
+          <a:bodyPr lIns="91425" tIns="91425" rIns="91425" bIns="91425" anchor="t" anchorCtr="0">
             <a:noAutofit/>
           </a:bodyPr>
           <a:lstStyle/>
@@ -7481,9 +7909,11 @@
       <p:sp>
         <p:nvSpPr>
           <p:cNvPr id="128" name="Shape 128"/>
-          <p:cNvSpPr txBox="1"/>
-          <p:nvPr>
-            <p:ph idx="1" type="body"/>
+          <p:cNvSpPr txBox="1">
+            <a:spLocks noGrp="1"/>
+          </p:cNvSpPr>
+          <p:nvPr>
+            <p:ph type="body" idx="1"/>
           </p:nvPr>
         </p:nvSpPr>
         <p:spPr>
@@ -7496,12 +7926,12 @@
           </a:prstGeom>
         </p:spPr>
         <p:txBody>
-          <a:bodyPr anchorCtr="0" anchor="t" bIns="91425" lIns="91425" rIns="91425" tIns="91425">
+          <a:bodyPr lIns="91425" tIns="91425" rIns="91425" bIns="91425" anchor="t" anchorCtr="0">
             <a:noAutofit/>
           </a:bodyPr>
           <a:lstStyle/>
           <a:p>
-            <a:pPr indent="-381000" lvl="0" marL="457200" rtl="0">
+            <a:pPr marL="457200" lvl="0" indent="-381000" rtl="0">
               <a:spcBef>
                 <a:spcPts val="700"/>
               </a:spcBef>
@@ -7534,9 +7964,6 @@
               </a:spcBef>
               <a:buNone/>
             </a:pPr>
-            <a:r>
-              <a:t/>
-            </a:r>
             <a:endParaRPr sz="2400"/>
           </a:p>
         </p:txBody>
@@ -7578,11 +8005,11 @@
 </file>
 
 <file path=ppt/slides/slide13.xml><?xml version="1.0" encoding="utf-8"?>
-<p:sld xmlns:a="http://schemas.openxmlformats.org/drawingml/2006/main" xmlns:r="http://schemas.openxmlformats.org/officeDocument/2006/relationships" xmlns:mc="http://schemas.openxmlformats.org/markup-compatibility/2006" xmlns:mv="urn:schemas-microsoft-com:mac:vml" xmlns:p="http://schemas.openxmlformats.org/presentationml/2006/main" xmlns:c="http://schemas.openxmlformats.org/drawingml/2006/chart" xmlns:dgm="http://schemas.openxmlformats.org/drawingml/2006/diagram" xmlns:o="urn:schemas-microsoft-com:office:office" xmlns:v="urn:schemas-microsoft-com:vml" xmlns:pvml="urn:schemas-microsoft-com:office:powerpoint" xmlns:com="http://schemas.openxmlformats.org/drawingml/2006/compatibility" xmlns:p14="http://schemas.microsoft.com/office/powerpoint/2010/main">
+<p:sld xmlns:a="http://schemas.openxmlformats.org/drawingml/2006/main" xmlns:r="http://schemas.openxmlformats.org/officeDocument/2006/relationships" xmlns:p="http://schemas.openxmlformats.org/presentationml/2006/main">
   <p:cSld>
     <p:spTree>
       <p:nvGrpSpPr>
-        <p:cNvPr id="133" name="Shape 133"/>
+        <p:cNvPr id="1" name="Shape 133"/>
         <p:cNvGrpSpPr/>
         <p:nvPr/>
       </p:nvGrpSpPr>
@@ -7597,7 +8024,9 @@
       <p:sp>
         <p:nvSpPr>
           <p:cNvPr id="134" name="Shape 134"/>
-          <p:cNvSpPr txBox="1"/>
+          <p:cNvSpPr txBox="1">
+            <a:spLocks noGrp="1"/>
+          </p:cNvSpPr>
           <p:nvPr>
             <p:ph type="title"/>
           </p:nvPr>
@@ -7612,7 +8041,7 @@
           </a:prstGeom>
         </p:spPr>
         <p:txBody>
-          <a:bodyPr anchorCtr="0" anchor="t" bIns="91425" lIns="91425" rIns="91425" tIns="91425">
+          <a:bodyPr lIns="91425" tIns="91425" rIns="91425" bIns="91425" anchor="t" anchorCtr="0">
             <a:noAutofit/>
           </a:bodyPr>
           <a:lstStyle/>
@@ -7633,9 +8062,11 @@
       <p:sp>
         <p:nvSpPr>
           <p:cNvPr id="135" name="Shape 135"/>
-          <p:cNvSpPr txBox="1"/>
-          <p:nvPr>
-            <p:ph idx="1" type="body"/>
+          <p:cNvSpPr txBox="1">
+            <a:spLocks noGrp="1"/>
+          </p:cNvSpPr>
+          <p:nvPr>
+            <p:ph type="body" idx="1"/>
           </p:nvPr>
         </p:nvSpPr>
         <p:spPr>
@@ -7648,12 +8079,12 @@
           </a:prstGeom>
         </p:spPr>
         <p:txBody>
-          <a:bodyPr anchorCtr="0" anchor="t" bIns="91425" lIns="91425" rIns="91425" tIns="91425">
+          <a:bodyPr lIns="91425" tIns="91425" rIns="91425" bIns="91425" anchor="t" anchorCtr="0">
             <a:noAutofit/>
           </a:bodyPr>
           <a:lstStyle/>
           <a:p>
-            <a:pPr indent="-381000" lvl="0" marL="457200">
+            <a:pPr marL="457200" lvl="0" indent="-381000">
               <a:spcBef>
                 <a:spcPts val="0"/>
               </a:spcBef>
@@ -7678,7 +8109,7 @@
             </a:r>
           </a:p>
           <a:p>
-            <a:pPr indent="-381000" lvl="0" marL="457200" rtl="0">
+            <a:pPr marL="457200" lvl="0" indent="-381000" rtl="0">
               <a:spcBef>
                 <a:spcPts val="700"/>
               </a:spcBef>
@@ -7706,7 +8137,7 @@
             </a:r>
           </a:p>
           <a:p>
-            <a:pPr indent="-381000" lvl="0" marL="457200" rtl="0">
+            <a:pPr marL="457200" lvl="0" indent="-381000" rtl="0">
               <a:spcBef>
                 <a:spcPts val="600"/>
               </a:spcBef>
@@ -7731,7 +8162,7 @@
             </a:r>
           </a:p>
           <a:p>
-            <a:pPr indent="-381000" lvl="0" marL="457200" rtl="0">
+            <a:pPr marL="457200" lvl="0" indent="-381000" rtl="0">
               <a:spcBef>
                 <a:spcPts val="600"/>
               </a:spcBef>
@@ -7759,7 +8190,7 @@
             </a:r>
           </a:p>
           <a:p>
-            <a:pPr indent="-381000" lvl="0" marL="457200" rtl="0">
+            <a:pPr marL="457200" lvl="0" indent="-381000" rtl="0">
               <a:spcBef>
                 <a:spcPts val="300"/>
               </a:spcBef>
@@ -7793,9 +8224,6 @@
               </a:spcBef>
               <a:buNone/>
             </a:pPr>
-            <a:r>
-              <a:t/>
-            </a:r>
             <a:endParaRPr sz="2400">
               <a:solidFill>
                 <a:srgbClr val="000000"/>
@@ -7873,11 +8301,11 @@
 </file>
 
 <file path=ppt/slides/slide14.xml><?xml version="1.0" encoding="utf-8"?>
-<p:sld xmlns:a="http://schemas.openxmlformats.org/drawingml/2006/main" xmlns:r="http://schemas.openxmlformats.org/officeDocument/2006/relationships" xmlns:mc="http://schemas.openxmlformats.org/markup-compatibility/2006" xmlns:mv="urn:schemas-microsoft-com:mac:vml" xmlns:p="http://schemas.openxmlformats.org/presentationml/2006/main" xmlns:c="http://schemas.openxmlformats.org/drawingml/2006/chart" xmlns:dgm="http://schemas.openxmlformats.org/drawingml/2006/diagram" xmlns:o="urn:schemas-microsoft-com:office:office" xmlns:v="urn:schemas-microsoft-com:vml" xmlns:pvml="urn:schemas-microsoft-com:office:powerpoint" xmlns:com="http://schemas.openxmlformats.org/drawingml/2006/compatibility" xmlns:p14="http://schemas.microsoft.com/office/powerpoint/2010/main">
+<p:sld xmlns:a="http://schemas.openxmlformats.org/drawingml/2006/main" xmlns:r="http://schemas.openxmlformats.org/officeDocument/2006/relationships" xmlns:p="http://schemas.openxmlformats.org/presentationml/2006/main">
   <p:cSld>
     <p:spTree>
       <p:nvGrpSpPr>
-        <p:cNvPr id="141" name="Shape 141"/>
+        <p:cNvPr id="1" name="Shape 141"/>
         <p:cNvGrpSpPr/>
         <p:nvPr/>
       </p:nvGrpSpPr>
@@ -7892,7 +8320,9 @@
       <p:sp>
         <p:nvSpPr>
           <p:cNvPr id="142" name="Shape 142"/>
-          <p:cNvSpPr txBox="1"/>
+          <p:cNvSpPr txBox="1">
+            <a:spLocks noGrp="1"/>
+          </p:cNvSpPr>
           <p:nvPr>
             <p:ph type="title"/>
           </p:nvPr>
@@ -7907,7 +8337,7 @@
           </a:prstGeom>
         </p:spPr>
         <p:txBody>
-          <a:bodyPr anchorCtr="0" anchor="t" bIns="91425" lIns="91425" rIns="91425" tIns="91425">
+          <a:bodyPr lIns="91425" tIns="91425" rIns="91425" bIns="91425" anchor="t" anchorCtr="0">
             <a:noAutofit/>
           </a:bodyPr>
           <a:lstStyle/>
@@ -7928,9 +8358,11 @@
       <p:sp>
         <p:nvSpPr>
           <p:cNvPr id="143" name="Shape 143"/>
-          <p:cNvSpPr txBox="1"/>
-          <p:nvPr>
-            <p:ph idx="1" type="body"/>
+          <p:cNvSpPr txBox="1">
+            <a:spLocks noGrp="1"/>
+          </p:cNvSpPr>
+          <p:nvPr>
+            <p:ph type="body" idx="1"/>
           </p:nvPr>
         </p:nvSpPr>
         <p:spPr>
@@ -7943,12 +8375,12 @@
           </a:prstGeom>
         </p:spPr>
         <p:txBody>
-          <a:bodyPr anchorCtr="0" anchor="t" bIns="91425" lIns="91425" rIns="91425" tIns="91425">
+          <a:bodyPr lIns="91425" tIns="91425" rIns="91425" bIns="91425" anchor="t" anchorCtr="0">
             <a:noAutofit/>
           </a:bodyPr>
           <a:lstStyle/>
           <a:p>
-            <a:pPr indent="-381000" lvl="0" marL="457200" rtl="0">
+            <a:pPr marL="457200" lvl="0" indent="-381000" rtl="0">
               <a:spcBef>
                 <a:spcPts val="300"/>
               </a:spcBef>
@@ -7975,7 +8407,7 @@
             </a:r>
           </a:p>
           <a:p>
-            <a:pPr indent="-381000" lvl="0" marL="457200" rtl="0">
+            <a:pPr marL="457200" lvl="0" indent="-381000" rtl="0">
               <a:spcBef>
                 <a:spcPts val="300"/>
               </a:spcBef>
@@ -8003,7 +8435,7 @@
             </a:r>
           </a:p>
           <a:p>
-            <a:pPr indent="-381000" lvl="0" marL="914400" rtl="0">
+            <a:pPr marL="914400" lvl="0" indent="-381000" rtl="0">
               <a:spcBef>
                 <a:spcPts val="300"/>
               </a:spcBef>
@@ -8040,7 +8472,7 @@
             </a:r>
           </a:p>
           <a:p>
-            <a:pPr indent="-381000" lvl="0" marL="914400" marR="0" rtl="0" algn="l">
+            <a:pPr marL="914400" marR="0" lvl="0" indent="-381000" algn="l" rtl="0">
               <a:lnSpc>
                 <a:spcPct val="115000"/>
               </a:lnSpc>
@@ -8078,11 +8510,11 @@
 </file>
 
 <file path=ppt/slides/slide15.xml><?xml version="1.0" encoding="utf-8"?>
-<p:sld xmlns:a="http://schemas.openxmlformats.org/drawingml/2006/main" xmlns:r="http://schemas.openxmlformats.org/officeDocument/2006/relationships" xmlns:mc="http://schemas.openxmlformats.org/markup-compatibility/2006" xmlns:mv="urn:schemas-microsoft-com:mac:vml" xmlns:p="http://schemas.openxmlformats.org/presentationml/2006/main" xmlns:c="http://schemas.openxmlformats.org/drawingml/2006/chart" xmlns:dgm="http://schemas.openxmlformats.org/drawingml/2006/diagram" xmlns:o="urn:schemas-microsoft-com:office:office" xmlns:v="urn:schemas-microsoft-com:vml" xmlns:pvml="urn:schemas-microsoft-com:office:powerpoint" xmlns:com="http://schemas.openxmlformats.org/drawingml/2006/compatibility" xmlns:p14="http://schemas.microsoft.com/office/powerpoint/2010/main">
+<p:sld xmlns:a="http://schemas.openxmlformats.org/drawingml/2006/main" xmlns:r="http://schemas.openxmlformats.org/officeDocument/2006/relationships" xmlns:p="http://schemas.openxmlformats.org/presentationml/2006/main">
   <p:cSld>
     <p:spTree>
       <p:nvGrpSpPr>
-        <p:cNvPr id="147" name="Shape 147"/>
+        <p:cNvPr id="1" name="Shape 147"/>
         <p:cNvGrpSpPr/>
         <p:nvPr/>
       </p:nvGrpSpPr>
@@ -8097,7 +8529,9 @@
       <p:sp>
         <p:nvSpPr>
           <p:cNvPr id="148" name="Shape 148"/>
-          <p:cNvSpPr txBox="1"/>
+          <p:cNvSpPr txBox="1">
+            <a:spLocks noGrp="1"/>
+          </p:cNvSpPr>
           <p:nvPr>
             <p:ph type="title"/>
           </p:nvPr>
@@ -8112,7 +8546,7 @@
           </a:prstGeom>
         </p:spPr>
         <p:txBody>
-          <a:bodyPr anchorCtr="0" anchor="t" bIns="91425" lIns="91425" rIns="91425" tIns="91425">
+          <a:bodyPr lIns="91425" tIns="91425" rIns="91425" bIns="91425" anchor="t" anchorCtr="0">
             <a:noAutofit/>
           </a:bodyPr>
           <a:lstStyle/>
@@ -8135,9 +8569,6 @@
               </a:spcBef>
               <a:buNone/>
             </a:pPr>
-            <a:r>
-              <a:t/>
-            </a:r>
             <a:endParaRPr/>
           </a:p>
         </p:txBody>
@@ -8145,9 +8576,11 @@
       <p:sp>
         <p:nvSpPr>
           <p:cNvPr id="149" name="Shape 149"/>
-          <p:cNvSpPr txBox="1"/>
-          <p:nvPr>
-            <p:ph idx="1" type="body"/>
+          <p:cNvSpPr txBox="1">
+            <a:spLocks noGrp="1"/>
+          </p:cNvSpPr>
+          <p:nvPr>
+            <p:ph type="body" idx="1"/>
           </p:nvPr>
         </p:nvSpPr>
         <p:spPr>
@@ -8160,12 +8593,12 @@
           </a:prstGeom>
         </p:spPr>
         <p:txBody>
-          <a:bodyPr anchorCtr="0" anchor="t" bIns="91425" lIns="91425" rIns="91425" tIns="91425">
+          <a:bodyPr lIns="91425" tIns="91425" rIns="91425" bIns="91425" anchor="t" anchorCtr="0">
             <a:noAutofit/>
           </a:bodyPr>
           <a:lstStyle/>
           <a:p>
-            <a:pPr indent="-381000" lvl="0" marL="457200" rtl="0">
+            <a:pPr marL="457200" lvl="0" indent="-381000" rtl="0">
               <a:spcBef>
                 <a:spcPts val="300"/>
               </a:spcBef>
@@ -8193,7 +8626,7 @@
             </a:r>
           </a:p>
           <a:p>
-            <a:pPr indent="-381000" lvl="0" marL="914400" rtl="0">
+            <a:pPr marL="914400" lvl="0" indent="-381000" rtl="0">
               <a:spcBef>
                 <a:spcPts val="300"/>
               </a:spcBef>
@@ -8217,7 +8650,7 @@
             </a:r>
           </a:p>
           <a:p>
-            <a:pPr indent="-381000" lvl="0" marL="914400" rtl="0">
+            <a:pPr marL="914400" lvl="0" indent="-381000" rtl="0">
               <a:spcBef>
                 <a:spcPts val="300"/>
               </a:spcBef>
@@ -8247,9 +8680,6 @@
               </a:spcBef>
               <a:buNone/>
             </a:pPr>
-            <a:r>
-              <a:t/>
-            </a:r>
             <a:endParaRPr sz="2400"/>
           </a:p>
         </p:txBody>
@@ -8263,11 +8693,11 @@
 </file>
 
 <file path=ppt/slides/slide16.xml><?xml version="1.0" encoding="utf-8"?>
-<p:sld xmlns:a="http://schemas.openxmlformats.org/drawingml/2006/main" xmlns:r="http://schemas.openxmlformats.org/officeDocument/2006/relationships" xmlns:mc="http://schemas.openxmlformats.org/markup-compatibility/2006" xmlns:mv="urn:schemas-microsoft-com:mac:vml" xmlns:p="http://schemas.openxmlformats.org/presentationml/2006/main" xmlns:c="http://schemas.openxmlformats.org/drawingml/2006/chart" xmlns:dgm="http://schemas.openxmlformats.org/drawingml/2006/diagram" xmlns:o="urn:schemas-microsoft-com:office:office" xmlns:v="urn:schemas-microsoft-com:vml" xmlns:pvml="urn:schemas-microsoft-com:office:powerpoint" xmlns:com="http://schemas.openxmlformats.org/drawingml/2006/compatibility" xmlns:p14="http://schemas.microsoft.com/office/powerpoint/2010/main">
+<p:sld xmlns:a="http://schemas.openxmlformats.org/drawingml/2006/main" xmlns:r="http://schemas.openxmlformats.org/officeDocument/2006/relationships" xmlns:p="http://schemas.openxmlformats.org/presentationml/2006/main">
   <p:cSld>
     <p:spTree>
       <p:nvGrpSpPr>
-        <p:cNvPr id="153" name="Shape 153"/>
+        <p:cNvPr id="1" name="Shape 153"/>
         <p:cNvGrpSpPr/>
         <p:nvPr/>
       </p:nvGrpSpPr>
@@ -8282,7 +8712,9 @@
       <p:sp>
         <p:nvSpPr>
           <p:cNvPr id="154" name="Shape 154"/>
-          <p:cNvSpPr txBox="1"/>
+          <p:cNvSpPr txBox="1">
+            <a:spLocks noGrp="1"/>
+          </p:cNvSpPr>
           <p:nvPr>
             <p:ph type="title"/>
           </p:nvPr>
@@ -8297,12 +8729,12 @@
           </a:prstGeom>
         </p:spPr>
         <p:txBody>
-          <a:bodyPr anchorCtr="0" anchor="t" bIns="91425" lIns="91425" rIns="91425" tIns="91425">
+          <a:bodyPr lIns="91425" tIns="91425" rIns="91425" bIns="91425" anchor="t" anchorCtr="0">
             <a:noAutofit/>
           </a:bodyPr>
           <a:lstStyle/>
           <a:p>
-            <a:pPr indent="0" lvl="0" marL="0" marR="0" rtl="0" algn="l">
+            <a:pPr marL="0" marR="0" lvl="0" indent="0" algn="l" rtl="0">
               <a:lnSpc>
                 <a:spcPct val="100000"/>
               </a:lnSpc>
@@ -8324,9 +8756,11 @@
       <p:sp>
         <p:nvSpPr>
           <p:cNvPr id="155" name="Shape 155"/>
-          <p:cNvSpPr txBox="1"/>
-          <p:nvPr>
-            <p:ph idx="1" type="body"/>
+          <p:cNvSpPr txBox="1">
+            <a:spLocks noGrp="1"/>
+          </p:cNvSpPr>
+          <p:nvPr>
+            <p:ph type="body" idx="1"/>
           </p:nvPr>
         </p:nvSpPr>
         <p:spPr>
@@ -8339,12 +8773,12 @@
           </a:prstGeom>
         </p:spPr>
         <p:txBody>
-          <a:bodyPr anchorCtr="0" anchor="t" bIns="91425" lIns="91425" rIns="91425" tIns="91425">
+          <a:bodyPr lIns="91425" tIns="91425" rIns="91425" bIns="91425" anchor="t" anchorCtr="0">
             <a:noAutofit/>
           </a:bodyPr>
           <a:lstStyle/>
           <a:p>
-            <a:pPr indent="-381000" lvl="0" marL="457200" rtl="0">
+            <a:pPr marL="457200" lvl="0" indent="-381000" rtl="0">
               <a:spcBef>
                 <a:spcPts val="700"/>
               </a:spcBef>
@@ -8359,7 +8793,7 @@
               <a:buChar char="❏"/>
             </a:pPr>
             <a:r>
-              <a:rPr b="1" lang="en" sz="2400">
+              <a:rPr lang="en" sz="2400" b="1">
                 <a:solidFill>
                   <a:srgbClr val="C00000"/>
                 </a:solidFill>
@@ -8372,7 +8806,7 @@
             </a:r>
           </a:p>
           <a:p>
-            <a:pPr indent="-381000" lvl="0" marL="914400" rtl="0">
+            <a:pPr marL="914400" lvl="0" indent="-381000" rtl="0">
               <a:spcBef>
                 <a:spcPts val="600"/>
               </a:spcBef>
@@ -8400,7 +8834,7 @@
             </a:r>
           </a:p>
           <a:p>
-            <a:pPr indent="-381000" lvl="0" marL="457200" rtl="0">
+            <a:pPr marL="457200" lvl="0" indent="-381000" rtl="0">
               <a:spcBef>
                 <a:spcPts val="700"/>
               </a:spcBef>
@@ -8415,7 +8849,7 @@
               <a:buChar char="❏"/>
             </a:pPr>
             <a:r>
-              <a:rPr b="1" lang="en" sz="2400">
+              <a:rPr lang="en" sz="2400" b="1">
                 <a:solidFill>
                   <a:srgbClr val="C00000"/>
                 </a:solidFill>
@@ -8428,7 +8862,7 @@
             </a:r>
           </a:p>
           <a:p>
-            <a:pPr indent="-381000" lvl="0" marL="914400" rtl="0">
+            <a:pPr marL="914400" lvl="0" indent="-381000" rtl="0">
               <a:spcBef>
                 <a:spcPts val="600"/>
               </a:spcBef>
@@ -8456,7 +8890,7 @@
             </a:r>
           </a:p>
           <a:p>
-            <a:pPr indent="-381000" lvl="0" marL="914400" rtl="0">
+            <a:pPr marL="914400" lvl="0" indent="-381000" rtl="0">
               <a:spcBef>
                 <a:spcPts val="600"/>
               </a:spcBef>
@@ -8483,7 +8917,7 @@
               <a:t>Document score can be the original score of the IR system or the rank(d)</a:t>
             </a:r>
             <a:r>
-              <a:rPr baseline="30000" lang="en" sz="2400">
+              <a:rPr lang="en" sz="2400" baseline="30000">
                 <a:solidFill>
                   <a:srgbClr val="000000"/>
                 </a:solidFill>
@@ -8502,9 +8936,6 @@
               </a:spcBef>
               <a:buNone/>
             </a:pPr>
-            <a:r>
-              <a:t/>
-            </a:r>
             <a:endParaRPr sz="2400"/>
           </a:p>
         </p:txBody>
@@ -8518,11 +8949,11 @@
 </file>
 
 <file path=ppt/slides/slide17.xml><?xml version="1.0" encoding="utf-8"?>
-<p:sld xmlns:a="http://schemas.openxmlformats.org/drawingml/2006/main" xmlns:r="http://schemas.openxmlformats.org/officeDocument/2006/relationships" xmlns:mc="http://schemas.openxmlformats.org/markup-compatibility/2006" xmlns:mv="urn:schemas-microsoft-com:mac:vml" xmlns:p="http://schemas.openxmlformats.org/presentationml/2006/main" xmlns:c="http://schemas.openxmlformats.org/drawingml/2006/chart" xmlns:dgm="http://schemas.openxmlformats.org/drawingml/2006/diagram" xmlns:o="urn:schemas-microsoft-com:office:office" xmlns:v="urn:schemas-microsoft-com:vml" xmlns:pvml="urn:schemas-microsoft-com:office:powerpoint" xmlns:com="http://schemas.openxmlformats.org/drawingml/2006/compatibility" xmlns:p14="http://schemas.microsoft.com/office/powerpoint/2010/main">
+<p:sld xmlns:a="http://schemas.openxmlformats.org/drawingml/2006/main" xmlns:r="http://schemas.openxmlformats.org/officeDocument/2006/relationships" xmlns:p="http://schemas.openxmlformats.org/presentationml/2006/main">
   <p:cSld>
     <p:spTree>
       <p:nvGrpSpPr>
-        <p:cNvPr id="159" name="Shape 159"/>
+        <p:cNvPr id="1" name="Shape 159"/>
         <p:cNvGrpSpPr/>
         <p:nvPr/>
       </p:nvGrpSpPr>
@@ -8537,7 +8968,9 @@
       <p:sp>
         <p:nvSpPr>
           <p:cNvPr id="160" name="Shape 160"/>
-          <p:cNvSpPr txBox="1"/>
+          <p:cNvSpPr txBox="1">
+            <a:spLocks noGrp="1"/>
+          </p:cNvSpPr>
           <p:nvPr>
             <p:ph type="title"/>
           </p:nvPr>
@@ -8552,7 +8985,7 @@
           </a:prstGeom>
         </p:spPr>
         <p:txBody>
-          <a:bodyPr anchorCtr="0" anchor="t" bIns="91425" lIns="91425" rIns="91425" tIns="91425">
+          <a:bodyPr lIns="91425" tIns="91425" rIns="91425" bIns="91425" anchor="t" anchorCtr="0">
             <a:noAutofit/>
           </a:bodyPr>
           <a:lstStyle/>
@@ -8573,9 +9006,11 @@
       <p:sp>
         <p:nvSpPr>
           <p:cNvPr id="161" name="Shape 161"/>
-          <p:cNvSpPr txBox="1"/>
-          <p:nvPr>
-            <p:ph idx="1" type="body"/>
+          <p:cNvSpPr txBox="1">
+            <a:spLocks noGrp="1"/>
+          </p:cNvSpPr>
+          <p:nvPr>
+            <p:ph type="body" idx="1"/>
           </p:nvPr>
         </p:nvSpPr>
         <p:spPr>
@@ -8588,12 +9023,12 @@
           </a:prstGeom>
         </p:spPr>
         <p:txBody>
-          <a:bodyPr anchorCtr="0" anchor="t" bIns="91425" lIns="91425" rIns="91425" tIns="91425">
+          <a:bodyPr lIns="91425" tIns="91425" rIns="91425" bIns="91425" anchor="t" anchorCtr="0">
             <a:noAutofit/>
           </a:bodyPr>
           <a:lstStyle/>
           <a:p>
-            <a:pPr indent="-381000" lvl="0" marL="457200" rtl="0">
+            <a:pPr marL="457200" lvl="0" indent="-381000" rtl="0">
               <a:spcBef>
                 <a:spcPts val="300"/>
               </a:spcBef>
@@ -8620,7 +9055,7 @@
             </a:r>
           </a:p>
           <a:p>
-            <a:pPr indent="-381000" lvl="0" marL="457200" rtl="0">
+            <a:pPr marL="457200" lvl="0" indent="-381000" rtl="0">
               <a:spcBef>
                 <a:spcPts val="300"/>
               </a:spcBef>
@@ -8647,7 +9082,7 @@
             </a:r>
           </a:p>
           <a:p>
-            <a:pPr indent="-381000" lvl="0" marL="457200" rtl="0">
+            <a:pPr marL="457200" lvl="0" indent="-381000" rtl="0">
               <a:spcBef>
                 <a:spcPts val="300"/>
               </a:spcBef>
@@ -8680,9 +9115,6 @@
               </a:spcBef>
               <a:buNone/>
             </a:pPr>
-            <a:r>
-              <a:t/>
-            </a:r>
             <a:endParaRPr sz="2400"/>
           </a:p>
         </p:txBody>
@@ -8696,11 +9128,11 @@
 </file>
 
 <file path=ppt/slides/slide18.xml><?xml version="1.0" encoding="utf-8"?>
-<p:sld xmlns:a="http://schemas.openxmlformats.org/drawingml/2006/main" xmlns:r="http://schemas.openxmlformats.org/officeDocument/2006/relationships" xmlns:mc="http://schemas.openxmlformats.org/markup-compatibility/2006" xmlns:mv="urn:schemas-microsoft-com:mac:vml" xmlns:p="http://schemas.openxmlformats.org/presentationml/2006/main" xmlns:c="http://schemas.openxmlformats.org/drawingml/2006/chart" xmlns:dgm="http://schemas.openxmlformats.org/drawingml/2006/diagram" xmlns:o="urn:schemas-microsoft-com:office:office" xmlns:v="urn:schemas-microsoft-com:vml" xmlns:pvml="urn:schemas-microsoft-com:office:powerpoint" xmlns:com="http://schemas.openxmlformats.org/drawingml/2006/compatibility" xmlns:p14="http://schemas.microsoft.com/office/powerpoint/2010/main">
+<p:sld xmlns:a="http://schemas.openxmlformats.org/drawingml/2006/main" xmlns:r="http://schemas.openxmlformats.org/officeDocument/2006/relationships" xmlns:p="http://schemas.openxmlformats.org/presentationml/2006/main">
   <p:cSld>
     <p:spTree>
       <p:nvGrpSpPr>
-        <p:cNvPr id="165" name="Shape 165"/>
+        <p:cNvPr id="1" name="Shape 165"/>
         <p:cNvGrpSpPr/>
         <p:nvPr/>
       </p:nvGrpSpPr>
@@ -8715,7 +9147,9 @@
       <p:sp>
         <p:nvSpPr>
           <p:cNvPr id="166" name="Shape 166"/>
-          <p:cNvSpPr txBox="1"/>
+          <p:cNvSpPr txBox="1">
+            <a:spLocks noGrp="1"/>
+          </p:cNvSpPr>
           <p:nvPr>
             <p:ph type="title"/>
           </p:nvPr>
@@ -8730,7 +9164,7 @@
           </a:prstGeom>
         </p:spPr>
         <p:txBody>
-          <a:bodyPr anchorCtr="0" anchor="t" bIns="91425" lIns="91425" rIns="91425" tIns="91425">
+          <a:bodyPr lIns="91425" tIns="91425" rIns="91425" bIns="91425" anchor="t" anchorCtr="0">
             <a:noAutofit/>
           </a:bodyPr>
           <a:lstStyle/>
@@ -8751,9 +9185,11 @@
       <p:sp>
         <p:nvSpPr>
           <p:cNvPr id="167" name="Shape 167"/>
-          <p:cNvSpPr txBox="1"/>
-          <p:nvPr>
-            <p:ph idx="1" type="body"/>
+          <p:cNvSpPr txBox="1">
+            <a:spLocks noGrp="1"/>
+          </p:cNvSpPr>
+          <p:nvPr>
+            <p:ph type="body" idx="1"/>
           </p:nvPr>
         </p:nvSpPr>
         <p:spPr>
@@ -8766,12 +9202,12 @@
           </a:prstGeom>
         </p:spPr>
         <p:txBody>
-          <a:bodyPr anchorCtr="0" anchor="t" bIns="91425" lIns="91425" rIns="91425" tIns="91425">
+          <a:bodyPr lIns="91425" tIns="91425" rIns="91425" bIns="91425" anchor="t" anchorCtr="0">
             <a:noAutofit/>
           </a:bodyPr>
           <a:lstStyle/>
           <a:p>
-            <a:pPr indent="-381000" lvl="0" marL="457200" rtl="0">
+            <a:pPr marL="457200" lvl="0" indent="-381000" rtl="0">
               <a:spcBef>
                 <a:spcPts val="300"/>
               </a:spcBef>
@@ -8804,9 +9240,6 @@
               </a:spcBef>
               <a:buNone/>
             </a:pPr>
-            <a:r>
-              <a:t/>
-            </a:r>
             <a:endParaRPr sz="2400"/>
           </a:p>
           <a:p>
@@ -8816,13 +9249,10 @@
               </a:spcBef>
               <a:buNone/>
             </a:pPr>
-            <a:r>
-              <a:t/>
-            </a:r>
             <a:endParaRPr sz="2400"/>
           </a:p>
           <a:p>
-            <a:pPr indent="-381000" lvl="0" marL="457200" rtl="0">
+            <a:pPr marL="457200" lvl="0" indent="-381000" rtl="0">
               <a:spcBef>
                 <a:spcPts val="300"/>
               </a:spcBef>
@@ -8858,9 +9288,6 @@
               </a:spcAft>
               <a:buNone/>
             </a:pPr>
-            <a:r>
-              <a:t/>
-            </a:r>
             <a:endParaRPr sz="2400">
               <a:solidFill>
                 <a:srgbClr val="000000"/>
@@ -8878,9 +9305,6 @@
               </a:spcBef>
               <a:buNone/>
             </a:pPr>
-            <a:r>
-              <a:t/>
-            </a:r>
             <a:endParaRPr sz="2400"/>
           </a:p>
         </p:txBody>
@@ -8950,11 +9374,11 @@
 </file>
 
 <file path=ppt/slides/slide19.xml><?xml version="1.0" encoding="utf-8"?>
-<p:sld xmlns:a="http://schemas.openxmlformats.org/drawingml/2006/main" xmlns:r="http://schemas.openxmlformats.org/officeDocument/2006/relationships" xmlns:mc="http://schemas.openxmlformats.org/markup-compatibility/2006" xmlns:mv="urn:schemas-microsoft-com:mac:vml" xmlns:p="http://schemas.openxmlformats.org/presentationml/2006/main" xmlns:c="http://schemas.openxmlformats.org/drawingml/2006/chart" xmlns:dgm="http://schemas.openxmlformats.org/drawingml/2006/diagram" xmlns:o="urn:schemas-microsoft-com:office:office" xmlns:v="urn:schemas-microsoft-com:vml" xmlns:pvml="urn:schemas-microsoft-com:office:powerpoint" xmlns:com="http://schemas.openxmlformats.org/drawingml/2006/compatibility" xmlns:p14="http://schemas.microsoft.com/office/powerpoint/2010/main">
+<p:sld xmlns:a="http://schemas.openxmlformats.org/drawingml/2006/main" xmlns:r="http://schemas.openxmlformats.org/officeDocument/2006/relationships" xmlns:p="http://schemas.openxmlformats.org/presentationml/2006/main">
   <p:cSld>
     <p:spTree>
       <p:nvGrpSpPr>
-        <p:cNvPr id="173" name="Shape 173"/>
+        <p:cNvPr id="1" name="Shape 173"/>
         <p:cNvGrpSpPr/>
         <p:nvPr/>
       </p:nvGrpSpPr>
@@ -8969,7 +9393,9 @@
       <p:sp>
         <p:nvSpPr>
           <p:cNvPr id="174" name="Shape 174"/>
-          <p:cNvSpPr txBox="1"/>
+          <p:cNvSpPr txBox="1">
+            <a:spLocks noGrp="1"/>
+          </p:cNvSpPr>
           <p:nvPr>
             <p:ph type="title"/>
           </p:nvPr>
@@ -8984,7 +9410,7 @@
           </a:prstGeom>
         </p:spPr>
         <p:txBody>
-          <a:bodyPr anchorCtr="0" anchor="t" bIns="91425" lIns="91425" rIns="91425" tIns="91425">
+          <a:bodyPr lIns="91425" tIns="91425" rIns="91425" bIns="91425" anchor="t" anchorCtr="0">
             <a:noAutofit/>
           </a:bodyPr>
           <a:lstStyle/>
@@ -9007,9 +9433,6 @@
               </a:spcBef>
               <a:buNone/>
             </a:pPr>
-            <a:r>
-              <a:t/>
-            </a:r>
             <a:endParaRPr/>
           </a:p>
         </p:txBody>
@@ -9017,9 +9440,11 @@
       <p:sp>
         <p:nvSpPr>
           <p:cNvPr id="175" name="Shape 175"/>
-          <p:cNvSpPr txBox="1"/>
-          <p:nvPr>
-            <p:ph idx="1" type="body"/>
+          <p:cNvSpPr txBox="1">
+            <a:spLocks noGrp="1"/>
+          </p:cNvSpPr>
+          <p:nvPr>
+            <p:ph type="body" idx="1"/>
           </p:nvPr>
         </p:nvSpPr>
         <p:spPr>
@@ -9032,12 +9457,12 @@
           </a:prstGeom>
         </p:spPr>
         <p:txBody>
-          <a:bodyPr anchorCtr="0" anchor="t" bIns="91425" lIns="91425" rIns="91425" tIns="91425">
+          <a:bodyPr lIns="91425" tIns="91425" rIns="91425" bIns="91425" anchor="t" anchorCtr="0">
             <a:noAutofit/>
           </a:bodyPr>
           <a:lstStyle/>
           <a:p>
-            <a:pPr indent="-381000" lvl="0" marL="457200" rtl="0">
+            <a:pPr marL="457200" lvl="0" indent="-381000" rtl="0">
               <a:spcBef>
                 <a:spcPts val="300"/>
               </a:spcBef>
@@ -9073,9 +9498,6 @@
               </a:spcAft>
               <a:buNone/>
             </a:pPr>
-            <a:r>
-              <a:t/>
-            </a:r>
             <a:endParaRPr sz="2400">
               <a:solidFill>
                 <a:srgbClr val="000000"/>
@@ -9087,7 +9509,7 @@
             </a:endParaRPr>
           </a:p>
           <a:p>
-            <a:pPr indent="457200" lvl="0" rtl="0">
+            <a:pPr lvl="0" indent="457200" rtl="0">
               <a:spcBef>
                 <a:spcPts val="300"/>
               </a:spcBef>
@@ -9110,7 +9532,7 @@
             </a:r>
           </a:p>
           <a:p>
-            <a:pPr indent="-381000" lvl="0" marL="457200" rtl="0">
+            <a:pPr marL="457200" lvl="0" indent="-381000" rtl="0">
               <a:spcBef>
                 <a:spcPts val="300"/>
               </a:spcBef>
@@ -9143,9 +9565,6 @@
               </a:spcBef>
               <a:buNone/>
             </a:pPr>
-            <a:r>
-              <a:t/>
-            </a:r>
             <a:endParaRPr sz="2400"/>
           </a:p>
         </p:txBody>
@@ -9187,11 +9606,11 @@
 </file>
 
 <file path=ppt/slides/slide2.xml><?xml version="1.0" encoding="utf-8"?>
-<p:sld xmlns:a="http://schemas.openxmlformats.org/drawingml/2006/main" xmlns:r="http://schemas.openxmlformats.org/officeDocument/2006/relationships" xmlns:mc="http://schemas.openxmlformats.org/markup-compatibility/2006" xmlns:mv="urn:schemas-microsoft-com:mac:vml" xmlns:p="http://schemas.openxmlformats.org/presentationml/2006/main" xmlns:c="http://schemas.openxmlformats.org/drawingml/2006/chart" xmlns:dgm="http://schemas.openxmlformats.org/drawingml/2006/diagram" xmlns:o="urn:schemas-microsoft-com:office:office" xmlns:v="urn:schemas-microsoft-com:vml" xmlns:pvml="urn:schemas-microsoft-com:office:powerpoint" xmlns:com="http://schemas.openxmlformats.org/drawingml/2006/compatibility" xmlns:p14="http://schemas.microsoft.com/office/powerpoint/2010/main">
+<p:sld xmlns:a="http://schemas.openxmlformats.org/drawingml/2006/main" xmlns:r="http://schemas.openxmlformats.org/officeDocument/2006/relationships" xmlns:p="http://schemas.openxmlformats.org/presentationml/2006/main">
   <p:cSld>
     <p:spTree>
       <p:nvGrpSpPr>
-        <p:cNvPr id="64" name="Shape 64"/>
+        <p:cNvPr id="1" name="Shape 64"/>
         <p:cNvGrpSpPr/>
         <p:nvPr/>
       </p:nvGrpSpPr>
@@ -9206,7 +9625,9 @@
       <p:sp>
         <p:nvSpPr>
           <p:cNvPr id="65" name="Shape 65"/>
-          <p:cNvSpPr txBox="1"/>
+          <p:cNvSpPr txBox="1">
+            <a:spLocks noGrp="1"/>
+          </p:cNvSpPr>
           <p:nvPr>
             <p:ph type="title"/>
           </p:nvPr>
@@ -9221,7 +9642,7 @@
           </a:prstGeom>
         </p:spPr>
         <p:txBody>
-          <a:bodyPr anchorCtr="0" anchor="t" bIns="91425" lIns="91425" rIns="91425" tIns="91425">
+          <a:bodyPr lIns="91425" tIns="91425" rIns="91425" bIns="91425" anchor="t" anchorCtr="0">
             <a:noAutofit/>
           </a:bodyPr>
           <a:lstStyle/>
@@ -9242,9 +9663,11 @@
       <p:sp>
         <p:nvSpPr>
           <p:cNvPr id="66" name="Shape 66"/>
-          <p:cNvSpPr txBox="1"/>
-          <p:nvPr>
-            <p:ph idx="1" type="body"/>
+          <p:cNvSpPr txBox="1">
+            <a:spLocks noGrp="1"/>
+          </p:cNvSpPr>
+          <p:nvPr>
+            <p:ph type="body" idx="1"/>
           </p:nvPr>
         </p:nvSpPr>
         <p:spPr>
@@ -9257,12 +9680,12 @@
           </a:prstGeom>
         </p:spPr>
         <p:txBody>
-          <a:bodyPr anchorCtr="0" anchor="t" bIns="91425" lIns="91425" rIns="91425" tIns="91425">
+          <a:bodyPr lIns="91425" tIns="91425" rIns="91425" bIns="91425" anchor="t" anchorCtr="0">
             <a:noAutofit/>
           </a:bodyPr>
           <a:lstStyle/>
           <a:p>
-            <a:pPr indent="-381000" lvl="0" marL="457200" rtl="0">
+            <a:pPr marL="457200" lvl="0" indent="-381000" rtl="0">
               <a:spcBef>
                 <a:spcPts val="300"/>
               </a:spcBef>
@@ -9290,7 +9713,7 @@
             </a:r>
           </a:p>
           <a:p>
-            <a:pPr indent="-381000" lvl="0" marL="457200" rtl="0">
+            <a:pPr marL="457200" lvl="0" indent="-381000" rtl="0">
               <a:spcBef>
                 <a:spcPts val="300"/>
               </a:spcBef>
@@ -9318,7 +9741,7 @@
             </a:r>
           </a:p>
           <a:p>
-            <a:pPr indent="-381000" lvl="0" marL="457200" rtl="0">
+            <a:pPr marL="457200" lvl="0" indent="-381000" rtl="0">
               <a:spcBef>
                 <a:spcPts val="300"/>
               </a:spcBef>
@@ -9352,9 +9775,6 @@
               </a:spcBef>
               <a:buNone/>
             </a:pPr>
-            <a:r>
-              <a:t/>
-            </a:r>
             <a:endParaRPr sz="2400"/>
           </a:p>
         </p:txBody>
@@ -9368,11 +9788,11 @@
 </file>
 
 <file path=ppt/slides/slide20.xml><?xml version="1.0" encoding="utf-8"?>
-<p:sld xmlns:a="http://schemas.openxmlformats.org/drawingml/2006/main" xmlns:r="http://schemas.openxmlformats.org/officeDocument/2006/relationships" xmlns:mc="http://schemas.openxmlformats.org/markup-compatibility/2006" xmlns:mv="urn:schemas-microsoft-com:mac:vml" xmlns:p="http://schemas.openxmlformats.org/presentationml/2006/main" xmlns:c="http://schemas.openxmlformats.org/drawingml/2006/chart" xmlns:dgm="http://schemas.openxmlformats.org/drawingml/2006/diagram" xmlns:o="urn:schemas-microsoft-com:office:office" xmlns:v="urn:schemas-microsoft-com:vml" xmlns:pvml="urn:schemas-microsoft-com:office:powerpoint" xmlns:com="http://schemas.openxmlformats.org/drawingml/2006/compatibility" xmlns:p14="http://schemas.microsoft.com/office/powerpoint/2010/main">
+<p:sld xmlns:a="http://schemas.openxmlformats.org/drawingml/2006/main" xmlns:r="http://schemas.openxmlformats.org/officeDocument/2006/relationships" xmlns:p="http://schemas.openxmlformats.org/presentationml/2006/main">
   <p:cSld>
     <p:spTree>
       <p:nvGrpSpPr>
-        <p:cNvPr id="180" name="Shape 180"/>
+        <p:cNvPr id="1" name="Shape 180"/>
         <p:cNvGrpSpPr/>
         <p:nvPr/>
       </p:nvGrpSpPr>
@@ -9387,7 +9807,9 @@
       <p:sp>
         <p:nvSpPr>
           <p:cNvPr id="181" name="Shape 181"/>
-          <p:cNvSpPr txBox="1"/>
+          <p:cNvSpPr txBox="1">
+            <a:spLocks noGrp="1"/>
+          </p:cNvSpPr>
           <p:nvPr>
             <p:ph type="title"/>
           </p:nvPr>
@@ -9402,7 +9824,7 @@
           </a:prstGeom>
         </p:spPr>
         <p:txBody>
-          <a:bodyPr anchorCtr="0" anchor="t" bIns="91425" lIns="91425" rIns="91425" tIns="91425">
+          <a:bodyPr lIns="91425" tIns="91425" rIns="91425" bIns="91425" anchor="t" anchorCtr="0">
             <a:noAutofit/>
           </a:bodyPr>
           <a:lstStyle/>
@@ -9423,9 +9845,11 @@
       <p:sp>
         <p:nvSpPr>
           <p:cNvPr id="182" name="Shape 182"/>
-          <p:cNvSpPr txBox="1"/>
-          <p:nvPr>
-            <p:ph idx="1" type="body"/>
+          <p:cNvSpPr txBox="1">
+            <a:spLocks noGrp="1"/>
+          </p:cNvSpPr>
+          <p:nvPr>
+            <p:ph type="body" idx="1"/>
           </p:nvPr>
         </p:nvSpPr>
         <p:spPr>
@@ -9438,12 +9862,12 @@
           </a:prstGeom>
         </p:spPr>
         <p:txBody>
-          <a:bodyPr anchorCtr="0" anchor="t" bIns="91425" lIns="91425" rIns="91425" tIns="91425">
+          <a:bodyPr lIns="91425" tIns="91425" rIns="91425" bIns="91425" anchor="t" anchorCtr="0">
             <a:noAutofit/>
           </a:bodyPr>
           <a:lstStyle/>
           <a:p>
-            <a:pPr indent="-381000" lvl="0" marL="457200" rtl="0">
+            <a:pPr marL="457200" lvl="0" indent="-381000" rtl="0">
               <a:spcBef>
                 <a:spcPts val="300"/>
               </a:spcBef>
@@ -9470,7 +9894,7 @@
             </a:r>
           </a:p>
           <a:p>
-            <a:pPr indent="-381000" lvl="0" marL="457200" rtl="0">
+            <a:pPr marL="457200" lvl="0" indent="-381000" rtl="0">
               <a:spcBef>
                 <a:spcPts val="300"/>
               </a:spcBef>
@@ -9503,9 +9927,6 @@
               </a:spcBef>
               <a:buNone/>
             </a:pPr>
-            <a:r>
-              <a:t/>
-            </a:r>
             <a:endParaRPr sz="2400"/>
           </a:p>
         </p:txBody>
@@ -9519,11 +9940,11 @@
 </file>
 
 <file path=ppt/slides/slide21.xml><?xml version="1.0" encoding="utf-8"?>
-<p:sld xmlns:a="http://schemas.openxmlformats.org/drawingml/2006/main" xmlns:r="http://schemas.openxmlformats.org/officeDocument/2006/relationships" xmlns:mc="http://schemas.openxmlformats.org/markup-compatibility/2006" xmlns:mv="urn:schemas-microsoft-com:mac:vml" xmlns:p="http://schemas.openxmlformats.org/presentationml/2006/main" xmlns:c="http://schemas.openxmlformats.org/drawingml/2006/chart" xmlns:dgm="http://schemas.openxmlformats.org/drawingml/2006/diagram" xmlns:o="urn:schemas-microsoft-com:office:office" xmlns:v="urn:schemas-microsoft-com:vml" xmlns:pvml="urn:schemas-microsoft-com:office:powerpoint" xmlns:com="http://schemas.openxmlformats.org/drawingml/2006/compatibility" xmlns:p14="http://schemas.microsoft.com/office/powerpoint/2010/main">
+<p:sld xmlns:a="http://schemas.openxmlformats.org/drawingml/2006/main" xmlns:r="http://schemas.openxmlformats.org/officeDocument/2006/relationships" xmlns:p="http://schemas.openxmlformats.org/presentationml/2006/main">
   <p:cSld>
     <p:spTree>
       <p:nvGrpSpPr>
-        <p:cNvPr id="186" name="Shape 186"/>
+        <p:cNvPr id="1" name="Shape 186"/>
         <p:cNvGrpSpPr/>
         <p:nvPr/>
       </p:nvGrpSpPr>
@@ -9538,7 +9959,9 @@
       <p:sp>
         <p:nvSpPr>
           <p:cNvPr id="187" name="Shape 187"/>
-          <p:cNvSpPr txBox="1"/>
+          <p:cNvSpPr txBox="1">
+            <a:spLocks noGrp="1"/>
+          </p:cNvSpPr>
           <p:nvPr>
             <p:ph type="title"/>
           </p:nvPr>
@@ -9553,7 +9976,7 @@
           </a:prstGeom>
         </p:spPr>
         <p:txBody>
-          <a:bodyPr anchorCtr="0" anchor="t" bIns="91425" lIns="91425" rIns="91425" tIns="91425">
+          <a:bodyPr lIns="91425" tIns="91425" rIns="91425" bIns="91425" anchor="t" anchorCtr="0">
             <a:noAutofit/>
           </a:bodyPr>
           <a:lstStyle/>
@@ -9574,9 +9997,11 @@
       <p:sp>
         <p:nvSpPr>
           <p:cNvPr id="188" name="Shape 188"/>
-          <p:cNvSpPr txBox="1"/>
-          <p:nvPr>
-            <p:ph idx="1" type="body"/>
+          <p:cNvSpPr txBox="1">
+            <a:spLocks noGrp="1"/>
+          </p:cNvSpPr>
+          <p:nvPr>
+            <p:ph type="body" idx="1"/>
           </p:nvPr>
         </p:nvSpPr>
         <p:spPr>
@@ -9589,12 +10014,12 @@
           </a:prstGeom>
         </p:spPr>
         <p:txBody>
-          <a:bodyPr anchorCtr="0" anchor="t" bIns="91425" lIns="91425" rIns="91425" tIns="91425">
+          <a:bodyPr lIns="91425" tIns="91425" rIns="91425" bIns="91425" anchor="t" anchorCtr="0">
             <a:noAutofit/>
           </a:bodyPr>
           <a:lstStyle/>
           <a:p>
-            <a:pPr indent="-381000" lvl="0" marL="457200" rtl="0">
+            <a:pPr marL="457200" lvl="0" indent="-381000" rtl="0">
               <a:spcBef>
                 <a:spcPts val="300"/>
               </a:spcBef>
@@ -9630,9 +10055,6 @@
               </a:spcAft>
               <a:buNone/>
             </a:pPr>
-            <a:r>
-              <a:t/>
-            </a:r>
             <a:endParaRPr sz="2400">
               <a:solidFill>
                 <a:srgbClr val="AFB591"/>
@@ -9653,9 +10075,6 @@
               </a:spcAft>
               <a:buNone/>
             </a:pPr>
-            <a:r>
-              <a:t/>
-            </a:r>
             <a:endParaRPr sz="2400">
               <a:solidFill>
                 <a:srgbClr val="000000"/>
@@ -9667,7 +10086,7 @@
             </a:endParaRPr>
           </a:p>
           <a:p>
-            <a:pPr indent="-381000" lvl="0" marL="457200" rtl="0">
+            <a:pPr marL="457200" lvl="0" indent="-381000" rtl="0">
               <a:spcBef>
                 <a:spcPts val="300"/>
               </a:spcBef>
@@ -9700,9 +10119,6 @@
               </a:spcBef>
               <a:buNone/>
             </a:pPr>
-            <a:r>
-              <a:t/>
-            </a:r>
             <a:endParaRPr sz="2400"/>
           </a:p>
         </p:txBody>
@@ -9744,11 +10160,11 @@
 </file>
 
 <file path=ppt/slides/slide22.xml><?xml version="1.0" encoding="utf-8"?>
-<p:sld xmlns:a="http://schemas.openxmlformats.org/drawingml/2006/main" xmlns:r="http://schemas.openxmlformats.org/officeDocument/2006/relationships" xmlns:mc="http://schemas.openxmlformats.org/markup-compatibility/2006" xmlns:mv="urn:schemas-microsoft-com:mac:vml" xmlns:p="http://schemas.openxmlformats.org/presentationml/2006/main" xmlns:c="http://schemas.openxmlformats.org/drawingml/2006/chart" xmlns:dgm="http://schemas.openxmlformats.org/drawingml/2006/diagram" xmlns:o="urn:schemas-microsoft-com:office:office" xmlns:v="urn:schemas-microsoft-com:vml" xmlns:pvml="urn:schemas-microsoft-com:office:powerpoint" xmlns:com="http://schemas.openxmlformats.org/drawingml/2006/compatibility" xmlns:p14="http://schemas.microsoft.com/office/powerpoint/2010/main">
+<p:sld xmlns:a="http://schemas.openxmlformats.org/drawingml/2006/main" xmlns:r="http://schemas.openxmlformats.org/officeDocument/2006/relationships" xmlns:p="http://schemas.openxmlformats.org/presentationml/2006/main">
   <p:cSld>
     <p:spTree>
       <p:nvGrpSpPr>
-        <p:cNvPr id="193" name="Shape 193"/>
+        <p:cNvPr id="1" name="Shape 193"/>
         <p:cNvGrpSpPr/>
         <p:nvPr/>
       </p:nvGrpSpPr>
@@ -9763,7 +10179,9 @@
       <p:sp>
         <p:nvSpPr>
           <p:cNvPr id="194" name="Shape 194"/>
-          <p:cNvSpPr txBox="1"/>
+          <p:cNvSpPr txBox="1">
+            <a:spLocks noGrp="1"/>
+          </p:cNvSpPr>
           <p:nvPr>
             <p:ph type="title"/>
           </p:nvPr>
@@ -9778,7 +10196,7 @@
           </a:prstGeom>
         </p:spPr>
         <p:txBody>
-          <a:bodyPr anchorCtr="0" anchor="t" bIns="91425" lIns="91425" rIns="91425" tIns="91425">
+          <a:bodyPr lIns="91425" tIns="91425" rIns="91425" bIns="91425" anchor="t" anchorCtr="0">
             <a:noAutofit/>
           </a:bodyPr>
           <a:lstStyle/>
@@ -9801,9 +10219,6 @@
               </a:spcBef>
               <a:buNone/>
             </a:pPr>
-            <a:r>
-              <a:t/>
-            </a:r>
             <a:endParaRPr/>
           </a:p>
         </p:txBody>
@@ -9811,9 +10226,11 @@
       <p:sp>
         <p:nvSpPr>
           <p:cNvPr id="195" name="Shape 195"/>
-          <p:cNvSpPr txBox="1"/>
-          <p:nvPr>
-            <p:ph idx="1" type="body"/>
+          <p:cNvSpPr txBox="1">
+            <a:spLocks noGrp="1"/>
+          </p:cNvSpPr>
+          <p:nvPr>
+            <p:ph type="body" idx="1"/>
           </p:nvPr>
         </p:nvSpPr>
         <p:spPr>
@@ -9826,12 +10243,12 @@
           </a:prstGeom>
         </p:spPr>
         <p:txBody>
-          <a:bodyPr anchorCtr="0" anchor="t" bIns="91425" lIns="91425" rIns="91425" tIns="91425">
+          <a:bodyPr lIns="91425" tIns="91425" rIns="91425" bIns="91425" anchor="t" anchorCtr="0">
             <a:noAutofit/>
           </a:bodyPr>
           <a:lstStyle/>
           <a:p>
-            <a:pPr indent="-381000" lvl="0" marL="457200" rtl="0">
+            <a:pPr marL="457200" lvl="0" indent="-381000" rtl="0">
               <a:spcBef>
                 <a:spcPts val="300"/>
               </a:spcBef>
@@ -9867,9 +10284,6 @@
               </a:spcAft>
               <a:buNone/>
             </a:pPr>
-            <a:r>
-              <a:t/>
-            </a:r>
             <a:endParaRPr sz="2400">
               <a:solidFill>
                 <a:srgbClr val="000000"/>
@@ -9881,7 +10295,7 @@
             </a:endParaRPr>
           </a:p>
           <a:p>
-            <a:pPr indent="-381000" lvl="0" marL="457200" rtl="0">
+            <a:pPr marL="457200" lvl="0" indent="-381000" rtl="0">
               <a:spcBef>
                 <a:spcPts val="0"/>
               </a:spcBef>
@@ -9917,9 +10331,6 @@
               </a:spcAft>
               <a:buNone/>
             </a:pPr>
-            <a:r>
-              <a:t/>
-            </a:r>
             <a:endParaRPr sz="2400">
               <a:solidFill>
                 <a:srgbClr val="000000"/>
@@ -9931,7 +10342,7 @@
             </a:endParaRPr>
           </a:p>
           <a:p>
-            <a:pPr indent="457200" lvl="0" marL="457200" rtl="0">
+            <a:pPr marL="457200" lvl="0" indent="457200" rtl="0">
               <a:spcBef>
                 <a:spcPts val="300"/>
               </a:spcBef>
@@ -9963,9 +10374,6 @@
               </a:spcAft>
               <a:buNone/>
             </a:pPr>
-            <a:r>
-              <a:t/>
-            </a:r>
             <a:endParaRPr sz="2400">
               <a:solidFill>
                 <a:srgbClr val="000000"/>
@@ -10043,11 +10451,11 @@
 </file>
 
 <file path=ppt/slides/slide23.xml><?xml version="1.0" encoding="utf-8"?>
-<p:sld xmlns:a="http://schemas.openxmlformats.org/drawingml/2006/main" xmlns:r="http://schemas.openxmlformats.org/officeDocument/2006/relationships" xmlns:mc="http://schemas.openxmlformats.org/markup-compatibility/2006" xmlns:mv="urn:schemas-microsoft-com:mac:vml" xmlns:p="http://schemas.openxmlformats.org/presentationml/2006/main" xmlns:c="http://schemas.openxmlformats.org/drawingml/2006/chart" xmlns:dgm="http://schemas.openxmlformats.org/drawingml/2006/diagram" xmlns:o="urn:schemas-microsoft-com:office:office" xmlns:v="urn:schemas-microsoft-com:vml" xmlns:pvml="urn:schemas-microsoft-com:office:powerpoint" xmlns:com="http://schemas.openxmlformats.org/drawingml/2006/compatibility" xmlns:p14="http://schemas.microsoft.com/office/powerpoint/2010/main">
+<p:sld xmlns:a="http://schemas.openxmlformats.org/drawingml/2006/main" xmlns:r="http://schemas.openxmlformats.org/officeDocument/2006/relationships" xmlns:p="http://schemas.openxmlformats.org/presentationml/2006/main">
   <p:cSld>
     <p:spTree>
       <p:nvGrpSpPr>
-        <p:cNvPr id="201" name="Shape 201"/>
+        <p:cNvPr id="1" name="Shape 201"/>
         <p:cNvGrpSpPr/>
         <p:nvPr/>
       </p:nvGrpSpPr>
@@ -10062,7 +10470,9 @@
       <p:sp>
         <p:nvSpPr>
           <p:cNvPr id="202" name="Shape 202"/>
-          <p:cNvSpPr txBox="1"/>
+          <p:cNvSpPr txBox="1">
+            <a:spLocks noGrp="1"/>
+          </p:cNvSpPr>
           <p:nvPr>
             <p:ph type="title"/>
           </p:nvPr>
@@ -10077,7 +10487,7 @@
           </a:prstGeom>
         </p:spPr>
         <p:txBody>
-          <a:bodyPr anchorCtr="0" anchor="t" bIns="91425" lIns="91425" rIns="91425" tIns="91425">
+          <a:bodyPr lIns="91425" tIns="91425" rIns="91425" bIns="91425" anchor="t" anchorCtr="0">
             <a:noAutofit/>
           </a:bodyPr>
           <a:lstStyle/>
@@ -10098,9 +10508,11 @@
       <p:sp>
         <p:nvSpPr>
           <p:cNvPr id="203" name="Shape 203"/>
-          <p:cNvSpPr txBox="1"/>
-          <p:nvPr>
-            <p:ph idx="1" type="body"/>
+          <p:cNvSpPr txBox="1">
+            <a:spLocks noGrp="1"/>
+          </p:cNvSpPr>
+          <p:nvPr>
+            <p:ph type="body" idx="1"/>
           </p:nvPr>
         </p:nvSpPr>
         <p:spPr>
@@ -10113,19 +10525,19 @@
           </a:prstGeom>
         </p:spPr>
         <p:txBody>
-          <a:bodyPr anchorCtr="0" anchor="t" bIns="91425" lIns="91425" rIns="91425" tIns="91425">
+          <a:bodyPr lIns="91425" tIns="91425" rIns="91425" bIns="91425" anchor="t" anchorCtr="0">
             <a:noAutofit/>
           </a:bodyPr>
           <a:lstStyle/>
           <a:p>
-            <a:pPr indent="-228600" lvl="0" marL="457200" rtl="0">
+            <a:pPr marL="457200" lvl="0" indent="-228600" rtl="0">
               <a:spcBef>
                 <a:spcPts val="0"/>
               </a:spcBef>
             </a:pPr>
             <a:r>
               <a:rPr lang="en"/>
-              <a:t>The final score is calculated on the basis of distance between the ground truth and predicted </a:t>
+              <a:t>The final score is calculated on the basis of distance between the ground truth and predicted cluster descriptor</a:t>
             </a:r>
           </a:p>
           <a:p>
@@ -10135,39 +10547,32 @@
               </a:spcBef>
               <a:buNone/>
             </a:pPr>
-            <a:r>
-              <a:t/>
-            </a:r>
-            <a:endParaRPr/>
+            <a:endParaRPr dirty="0"/>
           </a:p>
         </p:txBody>
       </p:sp>
       <p:pic>
         <p:nvPicPr>
-          <p:cNvPr id="204" name="Shape 204"/>
-          <p:cNvPicPr preferRelativeResize="0"/>
+          <p:cNvPr id="2" name="Picture 1"/>
+          <p:cNvPicPr>
+            <a:picLocks noChangeAspect="1"/>
+          </p:cNvPicPr>
           <p:nvPr/>
         </p:nvPicPr>
         <p:blipFill>
-          <a:blip r:embed="rId3">
-            <a:alphaModFix/>
-          </a:blip>
+          <a:blip r:embed="rId3"/>
           <a:stretch>
             <a:fillRect/>
           </a:stretch>
         </p:blipFill>
         <p:spPr>
           <a:xfrm>
-            <a:off x="2131475" y="2018525"/>
-            <a:ext cx="5185224" cy="2550349"/>
-          </a:xfrm>
-          <a:prstGeom prst="rect">
-            <a:avLst/>
-          </a:prstGeom>
-          <a:noFill/>
-          <a:ln>
-            <a:noFill/>
-          </a:ln>
+            <a:off x="1358536" y="1861299"/>
+            <a:ext cx="6745659" cy="2999348"/>
+          </a:xfrm>
+          <a:prstGeom prst="rect">
+            <a:avLst/>
+          </a:prstGeom>
         </p:spPr>
       </p:pic>
     </p:spTree>
@@ -10179,11 +10584,11 @@
 </file>
 
 <file path=ppt/slides/slide24.xml><?xml version="1.0" encoding="utf-8"?>
-<p:sld xmlns:a="http://schemas.openxmlformats.org/drawingml/2006/main" xmlns:r="http://schemas.openxmlformats.org/officeDocument/2006/relationships" xmlns:mc="http://schemas.openxmlformats.org/markup-compatibility/2006" xmlns:mv="urn:schemas-microsoft-com:mac:vml" xmlns:p="http://schemas.openxmlformats.org/presentationml/2006/main" xmlns:c="http://schemas.openxmlformats.org/drawingml/2006/chart" xmlns:dgm="http://schemas.openxmlformats.org/drawingml/2006/diagram" xmlns:o="urn:schemas-microsoft-com:office:office" xmlns:v="urn:schemas-microsoft-com:vml" xmlns:pvml="urn:schemas-microsoft-com:office:powerpoint" xmlns:com="http://schemas.openxmlformats.org/drawingml/2006/compatibility" xmlns:p14="http://schemas.microsoft.com/office/powerpoint/2010/main">
+<p:sld xmlns:a="http://schemas.openxmlformats.org/drawingml/2006/main" xmlns:r="http://schemas.openxmlformats.org/officeDocument/2006/relationships" xmlns:p="http://schemas.openxmlformats.org/presentationml/2006/main">
   <p:cSld>
     <p:spTree>
       <p:nvGrpSpPr>
-        <p:cNvPr id="208" name="Shape 208"/>
+        <p:cNvPr id="1" name="Shape 208"/>
         <p:cNvGrpSpPr/>
         <p:nvPr/>
       </p:nvGrpSpPr>
@@ -10198,7 +10603,9 @@
       <p:sp>
         <p:nvSpPr>
           <p:cNvPr id="209" name="Shape 209"/>
-          <p:cNvSpPr txBox="1"/>
+          <p:cNvSpPr txBox="1">
+            <a:spLocks noGrp="1"/>
+          </p:cNvSpPr>
           <p:nvPr>
             <p:ph type="title"/>
           </p:nvPr>
@@ -10213,7 +10620,7 @@
           </a:prstGeom>
         </p:spPr>
         <p:txBody>
-          <a:bodyPr anchorCtr="0" anchor="t" bIns="91425" lIns="91425" rIns="91425" tIns="91425">
+          <a:bodyPr lIns="91425" tIns="91425" rIns="91425" bIns="91425" anchor="t" anchorCtr="0">
             <a:noAutofit/>
           </a:bodyPr>
           <a:lstStyle/>
@@ -10234,9 +10641,11 @@
       <p:sp>
         <p:nvSpPr>
           <p:cNvPr id="210" name="Shape 210"/>
-          <p:cNvSpPr txBox="1"/>
-          <p:nvPr>
-            <p:ph idx="1" type="body"/>
+          <p:cNvSpPr txBox="1">
+            <a:spLocks noGrp="1"/>
+          </p:cNvSpPr>
+          <p:nvPr>
+            <p:ph type="body" idx="1"/>
           </p:nvPr>
         </p:nvSpPr>
         <p:spPr>
@@ -10249,7 +10658,7 @@
           </a:prstGeom>
         </p:spPr>
         <p:txBody>
-          <a:bodyPr anchorCtr="0" anchor="t" bIns="91425" lIns="91425" rIns="91425" tIns="91425">
+          <a:bodyPr lIns="91425" tIns="91425" rIns="91425" bIns="91425" anchor="t" anchorCtr="0">
             <a:noAutofit/>
           </a:bodyPr>
           <a:lstStyle/>
@@ -10260,9 +10669,6 @@
               </a:spcBef>
               <a:buNone/>
             </a:pPr>
-            <a:r>
-              <a:t/>
-            </a:r>
             <a:endParaRPr/>
           </a:p>
         </p:txBody>
@@ -10304,11 +10710,11 @@
 </file>
 
 <file path=ppt/slides/slide25.xml><?xml version="1.0" encoding="utf-8"?>
-<p:sld xmlns:a="http://schemas.openxmlformats.org/drawingml/2006/main" xmlns:r="http://schemas.openxmlformats.org/officeDocument/2006/relationships" xmlns:mc="http://schemas.openxmlformats.org/markup-compatibility/2006" xmlns:mv="urn:schemas-microsoft-com:mac:vml" xmlns:p="http://schemas.openxmlformats.org/presentationml/2006/main" xmlns:c="http://schemas.openxmlformats.org/drawingml/2006/chart" xmlns:dgm="http://schemas.openxmlformats.org/drawingml/2006/diagram" xmlns:o="urn:schemas-microsoft-com:office:office" xmlns:v="urn:schemas-microsoft-com:vml" xmlns:pvml="urn:schemas-microsoft-com:office:powerpoint" xmlns:com="http://schemas.openxmlformats.org/drawingml/2006/compatibility" xmlns:p14="http://schemas.microsoft.com/office/powerpoint/2010/main">
+<p:sld xmlns:a="http://schemas.openxmlformats.org/drawingml/2006/main" xmlns:r="http://schemas.openxmlformats.org/officeDocument/2006/relationships" xmlns:p="http://schemas.openxmlformats.org/presentationml/2006/main">
   <p:cSld>
     <p:spTree>
       <p:nvGrpSpPr>
-        <p:cNvPr id="215" name="Shape 215"/>
+        <p:cNvPr id="1" name="Shape 215"/>
         <p:cNvGrpSpPr/>
         <p:nvPr/>
       </p:nvGrpSpPr>
@@ -10323,7 +10729,9 @@
       <p:sp>
         <p:nvSpPr>
           <p:cNvPr id="216" name="Shape 216"/>
-          <p:cNvSpPr txBox="1"/>
+          <p:cNvSpPr txBox="1">
+            <a:spLocks noGrp="1"/>
+          </p:cNvSpPr>
           <p:nvPr>
             <p:ph type="title"/>
           </p:nvPr>
@@ -10338,7 +10746,7 @@
           </a:prstGeom>
         </p:spPr>
         <p:txBody>
-          <a:bodyPr anchorCtr="0" anchor="t" bIns="91425" lIns="91425" rIns="91425" tIns="91425">
+          <a:bodyPr lIns="91425" tIns="91425" rIns="91425" bIns="91425" anchor="t" anchorCtr="0">
             <a:noAutofit/>
           </a:bodyPr>
           <a:lstStyle/>
@@ -10351,25 +10759,19 @@
             </a:pPr>
             <a:r>
               <a:rPr lang="en"/>
-              <a:t>Results-II (Comparing Term </a:t>
+              <a:t>Results-II (Comparing Term Weighing)</a:t>
             </a:r>
-            <a:r>
-              <a:rPr lang="en"/>
-              <a:t>Weighing</a:t>
-            </a:r>
-            <a:r>
-              <a:rPr lang="en"/>
-              <a:t>)</a:t>
-            </a:r>
           </a:p>
         </p:txBody>
       </p:sp>
       <p:sp>
         <p:nvSpPr>
           <p:cNvPr id="217" name="Shape 217"/>
-          <p:cNvSpPr txBox="1"/>
-          <p:nvPr>
-            <p:ph idx="1" type="body"/>
+          <p:cNvSpPr txBox="1">
+            <a:spLocks noGrp="1"/>
+          </p:cNvSpPr>
+          <p:nvPr>
+            <p:ph type="body" idx="1"/>
           </p:nvPr>
         </p:nvSpPr>
         <p:spPr>
@@ -10382,7 +10784,7 @@
           </a:prstGeom>
         </p:spPr>
         <p:txBody>
-          <a:bodyPr anchorCtr="0" anchor="t" bIns="91425" lIns="91425" rIns="91425" tIns="91425">
+          <a:bodyPr lIns="91425" tIns="91425" rIns="91425" bIns="91425" anchor="t" anchorCtr="0">
             <a:noAutofit/>
           </a:bodyPr>
           <a:lstStyle/>
@@ -10393,9 +10795,6 @@
               </a:spcBef>
               <a:buNone/>
             </a:pPr>
-            <a:r>
-              <a:t/>
-            </a:r>
             <a:endParaRPr/>
           </a:p>
         </p:txBody>
@@ -10437,11 +10836,11 @@
 </file>
 
 <file path=ppt/slides/slide26.xml><?xml version="1.0" encoding="utf-8"?>
-<p:sld xmlns:a="http://schemas.openxmlformats.org/drawingml/2006/main" xmlns:r="http://schemas.openxmlformats.org/officeDocument/2006/relationships" xmlns:mc="http://schemas.openxmlformats.org/markup-compatibility/2006" xmlns:mv="urn:schemas-microsoft-com:mac:vml" xmlns:p="http://schemas.openxmlformats.org/presentationml/2006/main" xmlns:c="http://schemas.openxmlformats.org/drawingml/2006/chart" xmlns:dgm="http://schemas.openxmlformats.org/drawingml/2006/diagram" xmlns:o="urn:schemas-microsoft-com:office:office" xmlns:v="urn:schemas-microsoft-com:vml" xmlns:pvml="urn:schemas-microsoft-com:office:powerpoint" xmlns:com="http://schemas.openxmlformats.org/drawingml/2006/compatibility" xmlns:p14="http://schemas.microsoft.com/office/powerpoint/2010/main">
+<p:sld xmlns:a="http://schemas.openxmlformats.org/drawingml/2006/main" xmlns:r="http://schemas.openxmlformats.org/officeDocument/2006/relationships" xmlns:p="http://schemas.openxmlformats.org/presentationml/2006/main">
   <p:cSld>
     <p:spTree>
       <p:nvGrpSpPr>
-        <p:cNvPr id="222" name="Shape 222"/>
+        <p:cNvPr id="1" name="Shape 222"/>
         <p:cNvGrpSpPr/>
         <p:nvPr/>
       </p:nvGrpSpPr>
@@ -10456,7 +10855,9 @@
       <p:sp>
         <p:nvSpPr>
           <p:cNvPr id="223" name="Shape 223"/>
-          <p:cNvSpPr txBox="1"/>
+          <p:cNvSpPr txBox="1">
+            <a:spLocks noGrp="1"/>
+          </p:cNvSpPr>
           <p:nvPr>
             <p:ph type="title"/>
           </p:nvPr>
@@ -10471,7 +10872,7 @@
           </a:prstGeom>
         </p:spPr>
         <p:txBody>
-          <a:bodyPr anchorCtr="0" anchor="t" bIns="91425" lIns="91425" rIns="91425" tIns="91425">
+          <a:bodyPr lIns="91425" tIns="91425" rIns="91425" bIns="91425" anchor="t" anchorCtr="0">
             <a:noAutofit/>
           </a:bodyPr>
           <a:lstStyle/>
@@ -10492,9 +10893,11 @@
       <p:sp>
         <p:nvSpPr>
           <p:cNvPr id="224" name="Shape 224"/>
-          <p:cNvSpPr txBox="1"/>
-          <p:nvPr>
-            <p:ph idx="1" type="body"/>
+          <p:cNvSpPr txBox="1">
+            <a:spLocks noGrp="1"/>
+          </p:cNvSpPr>
+          <p:nvPr>
+            <p:ph type="body" idx="1"/>
           </p:nvPr>
         </p:nvSpPr>
         <p:spPr>
@@ -10507,7 +10910,7 @@
           </a:prstGeom>
         </p:spPr>
         <p:txBody>
-          <a:bodyPr anchorCtr="0" anchor="t" bIns="91425" lIns="91425" rIns="91425" tIns="91425">
+          <a:bodyPr lIns="91425" tIns="91425" rIns="91425" bIns="91425" anchor="t" anchorCtr="0">
             <a:noAutofit/>
           </a:bodyPr>
           <a:lstStyle/>
@@ -10518,9 +10921,6 @@
               </a:spcBef>
               <a:buNone/>
             </a:pPr>
-            <a:r>
-              <a:t/>
-            </a:r>
             <a:endParaRPr/>
           </a:p>
         </p:txBody>
@@ -10562,11 +10962,11 @@
 </file>
 
 <file path=ppt/slides/slide27.xml><?xml version="1.0" encoding="utf-8"?>
-<p:sld xmlns:a="http://schemas.openxmlformats.org/drawingml/2006/main" xmlns:r="http://schemas.openxmlformats.org/officeDocument/2006/relationships" xmlns:mc="http://schemas.openxmlformats.org/markup-compatibility/2006" xmlns:mv="urn:schemas-microsoft-com:mac:vml" xmlns:p="http://schemas.openxmlformats.org/presentationml/2006/main" xmlns:c="http://schemas.openxmlformats.org/drawingml/2006/chart" xmlns:dgm="http://schemas.openxmlformats.org/drawingml/2006/diagram" xmlns:o="urn:schemas-microsoft-com:office:office" xmlns:v="urn:schemas-microsoft-com:vml" xmlns:pvml="urn:schemas-microsoft-com:office:powerpoint" xmlns:com="http://schemas.openxmlformats.org/drawingml/2006/compatibility" xmlns:p14="http://schemas.microsoft.com/office/powerpoint/2010/main">
+<p:sld xmlns:a="http://schemas.openxmlformats.org/drawingml/2006/main" xmlns:r="http://schemas.openxmlformats.org/officeDocument/2006/relationships" xmlns:p="http://schemas.openxmlformats.org/presentationml/2006/main">
   <p:cSld>
     <p:spTree>
       <p:nvGrpSpPr>
-        <p:cNvPr id="229" name="Shape 229"/>
+        <p:cNvPr id="1" name="Shape 229"/>
         <p:cNvGrpSpPr/>
         <p:nvPr/>
       </p:nvGrpSpPr>
@@ -10581,7 +10981,9 @@
       <p:sp>
         <p:nvSpPr>
           <p:cNvPr id="230" name="Shape 230"/>
-          <p:cNvSpPr txBox="1"/>
+          <p:cNvSpPr txBox="1">
+            <a:spLocks noGrp="1"/>
+          </p:cNvSpPr>
           <p:nvPr>
             <p:ph type="title"/>
           </p:nvPr>
@@ -10596,7 +10998,7 @@
           </a:prstGeom>
         </p:spPr>
         <p:txBody>
-          <a:bodyPr anchorCtr="0" anchor="t" bIns="91425" lIns="91425" rIns="91425" tIns="91425">
+          <a:bodyPr lIns="91425" tIns="91425" rIns="91425" bIns="91425" anchor="t" anchorCtr="0">
             <a:noAutofit/>
           </a:bodyPr>
           <a:lstStyle/>
@@ -10617,9 +11019,11 @@
       <p:sp>
         <p:nvSpPr>
           <p:cNvPr id="231" name="Shape 231"/>
-          <p:cNvSpPr txBox="1"/>
-          <p:nvPr>
-            <p:ph idx="1" type="body"/>
+          <p:cNvSpPr txBox="1">
+            <a:spLocks noGrp="1"/>
+          </p:cNvSpPr>
+          <p:nvPr>
+            <p:ph type="body" idx="1"/>
           </p:nvPr>
         </p:nvSpPr>
         <p:spPr>
@@ -10632,7 +11036,7 @@
           </a:prstGeom>
         </p:spPr>
         <p:txBody>
-          <a:bodyPr anchorCtr="0" anchor="t" bIns="91425" lIns="91425" rIns="91425" tIns="91425">
+          <a:bodyPr lIns="91425" tIns="91425" rIns="91425" bIns="91425" anchor="t" anchorCtr="0">
             <a:noAutofit/>
           </a:bodyPr>
           <a:lstStyle/>
@@ -10643,9 +11047,6 @@
               </a:spcBef>
               <a:buNone/>
             </a:pPr>
-            <a:r>
-              <a:t/>
-            </a:r>
             <a:endParaRPr/>
           </a:p>
         </p:txBody>
@@ -10687,11 +11088,11 @@
 </file>
 
 <file path=ppt/slides/slide28.xml><?xml version="1.0" encoding="utf-8"?>
-<p:sld xmlns:a="http://schemas.openxmlformats.org/drawingml/2006/main" xmlns:r="http://schemas.openxmlformats.org/officeDocument/2006/relationships" xmlns:mc="http://schemas.openxmlformats.org/markup-compatibility/2006" xmlns:mv="urn:schemas-microsoft-com:mac:vml" xmlns:p="http://schemas.openxmlformats.org/presentationml/2006/main" xmlns:c="http://schemas.openxmlformats.org/drawingml/2006/chart" xmlns:dgm="http://schemas.openxmlformats.org/drawingml/2006/diagram" xmlns:o="urn:schemas-microsoft-com:office:office" xmlns:v="urn:schemas-microsoft-com:vml" xmlns:pvml="urn:schemas-microsoft-com:office:powerpoint" xmlns:com="http://schemas.openxmlformats.org/drawingml/2006/compatibility" xmlns:p14="http://schemas.microsoft.com/office/powerpoint/2010/main">
+<p:sld xmlns:a="http://schemas.openxmlformats.org/drawingml/2006/main" xmlns:r="http://schemas.openxmlformats.org/officeDocument/2006/relationships" xmlns:p="http://schemas.openxmlformats.org/presentationml/2006/main">
   <p:cSld>
     <p:spTree>
       <p:nvGrpSpPr>
-        <p:cNvPr id="236" name="Shape 236"/>
+        <p:cNvPr id="1" name="Shape 236"/>
         <p:cNvGrpSpPr/>
         <p:nvPr/>
       </p:nvGrpSpPr>
@@ -10706,7 +11107,9 @@
       <p:sp>
         <p:nvSpPr>
           <p:cNvPr id="237" name="Shape 237"/>
-          <p:cNvSpPr txBox="1"/>
+          <p:cNvSpPr txBox="1">
+            <a:spLocks noGrp="1"/>
+          </p:cNvSpPr>
           <p:nvPr>
             <p:ph type="title"/>
           </p:nvPr>
@@ -10721,7 +11124,7 @@
           </a:prstGeom>
         </p:spPr>
         <p:txBody>
-          <a:bodyPr anchorCtr="0" anchor="t" bIns="91425" lIns="91425" rIns="91425" tIns="91425">
+          <a:bodyPr lIns="91425" tIns="91425" rIns="91425" bIns="91425" anchor="t" anchorCtr="0">
             <a:noAutofit/>
           </a:bodyPr>
           <a:lstStyle/>
@@ -10742,9 +11145,11 @@
       <p:sp>
         <p:nvSpPr>
           <p:cNvPr id="238" name="Shape 238"/>
-          <p:cNvSpPr txBox="1"/>
-          <p:nvPr>
-            <p:ph idx="1" type="body"/>
+          <p:cNvSpPr txBox="1">
+            <a:spLocks noGrp="1"/>
+          </p:cNvSpPr>
+          <p:nvPr>
+            <p:ph type="body" idx="1"/>
           </p:nvPr>
         </p:nvSpPr>
         <p:spPr>
@@ -10757,7 +11162,7 @@
           </a:prstGeom>
         </p:spPr>
         <p:txBody>
-          <a:bodyPr anchorCtr="0" anchor="t" bIns="91425" lIns="91425" rIns="91425" tIns="91425">
+          <a:bodyPr lIns="91425" tIns="91425" rIns="91425" bIns="91425" anchor="t" anchorCtr="0">
             <a:noAutofit/>
           </a:bodyPr>
           <a:lstStyle/>
@@ -10768,9 +11173,6 @@
               </a:spcBef>
               <a:buNone/>
             </a:pPr>
-            <a:r>
-              <a:t/>
-            </a:r>
             <a:endParaRPr/>
           </a:p>
         </p:txBody>
@@ -10812,11 +11214,11 @@
 </file>
 
 <file path=ppt/slides/slide29.xml><?xml version="1.0" encoding="utf-8"?>
-<p:sld xmlns:a="http://schemas.openxmlformats.org/drawingml/2006/main" xmlns:r="http://schemas.openxmlformats.org/officeDocument/2006/relationships" xmlns:mc="http://schemas.openxmlformats.org/markup-compatibility/2006" xmlns:mv="urn:schemas-microsoft-com:mac:vml" xmlns:p="http://schemas.openxmlformats.org/presentationml/2006/main" xmlns:c="http://schemas.openxmlformats.org/drawingml/2006/chart" xmlns:dgm="http://schemas.openxmlformats.org/drawingml/2006/diagram" xmlns:o="urn:schemas-microsoft-com:office:office" xmlns:v="urn:schemas-microsoft-com:vml" xmlns:pvml="urn:schemas-microsoft-com:office:powerpoint" xmlns:com="http://schemas.openxmlformats.org/drawingml/2006/compatibility" xmlns:p14="http://schemas.microsoft.com/office/powerpoint/2010/main">
+<p:sld xmlns:a="http://schemas.openxmlformats.org/drawingml/2006/main" xmlns:r="http://schemas.openxmlformats.org/officeDocument/2006/relationships" xmlns:p="http://schemas.openxmlformats.org/presentationml/2006/main">
   <p:cSld>
     <p:spTree>
       <p:nvGrpSpPr>
-        <p:cNvPr id="243" name="Shape 243"/>
+        <p:cNvPr id="1" name="Shape 243"/>
         <p:cNvGrpSpPr/>
         <p:nvPr/>
       </p:nvGrpSpPr>
@@ -10831,7 +11233,9 @@
       <p:sp>
         <p:nvSpPr>
           <p:cNvPr id="244" name="Shape 244"/>
-          <p:cNvSpPr txBox="1"/>
+          <p:cNvSpPr txBox="1">
+            <a:spLocks noGrp="1"/>
+          </p:cNvSpPr>
           <p:nvPr>
             <p:ph type="title"/>
           </p:nvPr>
@@ -10846,7 +11250,7 @@
           </a:prstGeom>
         </p:spPr>
         <p:txBody>
-          <a:bodyPr anchorCtr="0" anchor="t" bIns="91425" lIns="91425" rIns="91425" tIns="91425">
+          <a:bodyPr lIns="91425" tIns="91425" rIns="91425" bIns="91425" anchor="t" anchorCtr="0">
             <a:noAutofit/>
           </a:bodyPr>
           <a:lstStyle/>
@@ -10867,9 +11271,11 @@
       <p:sp>
         <p:nvSpPr>
           <p:cNvPr id="245" name="Shape 245"/>
-          <p:cNvSpPr txBox="1"/>
-          <p:nvPr>
-            <p:ph idx="1" type="body"/>
+          <p:cNvSpPr txBox="1">
+            <a:spLocks noGrp="1"/>
+          </p:cNvSpPr>
+          <p:nvPr>
+            <p:ph type="body" idx="1"/>
           </p:nvPr>
         </p:nvSpPr>
         <p:spPr>
@@ -10882,12 +11288,12 @@
           </a:prstGeom>
         </p:spPr>
         <p:txBody>
-          <a:bodyPr anchorCtr="0" anchor="t" bIns="91425" lIns="91425" rIns="91425" tIns="91425">
+          <a:bodyPr lIns="91425" tIns="91425" rIns="91425" bIns="91425" anchor="t" anchorCtr="0">
             <a:noAutofit/>
           </a:bodyPr>
           <a:lstStyle/>
           <a:p>
-            <a:pPr indent="-381000" lvl="0" marL="457200" rtl="0">
+            <a:pPr marL="457200" lvl="0" indent="-381000" rtl="0">
               <a:spcBef>
                 <a:spcPts val="700"/>
               </a:spcBef>
@@ -10914,7 +11320,7 @@
             </a:r>
           </a:p>
           <a:p>
-            <a:pPr indent="-381000" lvl="0" marL="457200" rtl="0">
+            <a:pPr marL="457200" lvl="0" indent="-381000" rtl="0">
               <a:spcBef>
                 <a:spcPts val="700"/>
               </a:spcBef>
@@ -10941,7 +11347,7 @@
             </a:r>
           </a:p>
           <a:p>
-            <a:pPr indent="-381000" lvl="0" marL="457200" rtl="0">
+            <a:pPr marL="457200" lvl="0" indent="-381000" rtl="0">
               <a:spcBef>
                 <a:spcPts val="700"/>
               </a:spcBef>
@@ -10968,7 +11374,7 @@
             </a:r>
           </a:p>
           <a:p>
-            <a:pPr indent="-381000" lvl="0" marL="457200" rtl="0">
+            <a:pPr marL="457200" lvl="0" indent="-381000" rtl="0">
               <a:spcBef>
                 <a:spcPts val="300"/>
               </a:spcBef>
@@ -11001,9 +11407,6 @@
               </a:spcBef>
               <a:buNone/>
             </a:pPr>
-            <a:r>
-              <a:t/>
-            </a:r>
             <a:endParaRPr sz="2400"/>
           </a:p>
         </p:txBody>
@@ -11017,11 +11420,11 @@
 </file>
 
 <file path=ppt/slides/slide3.xml><?xml version="1.0" encoding="utf-8"?>
-<p:sld xmlns:a="http://schemas.openxmlformats.org/drawingml/2006/main" xmlns:r="http://schemas.openxmlformats.org/officeDocument/2006/relationships" xmlns:mc="http://schemas.openxmlformats.org/markup-compatibility/2006" xmlns:mv="urn:schemas-microsoft-com:mac:vml" xmlns:p="http://schemas.openxmlformats.org/presentationml/2006/main" xmlns:c="http://schemas.openxmlformats.org/drawingml/2006/chart" xmlns:dgm="http://schemas.openxmlformats.org/drawingml/2006/diagram" xmlns:o="urn:schemas-microsoft-com:office:office" xmlns:v="urn:schemas-microsoft-com:vml" xmlns:pvml="urn:schemas-microsoft-com:office:powerpoint" xmlns:com="http://schemas.openxmlformats.org/drawingml/2006/compatibility" xmlns:p14="http://schemas.microsoft.com/office/powerpoint/2010/main">
+<p:sld xmlns:a="http://schemas.openxmlformats.org/drawingml/2006/main" xmlns:r="http://schemas.openxmlformats.org/officeDocument/2006/relationships" xmlns:p="http://schemas.openxmlformats.org/presentationml/2006/main">
   <p:cSld>
     <p:spTree>
       <p:nvGrpSpPr>
-        <p:cNvPr id="70" name="Shape 70"/>
+        <p:cNvPr id="1" name="Shape 70"/>
         <p:cNvGrpSpPr/>
         <p:nvPr/>
       </p:nvGrpSpPr>
@@ -11036,7 +11439,9 @@
       <p:sp>
         <p:nvSpPr>
           <p:cNvPr id="71" name="Shape 71"/>
-          <p:cNvSpPr txBox="1"/>
+          <p:cNvSpPr txBox="1">
+            <a:spLocks noGrp="1"/>
+          </p:cNvSpPr>
           <p:nvPr>
             <p:ph type="title"/>
           </p:nvPr>
@@ -11051,7 +11456,7 @@
           </a:prstGeom>
         </p:spPr>
         <p:txBody>
-          <a:bodyPr anchorCtr="0" anchor="t" bIns="91425" lIns="91425" rIns="91425" tIns="91425">
+          <a:bodyPr lIns="91425" tIns="91425" rIns="91425" bIns="91425" anchor="t" anchorCtr="0">
             <a:noAutofit/>
           </a:bodyPr>
           <a:lstStyle/>
@@ -11072,9 +11477,11 @@
       <p:sp>
         <p:nvSpPr>
           <p:cNvPr id="72" name="Shape 72"/>
-          <p:cNvSpPr txBox="1"/>
-          <p:nvPr>
-            <p:ph idx="1" type="body"/>
+          <p:cNvSpPr txBox="1">
+            <a:spLocks noGrp="1"/>
+          </p:cNvSpPr>
+          <p:nvPr>
+            <p:ph type="body" idx="1"/>
           </p:nvPr>
         </p:nvSpPr>
         <p:spPr>
@@ -11087,12 +11494,12 @@
           </a:prstGeom>
         </p:spPr>
         <p:txBody>
-          <a:bodyPr anchorCtr="0" anchor="t" bIns="91425" lIns="91425" rIns="91425" tIns="91425">
+          <a:bodyPr lIns="91425" tIns="91425" rIns="91425" bIns="91425" anchor="t" anchorCtr="0">
             <a:noAutofit/>
           </a:bodyPr>
           <a:lstStyle/>
           <a:p>
-            <a:pPr indent="-381000" lvl="0" marL="457200" rtl="0">
+            <a:pPr marL="457200" lvl="0" indent="-381000" rtl="0">
               <a:spcBef>
                 <a:spcPts val="300"/>
               </a:spcBef>
@@ -11120,7 +11527,7 @@
             </a:r>
           </a:p>
           <a:p>
-            <a:pPr indent="-381000" lvl="0" marL="457200" rtl="0">
+            <a:pPr marL="457200" lvl="0" indent="-381000" rtl="0">
               <a:spcBef>
                 <a:spcPts val="0"/>
               </a:spcBef>
@@ -11145,7 +11552,7 @@
             </a:r>
           </a:p>
           <a:p>
-            <a:pPr indent="-381000" lvl="0" marL="457200" rtl="0">
+            <a:pPr marL="457200" lvl="0" indent="-381000" rtl="0">
               <a:spcBef>
                 <a:spcPts val="0"/>
               </a:spcBef>
@@ -11176,9 +11583,6 @@
               </a:spcBef>
               <a:buNone/>
             </a:pPr>
-            <a:r>
-              <a:t/>
-            </a:r>
             <a:endParaRPr sz="2400">
               <a:solidFill>
                 <a:srgbClr val="000000"/>
@@ -11200,11 +11604,11 @@
 </file>
 
 <file path=ppt/slides/slide4.xml><?xml version="1.0" encoding="utf-8"?>
-<p:sld xmlns:a="http://schemas.openxmlformats.org/drawingml/2006/main" xmlns:r="http://schemas.openxmlformats.org/officeDocument/2006/relationships" xmlns:mc="http://schemas.openxmlformats.org/markup-compatibility/2006" xmlns:mv="urn:schemas-microsoft-com:mac:vml" xmlns:p="http://schemas.openxmlformats.org/presentationml/2006/main" xmlns:c="http://schemas.openxmlformats.org/drawingml/2006/chart" xmlns:dgm="http://schemas.openxmlformats.org/drawingml/2006/diagram" xmlns:o="urn:schemas-microsoft-com:office:office" xmlns:v="urn:schemas-microsoft-com:vml" xmlns:pvml="urn:schemas-microsoft-com:office:powerpoint" xmlns:com="http://schemas.openxmlformats.org/drawingml/2006/compatibility" xmlns:p14="http://schemas.microsoft.com/office/powerpoint/2010/main">
+<p:sld xmlns:a="http://schemas.openxmlformats.org/drawingml/2006/main" xmlns:r="http://schemas.openxmlformats.org/officeDocument/2006/relationships" xmlns:p="http://schemas.openxmlformats.org/presentationml/2006/main">
   <p:cSld>
     <p:spTree>
       <p:nvGrpSpPr>
-        <p:cNvPr id="76" name="Shape 76"/>
+        <p:cNvPr id="1" name="Shape 76"/>
         <p:cNvGrpSpPr/>
         <p:nvPr/>
       </p:nvGrpSpPr>
@@ -11219,7 +11623,9 @@
       <p:sp>
         <p:nvSpPr>
           <p:cNvPr id="77" name="Shape 77"/>
-          <p:cNvSpPr txBox="1"/>
+          <p:cNvSpPr txBox="1">
+            <a:spLocks noGrp="1"/>
+          </p:cNvSpPr>
           <p:nvPr>
             <p:ph type="title"/>
           </p:nvPr>
@@ -11234,7 +11640,7 @@
           </a:prstGeom>
         </p:spPr>
         <p:txBody>
-          <a:bodyPr anchorCtr="0" anchor="t" bIns="91425" lIns="91425" rIns="91425" tIns="91425">
+          <a:bodyPr lIns="91425" tIns="91425" rIns="91425" bIns="91425" anchor="t" anchorCtr="0">
             <a:noAutofit/>
           </a:bodyPr>
           <a:lstStyle/>
@@ -11255,9 +11661,11 @@
       <p:sp>
         <p:nvSpPr>
           <p:cNvPr id="78" name="Shape 78"/>
-          <p:cNvSpPr txBox="1"/>
-          <p:nvPr>
-            <p:ph idx="1" type="body"/>
+          <p:cNvSpPr txBox="1">
+            <a:spLocks noGrp="1"/>
+          </p:cNvSpPr>
+          <p:nvPr>
+            <p:ph type="body" idx="1"/>
           </p:nvPr>
         </p:nvSpPr>
         <p:spPr>
@@ -11270,12 +11678,12 @@
           </a:prstGeom>
         </p:spPr>
         <p:txBody>
-          <a:bodyPr anchorCtr="0" anchor="t" bIns="91425" lIns="91425" rIns="91425" tIns="91425">
+          <a:bodyPr lIns="91425" tIns="91425" rIns="91425" bIns="91425" anchor="t" anchorCtr="0">
             <a:noAutofit/>
           </a:bodyPr>
           <a:lstStyle/>
           <a:p>
-            <a:pPr indent="-381000" lvl="0" marL="457200" rtl="0">
+            <a:pPr marL="457200" lvl="0" indent="-381000" rtl="0">
               <a:spcBef>
                 <a:spcPts val="300"/>
               </a:spcBef>
@@ -11303,7 +11711,7 @@
             </a:r>
           </a:p>
           <a:p>
-            <a:pPr indent="-381000" lvl="0" marL="457200" rtl="0">
+            <a:pPr marL="457200" lvl="0" indent="-381000" rtl="0">
               <a:spcBef>
                 <a:spcPts val="300"/>
               </a:spcBef>
@@ -11340,9 +11748,6 @@
               </a:spcAft>
               <a:buNone/>
             </a:pPr>
-            <a:r>
-              <a:t/>
-            </a:r>
             <a:endParaRPr sz="2400">
               <a:solidFill>
                 <a:srgbClr val="000000"/>
@@ -11360,9 +11765,6 @@
               </a:spcBef>
               <a:buNone/>
             </a:pPr>
-            <a:r>
-              <a:t/>
-            </a:r>
             <a:endParaRPr sz="2400"/>
           </a:p>
         </p:txBody>
@@ -11376,11 +11778,11 @@
 </file>
 
 <file path=ppt/slides/slide5.xml><?xml version="1.0" encoding="utf-8"?>
-<p:sld xmlns:a="http://schemas.openxmlformats.org/drawingml/2006/main" xmlns:r="http://schemas.openxmlformats.org/officeDocument/2006/relationships" xmlns:mc="http://schemas.openxmlformats.org/markup-compatibility/2006" xmlns:mv="urn:schemas-microsoft-com:mac:vml" xmlns:p="http://schemas.openxmlformats.org/presentationml/2006/main" xmlns:c="http://schemas.openxmlformats.org/drawingml/2006/chart" xmlns:dgm="http://schemas.openxmlformats.org/drawingml/2006/diagram" xmlns:o="urn:schemas-microsoft-com:office:office" xmlns:v="urn:schemas-microsoft-com:vml" xmlns:pvml="urn:schemas-microsoft-com:office:powerpoint" xmlns:com="http://schemas.openxmlformats.org/drawingml/2006/compatibility" xmlns:p14="http://schemas.microsoft.com/office/powerpoint/2010/main">
+<p:sld xmlns:a="http://schemas.openxmlformats.org/drawingml/2006/main" xmlns:r="http://schemas.openxmlformats.org/officeDocument/2006/relationships" xmlns:p="http://schemas.openxmlformats.org/presentationml/2006/main">
   <p:cSld>
     <p:spTree>
       <p:nvGrpSpPr>
-        <p:cNvPr id="82" name="Shape 82"/>
+        <p:cNvPr id="1" name="Shape 82"/>
         <p:cNvGrpSpPr/>
         <p:nvPr/>
       </p:nvGrpSpPr>
@@ -11395,7 +11797,9 @@
       <p:sp>
         <p:nvSpPr>
           <p:cNvPr id="83" name="Shape 83"/>
-          <p:cNvSpPr txBox="1"/>
+          <p:cNvSpPr txBox="1">
+            <a:spLocks noGrp="1"/>
+          </p:cNvSpPr>
           <p:nvPr>
             <p:ph type="title"/>
           </p:nvPr>
@@ -11410,7 +11814,7 @@
           </a:prstGeom>
         </p:spPr>
         <p:txBody>
-          <a:bodyPr anchorCtr="0" anchor="t" bIns="91425" lIns="91425" rIns="91425" tIns="91425">
+          <a:bodyPr lIns="91425" tIns="91425" rIns="91425" bIns="91425" anchor="t" anchorCtr="0">
             <a:noAutofit/>
           </a:bodyPr>
           <a:lstStyle/>
@@ -11447,9 +11851,11 @@
       <p:sp>
         <p:nvSpPr>
           <p:cNvPr id="84" name="Shape 84"/>
-          <p:cNvSpPr txBox="1"/>
-          <p:nvPr>
-            <p:ph idx="1" type="body"/>
+          <p:cNvSpPr txBox="1">
+            <a:spLocks noGrp="1"/>
+          </p:cNvSpPr>
+          <p:nvPr>
+            <p:ph type="body" idx="1"/>
           </p:nvPr>
         </p:nvSpPr>
         <p:spPr>
@@ -11462,12 +11868,12 @@
           </a:prstGeom>
         </p:spPr>
         <p:txBody>
-          <a:bodyPr anchorCtr="0" anchor="t" bIns="91425" lIns="91425" rIns="91425" tIns="91425">
+          <a:bodyPr lIns="91425" tIns="91425" rIns="91425" bIns="91425" anchor="t" anchorCtr="0">
             <a:noAutofit/>
           </a:bodyPr>
           <a:lstStyle/>
           <a:p>
-            <a:pPr lvl="0" marR="0" rtl="0" algn="l">
+            <a:pPr marR="0" lvl="0" algn="l" rtl="0">
               <a:lnSpc>
                 <a:spcPct val="115000"/>
               </a:lnSpc>
@@ -11493,7 +11899,7 @@
             </a:r>
           </a:p>
           <a:p>
-            <a:pPr indent="-393700" lvl="0" marL="457200" marR="0" rtl="0" algn="l">
+            <a:pPr marL="457200" marR="0" lvl="0" indent="-393700" algn="l" rtl="0">
               <a:lnSpc>
                 <a:spcPct val="115000"/>
               </a:lnSpc>
@@ -11523,7 +11929,7 @@
             </a:r>
           </a:p>
           <a:p>
-            <a:pPr indent="-393700" lvl="0" marL="457200" marR="0" rtl="0" algn="l">
+            <a:pPr marL="457200" marR="0" lvl="0" indent="-393700" algn="l" rtl="0">
               <a:lnSpc>
                 <a:spcPct val="115000"/>
               </a:lnSpc>
@@ -11591,11 +11997,11 @@
 </file>
 
 <file path=ppt/slides/slide6.xml><?xml version="1.0" encoding="utf-8"?>
-<p:sld xmlns:a="http://schemas.openxmlformats.org/drawingml/2006/main" xmlns:r="http://schemas.openxmlformats.org/officeDocument/2006/relationships" xmlns:mc="http://schemas.openxmlformats.org/markup-compatibility/2006" xmlns:mv="urn:schemas-microsoft-com:mac:vml" xmlns:p="http://schemas.openxmlformats.org/presentationml/2006/main" xmlns:c="http://schemas.openxmlformats.org/drawingml/2006/chart" xmlns:dgm="http://schemas.openxmlformats.org/drawingml/2006/diagram" xmlns:o="urn:schemas-microsoft-com:office:office" xmlns:v="urn:schemas-microsoft-com:vml" xmlns:pvml="urn:schemas-microsoft-com:office:powerpoint" xmlns:com="http://schemas.openxmlformats.org/drawingml/2006/compatibility" xmlns:p14="http://schemas.microsoft.com/office/powerpoint/2010/main">
+<p:sld xmlns:a="http://schemas.openxmlformats.org/drawingml/2006/main" xmlns:r="http://schemas.openxmlformats.org/officeDocument/2006/relationships" xmlns:p="http://schemas.openxmlformats.org/presentationml/2006/main">
   <p:cSld>
     <p:spTree>
       <p:nvGrpSpPr>
-        <p:cNvPr id="89" name="Shape 89"/>
+        <p:cNvPr id="1" name="Shape 89"/>
         <p:cNvGrpSpPr/>
         <p:nvPr/>
       </p:nvGrpSpPr>
@@ -11610,7 +12016,9 @@
       <p:sp>
         <p:nvSpPr>
           <p:cNvPr id="90" name="Shape 90"/>
-          <p:cNvSpPr txBox="1"/>
+          <p:cNvSpPr txBox="1">
+            <a:spLocks noGrp="1"/>
+          </p:cNvSpPr>
           <p:nvPr>
             <p:ph type="title"/>
           </p:nvPr>
@@ -11625,7 +12033,7 @@
           </a:prstGeom>
         </p:spPr>
         <p:txBody>
-          <a:bodyPr anchorCtr="0" anchor="t" bIns="91425" lIns="91425" rIns="91425" tIns="91425">
+          <a:bodyPr lIns="91425" tIns="91425" rIns="91425" bIns="91425" anchor="t" anchorCtr="0">
             <a:noAutofit/>
           </a:bodyPr>
           <a:lstStyle/>
@@ -11646,9 +12054,11 @@
       <p:sp>
         <p:nvSpPr>
           <p:cNvPr id="91" name="Shape 91"/>
-          <p:cNvSpPr txBox="1"/>
-          <p:nvPr>
-            <p:ph idx="1" type="body"/>
+          <p:cNvSpPr txBox="1">
+            <a:spLocks noGrp="1"/>
+          </p:cNvSpPr>
+          <p:nvPr>
+            <p:ph type="body" idx="1"/>
           </p:nvPr>
         </p:nvSpPr>
         <p:spPr>
@@ -11661,12 +12071,12 @@
           </a:prstGeom>
         </p:spPr>
         <p:txBody>
-          <a:bodyPr anchorCtr="0" anchor="t" bIns="91425" lIns="91425" rIns="91425" tIns="91425">
+          <a:bodyPr lIns="91425" tIns="91425" rIns="91425" bIns="91425" anchor="t" anchorCtr="0">
             <a:noAutofit/>
           </a:bodyPr>
           <a:lstStyle/>
           <a:p>
-            <a:pPr indent="-393700" lvl="0" marL="457200" rtl="0">
+            <a:pPr marL="457200" lvl="0" indent="-393700" rtl="0">
               <a:spcBef>
                 <a:spcPts val="700"/>
               </a:spcBef>
@@ -11703,9 +12113,6 @@
               </a:spcAft>
               <a:buNone/>
             </a:pPr>
-            <a:r>
-              <a:t/>
-            </a:r>
             <a:endParaRPr sz="2600">
               <a:solidFill>
                 <a:srgbClr val="000000"/>
@@ -11723,9 +12130,6 @@
               </a:spcBef>
               <a:buNone/>
             </a:pPr>
-            <a:r>
-              <a:t/>
-            </a:r>
             <a:endParaRPr/>
           </a:p>
           <a:p>
@@ -11735,9 +12139,6 @@
               </a:spcBef>
               <a:buNone/>
             </a:pPr>
-            <a:r>
-              <a:t/>
-            </a:r>
             <a:endParaRPr/>
           </a:p>
         </p:txBody>
@@ -11779,11 +12180,11 @@
 </file>
 
 <file path=ppt/slides/slide7.xml><?xml version="1.0" encoding="utf-8"?>
-<p:sld xmlns:a="http://schemas.openxmlformats.org/drawingml/2006/main" xmlns:r="http://schemas.openxmlformats.org/officeDocument/2006/relationships" xmlns:mc="http://schemas.openxmlformats.org/markup-compatibility/2006" xmlns:mv="urn:schemas-microsoft-com:mac:vml" xmlns:p="http://schemas.openxmlformats.org/presentationml/2006/main" xmlns:c="http://schemas.openxmlformats.org/drawingml/2006/chart" xmlns:dgm="http://schemas.openxmlformats.org/drawingml/2006/diagram" xmlns:o="urn:schemas-microsoft-com:office:office" xmlns:v="urn:schemas-microsoft-com:vml" xmlns:pvml="urn:schemas-microsoft-com:office:powerpoint" xmlns:com="http://schemas.openxmlformats.org/drawingml/2006/compatibility" xmlns:p14="http://schemas.microsoft.com/office/powerpoint/2010/main">
+<p:sld xmlns:a="http://schemas.openxmlformats.org/drawingml/2006/main" xmlns:r="http://schemas.openxmlformats.org/officeDocument/2006/relationships" xmlns:p="http://schemas.openxmlformats.org/presentationml/2006/main">
   <p:cSld>
     <p:spTree>
       <p:nvGrpSpPr>
-        <p:cNvPr id="96" name="Shape 96"/>
+        <p:cNvPr id="1" name="Shape 96"/>
         <p:cNvGrpSpPr/>
         <p:nvPr/>
       </p:nvGrpSpPr>
@@ -11798,7 +12199,9 @@
       <p:sp>
         <p:nvSpPr>
           <p:cNvPr id="97" name="Shape 97"/>
-          <p:cNvSpPr txBox="1"/>
+          <p:cNvSpPr txBox="1">
+            <a:spLocks noGrp="1"/>
+          </p:cNvSpPr>
           <p:nvPr>
             <p:ph type="title"/>
           </p:nvPr>
@@ -11813,7 +12216,7 @@
           </a:prstGeom>
         </p:spPr>
         <p:txBody>
-          <a:bodyPr anchorCtr="0" anchor="t" bIns="91425" lIns="91425" rIns="91425" tIns="91425">
+          <a:bodyPr lIns="91425" tIns="91425" rIns="91425" bIns="91425" anchor="t" anchorCtr="0">
             <a:noAutofit/>
           </a:bodyPr>
           <a:lstStyle/>
@@ -11834,9 +12237,11 @@
       <p:sp>
         <p:nvSpPr>
           <p:cNvPr id="98" name="Shape 98"/>
-          <p:cNvSpPr txBox="1"/>
-          <p:nvPr>
-            <p:ph idx="1" type="body"/>
+          <p:cNvSpPr txBox="1">
+            <a:spLocks noGrp="1"/>
+          </p:cNvSpPr>
+          <p:nvPr>
+            <p:ph type="body" idx="1"/>
           </p:nvPr>
         </p:nvSpPr>
         <p:spPr>
@@ -11849,12 +12254,12 @@
           </a:prstGeom>
         </p:spPr>
         <p:txBody>
-          <a:bodyPr anchorCtr="0" anchor="t" bIns="91425" lIns="91425" rIns="91425" tIns="91425">
+          <a:bodyPr lIns="91425" tIns="91425" rIns="91425" bIns="91425" anchor="t" anchorCtr="0">
             <a:noAutofit/>
           </a:bodyPr>
           <a:lstStyle/>
           <a:p>
-            <a:pPr indent="-381000" lvl="0" marL="457200" marR="0" rtl="0" algn="l">
+            <a:pPr marL="457200" marR="0" lvl="0" indent="-381000" algn="l" rtl="0">
               <a:lnSpc>
                 <a:spcPct val="115000"/>
               </a:lnSpc>
@@ -11885,7 +12290,7 @@
             </a:r>
           </a:p>
           <a:p>
-            <a:pPr indent="-381000" lvl="0" marL="914400" marR="0" rtl="0" algn="l">
+            <a:pPr marL="914400" marR="0" lvl="0" indent="-381000" algn="l" rtl="0">
               <a:lnSpc>
                 <a:spcPct val="115000"/>
               </a:lnSpc>
@@ -11916,7 +12321,7 @@
             </a:r>
           </a:p>
           <a:p>
-            <a:pPr indent="-381000" lvl="0" marL="914400" marR="0" rtl="0" algn="l">
+            <a:pPr marL="914400" marR="0" lvl="0" indent="-381000" algn="l" rtl="0">
               <a:lnSpc>
                 <a:spcPct val="115000"/>
               </a:lnSpc>
@@ -11953,9 +12358,6 @@
               </a:spcBef>
               <a:buNone/>
             </a:pPr>
-            <a:r>
-              <a:t/>
-            </a:r>
             <a:endParaRPr sz="2400"/>
           </a:p>
         </p:txBody>
@@ -11969,11 +12371,11 @@
 </file>
 
 <file path=ppt/slides/slide8.xml><?xml version="1.0" encoding="utf-8"?>
-<p:sld xmlns:a="http://schemas.openxmlformats.org/drawingml/2006/main" xmlns:r="http://schemas.openxmlformats.org/officeDocument/2006/relationships" xmlns:mc="http://schemas.openxmlformats.org/markup-compatibility/2006" xmlns:mv="urn:schemas-microsoft-com:mac:vml" xmlns:p="http://schemas.openxmlformats.org/presentationml/2006/main" xmlns:c="http://schemas.openxmlformats.org/drawingml/2006/chart" xmlns:dgm="http://schemas.openxmlformats.org/drawingml/2006/diagram" xmlns:o="urn:schemas-microsoft-com:office:office" xmlns:v="urn:schemas-microsoft-com:vml" xmlns:pvml="urn:schemas-microsoft-com:office:powerpoint" xmlns:com="http://schemas.openxmlformats.org/drawingml/2006/compatibility" xmlns:p14="http://schemas.microsoft.com/office/powerpoint/2010/main">
+<p:sld xmlns:a="http://schemas.openxmlformats.org/drawingml/2006/main" xmlns:r="http://schemas.openxmlformats.org/officeDocument/2006/relationships" xmlns:p="http://schemas.openxmlformats.org/presentationml/2006/main">
   <p:cSld>
     <p:spTree>
       <p:nvGrpSpPr>
-        <p:cNvPr id="102" name="Shape 102"/>
+        <p:cNvPr id="1" name="Shape 102"/>
         <p:cNvGrpSpPr/>
         <p:nvPr/>
       </p:nvGrpSpPr>
@@ -11988,7 +12390,9 @@
       <p:sp>
         <p:nvSpPr>
           <p:cNvPr id="103" name="Shape 103"/>
-          <p:cNvSpPr txBox="1"/>
+          <p:cNvSpPr txBox="1">
+            <a:spLocks noGrp="1"/>
+          </p:cNvSpPr>
           <p:nvPr>
             <p:ph type="title"/>
           </p:nvPr>
@@ -12003,7 +12407,7 @@
           </a:prstGeom>
         </p:spPr>
         <p:txBody>
-          <a:bodyPr anchorCtr="0" anchor="t" bIns="91425" lIns="91425" rIns="91425" tIns="91425">
+          <a:bodyPr lIns="91425" tIns="91425" rIns="91425" bIns="91425" anchor="t" anchorCtr="0">
             <a:noAutofit/>
           </a:bodyPr>
           <a:lstStyle/>
@@ -12024,9 +12428,11 @@
       <p:sp>
         <p:nvSpPr>
           <p:cNvPr id="104" name="Shape 104"/>
-          <p:cNvSpPr txBox="1"/>
-          <p:nvPr>
-            <p:ph idx="1" type="body"/>
+          <p:cNvSpPr txBox="1">
+            <a:spLocks noGrp="1"/>
+          </p:cNvSpPr>
+          <p:nvPr>
+            <p:ph type="body" idx="1"/>
           </p:nvPr>
         </p:nvSpPr>
         <p:spPr>
@@ -12039,12 +12445,12 @@
           </a:prstGeom>
         </p:spPr>
         <p:txBody>
-          <a:bodyPr anchorCtr="0" anchor="t" bIns="91425" lIns="91425" rIns="91425" tIns="91425">
+          <a:bodyPr lIns="91425" tIns="91425" rIns="91425" bIns="91425" anchor="t" anchorCtr="0">
             <a:noAutofit/>
           </a:bodyPr>
           <a:lstStyle/>
           <a:p>
-            <a:pPr indent="-381000" lvl="0" marL="914400" marR="0" rtl="0" algn="l">
+            <a:pPr marL="914400" marR="0" lvl="0" indent="-381000" algn="l" rtl="0">
               <a:lnSpc>
                 <a:spcPct val="115000"/>
               </a:lnSpc>
@@ -12075,7 +12481,7 @@
             </a:r>
           </a:p>
           <a:p>
-            <a:pPr indent="-381000" lvl="0" marL="914400" marR="0" rtl="0" algn="l">
+            <a:pPr marL="914400" marR="0" lvl="0" indent="-381000" algn="l" rtl="0">
               <a:lnSpc>
                 <a:spcPct val="115000"/>
               </a:lnSpc>
@@ -12112,9 +12518,6 @@
               </a:spcBef>
               <a:buNone/>
             </a:pPr>
-            <a:r>
-              <a:t/>
-            </a:r>
             <a:endParaRPr sz="2400"/>
           </a:p>
         </p:txBody>
@@ -12128,11 +12531,11 @@
 </file>
 
 <file path=ppt/slides/slide9.xml><?xml version="1.0" encoding="utf-8"?>
-<p:sld xmlns:a="http://schemas.openxmlformats.org/drawingml/2006/main" xmlns:r="http://schemas.openxmlformats.org/officeDocument/2006/relationships" xmlns:mc="http://schemas.openxmlformats.org/markup-compatibility/2006" xmlns:mv="urn:schemas-microsoft-com:mac:vml" xmlns:p="http://schemas.openxmlformats.org/presentationml/2006/main" xmlns:c="http://schemas.openxmlformats.org/drawingml/2006/chart" xmlns:dgm="http://schemas.openxmlformats.org/drawingml/2006/diagram" xmlns:o="urn:schemas-microsoft-com:office:office" xmlns:v="urn:schemas-microsoft-com:vml" xmlns:pvml="urn:schemas-microsoft-com:office:powerpoint" xmlns:com="http://schemas.openxmlformats.org/drawingml/2006/compatibility" xmlns:p14="http://schemas.microsoft.com/office/powerpoint/2010/main">
+<p:sld xmlns:a="http://schemas.openxmlformats.org/drawingml/2006/main" xmlns:r="http://schemas.openxmlformats.org/officeDocument/2006/relationships" xmlns:p="http://schemas.openxmlformats.org/presentationml/2006/main">
   <p:cSld>
     <p:spTree>
       <p:nvGrpSpPr>
-        <p:cNvPr id="108" name="Shape 108"/>
+        <p:cNvPr id="1" name="Shape 108"/>
         <p:cNvGrpSpPr/>
         <p:nvPr/>
       </p:nvGrpSpPr>
@@ -12147,7 +12550,9 @@
       <p:sp>
         <p:nvSpPr>
           <p:cNvPr id="109" name="Shape 109"/>
-          <p:cNvSpPr txBox="1"/>
+          <p:cNvSpPr txBox="1">
+            <a:spLocks noGrp="1"/>
+          </p:cNvSpPr>
           <p:nvPr>
             <p:ph type="title"/>
           </p:nvPr>
@@ -12162,7 +12567,7 @@
           </a:prstGeom>
         </p:spPr>
         <p:txBody>
-          <a:bodyPr anchorCtr="0" anchor="t" bIns="91425" lIns="91425" rIns="91425" tIns="91425">
+          <a:bodyPr lIns="91425" tIns="91425" rIns="91425" bIns="91425" anchor="t" anchorCtr="0">
             <a:noAutofit/>
           </a:bodyPr>
           <a:lstStyle/>
@@ -12217,7 +12622,7 @@
 </file>
 
 <file path=ppt/theme/theme1.xml><?xml version="1.0" encoding="utf-8"?>
-<a:theme xmlns:a="http://schemas.openxmlformats.org/drawingml/2006/main" xmlns:r="http://schemas.openxmlformats.org/officeDocument/2006/relationships" name="spearmint">
+<a:theme xmlns:a="http://schemas.openxmlformats.org/drawingml/2006/main" name="spearmint">
   <a:themeElements>
     <a:clrScheme name="Spearmint">
       <a:dk1>
@@ -12492,11 +12897,13 @@
       </a:bgFillStyleLst>
     </a:fmtScheme>
   </a:themeElements>
+  <a:objectDefaults/>
+  <a:extraClrSchemeLst/>
 </a:theme>
 </file>
 
 <file path=ppt/theme/theme2.xml><?xml version="1.0" encoding="utf-8"?>
-<a:theme xmlns:a="http://schemas.openxmlformats.org/drawingml/2006/main" xmlns:r="http://schemas.openxmlformats.org/officeDocument/2006/relationships" name="Custom Theme">
+<a:theme xmlns:a="http://schemas.openxmlformats.org/drawingml/2006/main" name="Custom Theme">
   <a:themeElements>
     <a:clrScheme name="Default">
       <a:dk1>
@@ -12771,5 +13178,7 @@
       </a:bgFillStyleLst>
     </a:fmtScheme>
   </a:themeElements>
+  <a:objectDefaults/>
+  <a:extraClrSchemeLst/>
 </a:theme>
 </file>